--- a/Project Report on OSDA.pptx
+++ b/Project Report on OSDA.pptx
@@ -6,19 +6,26 @@
     <p:sldMasterId id="2147483661" r:id="rId3"/>
   </p:sldMasterIdLst>
   <p:notesMasterIdLst>
-    <p:notesMasterId r:id="rId14"/>
+    <p:notesMasterId r:id="rId21"/>
   </p:notesMasterIdLst>
   <p:sldIdLst>
     <p:sldId id="286" r:id="rId4"/>
     <p:sldId id="287" r:id="rId5"/>
     <p:sldId id="288" r:id="rId6"/>
-    <p:sldId id="290" r:id="rId7"/>
+    <p:sldId id="306" r:id="rId7"/>
     <p:sldId id="298" r:id="rId8"/>
-    <p:sldId id="299" r:id="rId9"/>
-    <p:sldId id="306" r:id="rId10"/>
-    <p:sldId id="294" r:id="rId11"/>
-    <p:sldId id="297" r:id="rId12"/>
-    <p:sldId id="285" r:id="rId13"/>
+    <p:sldId id="290" r:id="rId9"/>
+    <p:sldId id="310" r:id="rId10"/>
+    <p:sldId id="312" r:id="rId11"/>
+    <p:sldId id="311" r:id="rId12"/>
+    <p:sldId id="294" r:id="rId13"/>
+    <p:sldId id="317" r:id="rId14"/>
+    <p:sldId id="313" r:id="rId15"/>
+    <p:sldId id="314" r:id="rId16"/>
+    <p:sldId id="316" r:id="rId17"/>
+    <p:sldId id="297" r:id="rId18"/>
+    <p:sldId id="315" r:id="rId19"/>
+    <p:sldId id="285" r:id="rId20"/>
   </p:sldIdLst>
   <p:sldSz cx="12192000" cy="6858000"/>
   <p:notesSz cx="6858000" cy="9144000"/>
@@ -124,829 +131,6 @@
 <p:cmAuthorLst xmlns:a="http://schemas.openxmlformats.org/drawingml/2006/main" xmlns:r="http://schemas.openxmlformats.org/officeDocument/2006/relationships" xmlns:p="http://schemas.openxmlformats.org/presentationml/2006/main">
   <p:cmAuthor id="1" name="Кутьков Юрий Юрьевич" initials="КЮЮ" lastIdx="4" clrIdx="0"/>
 </p:cmAuthorLst>
-</file>
-
-<file path=ppt/charts/chart1.xml><?xml version="1.0" encoding="utf-8"?>
-<c:chartSpace xmlns:c="http://schemas.openxmlformats.org/drawingml/2006/chart" xmlns:a="http://schemas.openxmlformats.org/drawingml/2006/main" xmlns:r="http://schemas.openxmlformats.org/officeDocument/2006/relationships">
-  <c:date1904 val="0"/>
-  <c:lang val="zh-CN"/>
-  <c:roundedCorners val="0"/>
-  <mc:AlternateContent xmlns:mc="http://schemas.openxmlformats.org/markup-compatibility/2006">
-    <mc:Choice xmlns:c14="http://schemas.microsoft.com/office/drawing/2007/8/2/chart" Requires="c14">
-      <c14:style val="102"/>
-    </mc:Choice>
-    <mc:Fallback>
-      <c:style val="2"/>
-    </mc:Fallback>
-  </mc:AlternateContent>
-  <c:chart>
-    <c:title>
-      <c:tx>
-        <c:rich>
-          <a:bodyPr rot="0" spcFirstLastPara="1" vertOverflow="ellipsis" vert="horz" wrap="square" anchor="ctr" anchorCtr="1"/>
-          <a:lstStyle/>
-          <a:p>
-            <a:pPr marL="0" marR="0" lvl="0" indent="0" algn="ctr" defTabSz="914400" rtl="0" eaLnBrk="1" fontAlgn="auto" latinLnBrk="0" hangingPunct="1">
-              <a:lnSpc>
-                <a:spcPct val="100000"/>
-              </a:lnSpc>
-              <a:spcBef>
-                <a:spcPts val="0"/>
-              </a:spcBef>
-              <a:spcAft>
-                <a:spcPts val="0"/>
-              </a:spcAft>
-              <a:buClrTx/>
-              <a:buSzTx/>
-              <a:buFontTx/>
-              <a:buNone/>
-              <a:defRPr lang="zh-CN" sz="1600" b="0" i="0" u="none" strike="noStrike" kern="1200" baseline="0">
-                <a:solidFill>
-                  <a:srgbClr val="102D69"/>
-                </a:solidFill>
-                <a:latin typeface="HSE Sans" panose="02000000000000000000" pitchFamily="2" charset="0"/>
-                <a:ea typeface="+mn-ea"/>
-                <a:cs typeface="+mn-cs"/>
-              </a:defRPr>
-            </a:pPr>
-            <a:r>
-              <a:rPr lang="en-US" sz="1600" b="0" i="0" baseline="0" dirty="0">
-                <a:effectLst/>
-              </a:rPr>
-              <a:t>Name of chart can be placed here</a:t>
-            </a:r>
-            <a:endParaRPr lang="en-US" sz="1600" b="0" i="0" baseline="0" dirty="0">
-              <a:effectLst/>
-            </a:endParaRPr>
-          </a:p>
-        </c:rich>
-      </c:tx>
-      <c:layout/>
-      <c:overlay val="0"/>
-      <c:spPr>
-        <a:noFill/>
-        <a:ln>
-          <a:noFill/>
-        </a:ln>
-        <a:effectLst/>
-      </c:spPr>
-    </c:title>
-    <c:autoTitleDeleted val="0"/>
-    <c:plotArea>
-      <c:layout/>
-      <c:pieChart>
-        <c:varyColors val="1"/>
-        <c:ser>
-          <c:idx val="0"/>
-          <c:order val="0"/>
-          <c:tx>
-            <c:strRef>
-              <c:f>Sheet1!$B$1</c:f>
-              <c:strCache>
-                <c:ptCount val="1"/>
-                <c:pt idx="0">
-                  <c:v>Sales</c:v>
-                </c:pt>
-              </c:strCache>
-            </c:strRef>
-          </c:tx>
-          <c:spPr>
-            <a:solidFill>
-              <a:srgbClr val="1656A6"/>
-            </a:solidFill>
-          </c:spPr>
-          <c:explosion val="0"/>
-          <c:dPt>
-            <c:idx val="0"/>
-            <c:bubble3D val="0"/>
-            <c:spPr>
-              <a:solidFill>
-                <a:srgbClr val="102D69"/>
-              </a:solidFill>
-              <a:ln>
-                <a:noFill/>
-              </a:ln>
-              <a:effectLst/>
-            </c:spPr>
-          </c:dPt>
-          <c:dPt>
-            <c:idx val="1"/>
-            <c:bubble3D val="0"/>
-            <c:spPr>
-              <a:solidFill>
-                <a:schemeClr val="bg1">
-                  <a:lumMod val="75000"/>
-                </a:schemeClr>
-              </a:solidFill>
-              <a:ln>
-                <a:noFill/>
-              </a:ln>
-              <a:effectLst/>
-            </c:spPr>
-          </c:dPt>
-          <c:dPt>
-            <c:idx val="2"/>
-            <c:bubble3D val="0"/>
-            <c:spPr>
-              <a:solidFill>
-                <a:schemeClr val="bg1">
-                  <a:lumMod val="85000"/>
-                </a:schemeClr>
-              </a:solidFill>
-              <a:ln>
-                <a:noFill/>
-              </a:ln>
-              <a:effectLst/>
-            </c:spPr>
-          </c:dPt>
-          <c:dPt>
-            <c:idx val="3"/>
-            <c:bubble3D val="0"/>
-            <c:spPr>
-              <a:solidFill>
-                <a:srgbClr val="1656A6"/>
-              </a:solidFill>
-              <a:ln>
-                <a:noFill/>
-              </a:ln>
-              <a:effectLst/>
-            </c:spPr>
-          </c:dPt>
-          <c:dLbls>
-            <c:spPr>
-              <a:noFill/>
-              <a:ln>
-                <a:noFill/>
-              </a:ln>
-              <a:effectLst/>
-            </c:spPr>
-            <c:txPr>
-              <a:bodyPr rot="0" spcFirstLastPara="1" vertOverflow="ellipsis" vert="horz" wrap="square" lIns="38100" tIns="19050" rIns="38100" bIns="19050" anchor="ctr" anchorCtr="1">
-                <a:spAutoFit/>
-              </a:bodyPr>
-              <a:lstStyle/>
-              <a:p>
-                <a:pPr>
-                  <a:defRPr lang="zh-CN" sz="1600" b="0" i="0" u="none" strike="noStrike" kern="1200" baseline="0">
-                    <a:solidFill>
-                      <a:schemeClr val="bg1"/>
-                    </a:solidFill>
-                    <a:latin typeface="HSE Sans" panose="02000000000000000000" pitchFamily="2" charset="0"/>
-                    <a:ea typeface="+mn-ea"/>
-                    <a:cs typeface="+mn-cs"/>
-                  </a:defRPr>
-                </a:pPr>
-              </a:p>
-            </c:txPr>
-            <c:dLblPos val="inEnd"/>
-            <c:showLegendKey val="0"/>
-            <c:showVal val="0"/>
-            <c:showCatName val="0"/>
-            <c:showSerName val="0"/>
-            <c:showPercent val="1"/>
-            <c:showBubbleSize val="0"/>
-            <c:showLeaderLines val="1"/>
-            <c:extLst>
-              <c:ext xmlns:c15="http://schemas.microsoft.com/office/drawing/2012/chart" uri="{CE6537A1-D6FC-4f65-9D91-7224C49458BB}">
-                <c15:layout/>
-                <c15:showLeaderLines val="1"/>
-                <c15:leaderLines>
-                  <c:spPr>
-                    <a:ln w="9525">
-                      <a:solidFill>
-                        <a:schemeClr val="tx2">
-                          <a:lumMod val="35000"/>
-                          <a:lumOff val="65000"/>
-                        </a:schemeClr>
-                      </a:solidFill>
-                    </a:ln>
-                    <a:effectLst/>
-                  </c:spPr>
-                </c15:leaderLines>
-              </c:ext>
-            </c:extLst>
-          </c:dLbls>
-          <c:cat>
-            <c:strRef>
-              <c:f>Sheet1!$A$2:$A$5</c:f>
-              <c:strCache>
-                <c:ptCount val="4"/>
-                <c:pt idx="0">
-                  <c:v>1st Qtr</c:v>
-                </c:pt>
-                <c:pt idx="1">
-                  <c:v>2nd Qtr</c:v>
-                </c:pt>
-                <c:pt idx="2">
-                  <c:v>3rd Qtr</c:v>
-                </c:pt>
-                <c:pt idx="3">
-                  <c:v>4th Qtr</c:v>
-                </c:pt>
-              </c:strCache>
-            </c:strRef>
-          </c:cat>
-          <c:val>
-            <c:numRef>
-              <c:f>Sheet1!$B$2:$B$5</c:f>
-              <c:numCache>
-                <c:formatCode>General</c:formatCode>
-                <c:ptCount val="4"/>
-                <c:pt idx="0">
-                  <c:v>8.2</c:v>
-                </c:pt>
-                <c:pt idx="1">
-                  <c:v>3.2</c:v>
-                </c:pt>
-                <c:pt idx="2">
-                  <c:v>1.4</c:v>
-                </c:pt>
-                <c:pt idx="3">
-                  <c:v>1.2</c:v>
-                </c:pt>
-              </c:numCache>
-            </c:numRef>
-          </c:val>
-        </c:ser>
-        <c:dLbls>
-          <c:showLegendKey val="0"/>
-          <c:showVal val="0"/>
-          <c:showCatName val="0"/>
-          <c:showSerName val="0"/>
-          <c:showPercent val="1"/>
-          <c:showBubbleSize val="0"/>
-          <c:showLeaderLines val="1"/>
-        </c:dLbls>
-        <c:firstSliceAng val="0"/>
-      </c:pieChart>
-      <c:spPr>
-        <a:noFill/>
-        <a:ln>
-          <a:noFill/>
-        </a:ln>
-        <a:effectLst/>
-      </c:spPr>
-    </c:plotArea>
-    <c:legend>
-      <c:legendPos val="b"/>
-      <c:layout/>
-      <c:overlay val="0"/>
-      <c:spPr>
-        <a:noFill/>
-        <a:ln>
-          <a:noFill/>
-        </a:ln>
-        <a:effectLst/>
-      </c:spPr>
-      <c:txPr>
-        <a:bodyPr rot="0" spcFirstLastPara="1" vertOverflow="ellipsis" vert="horz" wrap="square" anchor="ctr" anchorCtr="1"/>
-        <a:lstStyle/>
-        <a:p>
-          <a:pPr>
-            <a:defRPr lang="zh-CN" sz="1195" b="0" i="0" u="none" strike="noStrike" kern="1200" baseline="0">
-              <a:solidFill>
-                <a:srgbClr val="102D69"/>
-              </a:solidFill>
-              <a:latin typeface="+mn-lt"/>
-              <a:ea typeface="+mn-ea"/>
-              <a:cs typeface="+mn-cs"/>
-            </a:defRPr>
-          </a:pPr>
-        </a:p>
-      </c:txPr>
-    </c:legend>
-    <c:plotVisOnly val="1"/>
-    <c:dispBlanksAs val="gap"/>
-    <c:showDLblsOverMax val="0"/>
-  </c:chart>
-  <c:spPr>
-    <a:noFill/>
-    <a:ln>
-      <a:noFill/>
-    </a:ln>
-    <a:effectLst/>
-  </c:spPr>
-  <c:txPr>
-    <a:bodyPr/>
-    <a:lstStyle/>
-    <a:p>
-      <a:pPr>
-        <a:defRPr lang="zh-CN"/>
-      </a:pPr>
-    </a:p>
-  </c:txPr>
-  <c:externalData r:id="rId1">
-    <c:autoUpdate val="0"/>
-  </c:externalData>
-</c:chartSpace>
-</file>
-
-<file path=ppt/charts/colors1.xml><?xml version="1.0" encoding="utf-8"?>
-<cs:colorStyle xmlns:cs="http://schemas.microsoft.com/office/drawing/2012/chartStyle" xmlns:a="http://schemas.openxmlformats.org/drawingml/2006/main" meth="cycle" id="10">
-  <a:schemeClr val="accent1"/>
-  <a:schemeClr val="accent2"/>
-  <a:schemeClr val="accent3"/>
-  <a:schemeClr val="accent4"/>
-  <a:schemeClr val="accent5"/>
-  <a:schemeClr val="accent6"/>
-  <cs:variation/>
-  <cs:variation>
-    <a:lumMod val="60000"/>
-  </cs:variation>
-  <cs:variation>
-    <a:lumMod val="80000"/>
-    <a:lumOff val="20000"/>
-  </cs:variation>
-  <cs:variation>
-    <a:lumMod val="80000"/>
-  </cs:variation>
-  <cs:variation>
-    <a:lumMod val="60000"/>
-    <a:lumOff val="40000"/>
-  </cs:variation>
-  <cs:variation>
-    <a:lumMod val="50000"/>
-  </cs:variation>
-  <cs:variation>
-    <a:lumMod val="70000"/>
-    <a:lumOff val="30000"/>
-  </cs:variation>
-  <cs:variation>
-    <a:lumMod val="70000"/>
-  </cs:variation>
-  <cs:variation>
-    <a:lumMod val="50000"/>
-    <a:lumOff val="50000"/>
-  </cs:variation>
-</cs:colorStyle>
-</file>
-
-<file path=ppt/charts/style1.xml><?xml version="1.0" encoding="utf-8"?>
-<cs:chartStyle xmlns:cs="http://schemas.microsoft.com/office/drawing/2012/chartStyle" xmlns:a="http://schemas.openxmlformats.org/drawingml/2006/main" id="255">
-  <cs:axisTitle>
-    <cs:lnRef idx="0"/>
-    <cs:fillRef idx="0"/>
-    <cs:effectRef idx="0"/>
-    <cs:fontRef idx="minor">
-      <a:schemeClr val="tx2"/>
-    </cs:fontRef>
-    <cs:defRPr sz="1195" b="1" kern="1200"/>
-  </cs:axisTitle>
-  <cs:categoryAxis>
-    <cs:lnRef idx="0"/>
-    <cs:fillRef idx="0"/>
-    <cs:effectRef idx="0"/>
-    <cs:fontRef idx="minor">
-      <a:schemeClr val="tx2"/>
-    </cs:fontRef>
-    <cs:spPr>
-      <a:ln w="9525" cap="flat" cmpd="sng" algn="ctr">
-        <a:solidFill>
-          <a:schemeClr val="tx2">
-            <a:lumMod val="15000"/>
-            <a:lumOff val="85000"/>
-          </a:schemeClr>
-        </a:solidFill>
-        <a:round/>
-      </a:ln>
-    </cs:spPr>
-    <cs:defRPr sz="1195" kern="1200"/>
-  </cs:categoryAxis>
-  <cs:chartArea mods="allowNoFillOverride allowNoLineOverride">
-    <cs:lnRef idx="0"/>
-    <cs:fillRef idx="0"/>
-    <cs:effectRef idx="0"/>
-    <cs:fontRef idx="minor">
-      <a:schemeClr val="tx2"/>
-    </cs:fontRef>
-    <cs:spPr>
-      <a:solidFill>
-        <a:schemeClr val="bg1"/>
-      </a:solidFill>
-      <a:ln w="9525" cap="flat" cmpd="sng" algn="ctr">
-        <a:solidFill>
-          <a:schemeClr val="tx2">
-            <a:lumMod val="15000"/>
-            <a:lumOff val="85000"/>
-          </a:schemeClr>
-        </a:solidFill>
-        <a:round/>
-      </a:ln>
-    </cs:spPr>
-    <cs:defRPr sz="1195" kern="1200"/>
-  </cs:chartArea>
-  <cs:dataLabel>
-    <cs:lnRef idx="0"/>
-    <cs:fillRef idx="0"/>
-    <cs:effectRef idx="0"/>
-    <cs:fontRef idx="minor">
-      <a:schemeClr val="tx2"/>
-    </cs:fontRef>
-    <cs:defRPr sz="1195" kern="1200"/>
-  </cs:dataLabel>
-  <cs:dataLabelCallout>
-    <cs:lnRef idx="0"/>
-    <cs:fillRef idx="0"/>
-    <cs:effectRef idx="0"/>
-    <cs:fontRef idx="minor">
-      <a:schemeClr val="dk2">
-        <a:lumMod val="75000"/>
-      </a:schemeClr>
-    </cs:fontRef>
-    <cs:spPr>
-      <a:solidFill>
-        <a:schemeClr val="lt1"/>
-      </a:solidFill>
-      <a:ln>
-        <a:solidFill>
-          <a:schemeClr val="dk1">
-            <a:lumMod val="25000"/>
-            <a:lumOff val="75000"/>
-          </a:schemeClr>
-        </a:solidFill>
-      </a:ln>
-    </cs:spPr>
-    <cs:defRPr sz="1195" kern="1200"/>
-    <cs:bodyPr rot="0" spcFirstLastPara="1" vertOverflow="clip" horzOverflow="clip" vert="horz" wrap="square" lIns="36576" tIns="18288" rIns="36576" bIns="18288" anchor="ctr" anchorCtr="1">
-      <a:spAutoFit/>
-    </cs:bodyPr>
-  </cs:dataLabelCallout>
-  <cs:dataPoint>
-    <cs:lnRef idx="0"/>
-    <cs:fillRef idx="3">
-      <cs:styleClr val="auto"/>
-    </cs:fillRef>
-    <cs:effectRef idx="2"/>
-    <cs:fontRef idx="minor">
-      <a:schemeClr val="tx2"/>
-    </cs:fontRef>
-  </cs:dataPoint>
-  <cs:dataPoint3D>
-    <cs:lnRef idx="0"/>
-    <cs:fillRef idx="3">
-      <cs:styleClr val="auto"/>
-    </cs:fillRef>
-    <cs:effectRef idx="2"/>
-    <cs:fontRef idx="minor">
-      <a:schemeClr val="tx2"/>
-    </cs:fontRef>
-  </cs:dataPoint3D>
-  <cs:dataPointLine>
-    <cs:lnRef idx="0">
-      <cs:styleClr val="auto"/>
-    </cs:lnRef>
-    <cs:fillRef idx="3"/>
-    <cs:effectRef idx="2"/>
-    <cs:fontRef idx="minor">
-      <a:schemeClr val="tx2"/>
-    </cs:fontRef>
-    <cs:spPr>
-      <a:ln w="31750" cap="rnd">
-        <a:solidFill>
-          <a:schemeClr val="phClr"/>
-        </a:solidFill>
-        <a:round/>
-      </a:ln>
-    </cs:spPr>
-  </cs:dataPointLine>
-  <cs:dataPointMarker>
-    <cs:lnRef idx="0"/>
-    <cs:fillRef idx="3">
-      <cs:styleClr val="auto"/>
-    </cs:fillRef>
-    <cs:effectRef idx="2"/>
-    <cs:fontRef idx="minor">
-      <a:schemeClr val="tx2"/>
-    </cs:fontRef>
-    <cs:spPr>
-      <a:ln w="12700">
-        <a:solidFill>
-          <a:schemeClr val="lt2"/>
-        </a:solidFill>
-        <a:round/>
-      </a:ln>
-    </cs:spPr>
-  </cs:dataPointMarker>
-  <cs:dataPointMarkerLayout symbol="circle" size="6"/>
-  <cs:dataPointWireframe>
-    <cs:lnRef idx="0">
-      <cs:styleClr val="auto"/>
-    </cs:lnRef>
-    <cs:fillRef idx="3"/>
-    <cs:effectRef idx="2"/>
-    <cs:fontRef idx="minor">
-      <a:schemeClr val="tx2"/>
-    </cs:fontRef>
-    <cs:spPr>
-      <a:ln w="9525" cap="rnd">
-        <a:solidFill>
-          <a:schemeClr val="phClr"/>
-        </a:solidFill>
-        <a:round/>
-      </a:ln>
-    </cs:spPr>
-  </cs:dataPointWireframe>
-  <cs:dataTable>
-    <cs:lnRef idx="0"/>
-    <cs:fillRef idx="0"/>
-    <cs:effectRef idx="0"/>
-    <cs:fontRef idx="minor">
-      <a:schemeClr val="tx2"/>
-    </cs:fontRef>
-    <cs:spPr>
-      <a:ln w="9525">
-        <a:solidFill>
-          <a:schemeClr val="tx2">
-            <a:lumMod val="15000"/>
-            <a:lumOff val="85000"/>
-          </a:schemeClr>
-        </a:solidFill>
-      </a:ln>
-    </cs:spPr>
-    <cs:defRPr sz="1195" kern="1200"/>
-  </cs:dataTable>
-  <cs:downBar>
-    <cs:lnRef idx="0"/>
-    <cs:fillRef idx="0"/>
-    <cs:effectRef idx="0"/>
-    <cs:fontRef idx="minor">
-      <a:schemeClr val="dk1"/>
-    </cs:fontRef>
-    <cs:spPr>
-      <a:solidFill>
-        <a:schemeClr val="dk1">
-          <a:lumMod val="65000"/>
-          <a:lumOff val="35000"/>
-        </a:schemeClr>
-      </a:solidFill>
-      <a:ln w="9525">
-        <a:solidFill>
-          <a:schemeClr val="tx1">
-            <a:lumMod val="65000"/>
-            <a:lumOff val="35000"/>
-          </a:schemeClr>
-        </a:solidFill>
-      </a:ln>
-    </cs:spPr>
-  </cs:downBar>
-  <cs:dropLine>
-    <cs:lnRef idx="0"/>
-    <cs:fillRef idx="0"/>
-    <cs:effectRef idx="0"/>
-    <cs:fontRef idx="minor">
-      <a:schemeClr val="tx2"/>
-    </cs:fontRef>
-    <cs:spPr>
-      <a:ln w="9525">
-        <a:solidFill>
-          <a:schemeClr val="tx2">
-            <a:lumMod val="60000"/>
-            <a:lumOff val="40000"/>
-          </a:schemeClr>
-        </a:solidFill>
-        <a:prstDash val="dash"/>
-      </a:ln>
-    </cs:spPr>
-  </cs:dropLine>
-  <cs:errorBar>
-    <cs:lnRef idx="0"/>
-    <cs:fillRef idx="0"/>
-    <cs:effectRef idx="0"/>
-    <cs:fontRef idx="minor">
-      <a:schemeClr val="tx2"/>
-    </cs:fontRef>
-    <cs:spPr>
-      <a:ln w="9525">
-        <a:solidFill>
-          <a:schemeClr val="tx2">
-            <a:lumMod val="75000"/>
-          </a:schemeClr>
-        </a:solidFill>
-        <a:round/>
-      </a:ln>
-    </cs:spPr>
-  </cs:errorBar>
-  <cs:floor>
-    <cs:lnRef idx="0"/>
-    <cs:fillRef idx="0"/>
-    <cs:effectRef idx="0"/>
-    <cs:fontRef idx="minor">
-      <a:schemeClr val="tx2"/>
-    </cs:fontRef>
-  </cs:floor>
-  <cs:gridlineMajor>
-    <cs:lnRef idx="0"/>
-    <cs:fillRef idx="0"/>
-    <cs:effectRef idx="0"/>
-    <cs:fontRef idx="minor">
-      <a:schemeClr val="tx2"/>
-    </cs:fontRef>
-    <cs:spPr>
-      <a:ln w="9525" cap="flat" cmpd="sng" algn="ctr">
-        <a:solidFill>
-          <a:schemeClr val="tx2">
-            <a:lumMod val="15000"/>
-            <a:lumOff val="85000"/>
-          </a:schemeClr>
-        </a:solidFill>
-        <a:round/>
-      </a:ln>
-    </cs:spPr>
-  </cs:gridlineMajor>
-  <cs:gridlineMinor>
-    <cs:lnRef idx="0"/>
-    <cs:fillRef idx="0"/>
-    <cs:effectRef idx="0"/>
-    <cs:fontRef idx="minor">
-      <a:schemeClr val="tx2"/>
-    </cs:fontRef>
-    <cs:spPr>
-      <a:ln>
-        <a:solidFill>
-          <a:schemeClr val="tx2">
-            <a:lumMod val="5000"/>
-            <a:lumOff val="95000"/>
-          </a:schemeClr>
-        </a:solidFill>
-      </a:ln>
-    </cs:spPr>
-  </cs:gridlineMinor>
-  <cs:hiLoLine>
-    <cs:lnRef idx="0"/>
-    <cs:fillRef idx="0"/>
-    <cs:effectRef idx="0"/>
-    <cs:fontRef idx="minor">
-      <a:schemeClr val="tx2"/>
-    </cs:fontRef>
-    <cs:spPr>
-      <a:ln w="9525">
-        <a:solidFill>
-          <a:schemeClr val="tx2">
-            <a:lumMod val="60000"/>
-            <a:lumOff val="40000"/>
-          </a:schemeClr>
-        </a:solidFill>
-        <a:prstDash val="dash"/>
-      </a:ln>
-    </cs:spPr>
-  </cs:hiLoLine>
-  <cs:leaderLine>
-    <cs:lnRef idx="0"/>
-    <cs:fillRef idx="0"/>
-    <cs:effectRef idx="0"/>
-    <cs:fontRef idx="minor">
-      <a:schemeClr val="tx2"/>
-    </cs:fontRef>
-    <cs:spPr>
-      <a:ln w="9525">
-        <a:solidFill>
-          <a:schemeClr val="tx2">
-            <a:lumMod val="35000"/>
-            <a:lumOff val="65000"/>
-          </a:schemeClr>
-        </a:solidFill>
-      </a:ln>
-    </cs:spPr>
-  </cs:leaderLine>
-  <cs:legend>
-    <cs:lnRef idx="0"/>
-    <cs:fillRef idx="0"/>
-    <cs:effectRef idx="0"/>
-    <cs:fontRef idx="minor">
-      <a:schemeClr val="tx2"/>
-    </cs:fontRef>
-    <cs:defRPr sz="1195" kern="1200"/>
-  </cs:legend>
-  <cs:plotArea>
-    <cs:lnRef idx="0"/>
-    <cs:fillRef idx="0"/>
-    <cs:effectRef idx="0"/>
-    <cs:fontRef idx="minor">
-      <a:schemeClr val="tx2"/>
-    </cs:fontRef>
-  </cs:plotArea>
-  <cs:plotArea3D>
-    <cs:lnRef idx="0"/>
-    <cs:fillRef idx="0"/>
-    <cs:effectRef idx="0"/>
-    <cs:fontRef idx="minor">
-      <a:schemeClr val="tx2"/>
-    </cs:fontRef>
-  </cs:plotArea3D>
-  <cs:seriesAxis>
-    <cs:lnRef idx="0"/>
-    <cs:fillRef idx="0"/>
-    <cs:effectRef idx="0"/>
-    <cs:fontRef idx="minor">
-      <a:schemeClr val="tx2"/>
-    </cs:fontRef>
-    <cs:spPr>
-      <a:ln w="9525" cap="flat" cmpd="sng" algn="ctr">
-        <a:solidFill>
-          <a:schemeClr val="tx2">
-            <a:lumMod val="15000"/>
-            <a:lumOff val="85000"/>
-          </a:schemeClr>
-        </a:solidFill>
-        <a:round/>
-      </a:ln>
-    </cs:spPr>
-    <cs:defRPr sz="1195" kern="1200"/>
-  </cs:seriesAxis>
-  <cs:seriesLine>
-    <cs:lnRef idx="0"/>
-    <cs:fillRef idx="0"/>
-    <cs:effectRef idx="0"/>
-    <cs:fontRef idx="minor">
-      <a:schemeClr val="tx2"/>
-    </cs:fontRef>
-    <cs:spPr>
-      <a:ln w="9525">
-        <a:solidFill>
-          <a:schemeClr val="tx2">
-            <a:lumMod val="60000"/>
-            <a:lumOff val="40000"/>
-          </a:schemeClr>
-        </a:solidFill>
-        <a:prstDash val="dash"/>
-      </a:ln>
-    </cs:spPr>
-  </cs:seriesLine>
-  <cs:title>
-    <cs:lnRef idx="0"/>
-    <cs:fillRef idx="0"/>
-    <cs:effectRef idx="0"/>
-    <cs:fontRef idx="minor">
-      <a:schemeClr val="tx2"/>
-    </cs:fontRef>
-    <cs:defRPr sz="2130" b="1" kern="1200"/>
-  </cs:title>
-  <cs:trendline>
-    <cs:lnRef idx="0">
-      <cs:styleClr val="auto"/>
-    </cs:lnRef>
-    <cs:fillRef idx="0"/>
-    <cs:effectRef idx="0"/>
-    <cs:fontRef idx="minor">
-      <a:schemeClr val="tx2"/>
-    </cs:fontRef>
-    <cs:spPr>
-      <a:ln w="19050" cap="rnd">
-        <a:solidFill>
-          <a:schemeClr val="phClr"/>
-        </a:solidFill>
-        <a:prstDash val="sysDash"/>
-      </a:ln>
-    </cs:spPr>
-  </cs:trendline>
-  <cs:trendlineLabel>
-    <cs:lnRef idx="0"/>
-    <cs:fillRef idx="0"/>
-    <cs:effectRef idx="0"/>
-    <cs:fontRef idx="minor">
-      <a:schemeClr val="tx2"/>
-    </cs:fontRef>
-    <cs:defRPr sz="1195" kern="1200"/>
-  </cs:trendlineLabel>
-  <cs:upBar>
-    <cs:lnRef idx="0"/>
-    <cs:fillRef idx="0"/>
-    <cs:effectRef idx="0"/>
-    <cs:fontRef idx="minor">
-      <a:schemeClr val="tx2"/>
-    </cs:fontRef>
-    <cs:spPr>
-      <a:solidFill>
-        <a:schemeClr val="lt1"/>
-      </a:solidFill>
-      <a:ln w="9525">
-        <a:solidFill>
-          <a:schemeClr val="tx1">
-            <a:lumMod val="15000"/>
-            <a:lumOff val="85000"/>
-          </a:schemeClr>
-        </a:solidFill>
-      </a:ln>
-    </cs:spPr>
-  </cs:upBar>
-  <cs:valueAxis>
-    <cs:lnRef idx="0"/>
-    <cs:fillRef idx="0"/>
-    <cs:effectRef idx="0"/>
-    <cs:fontRef idx="minor">
-      <a:schemeClr val="tx2"/>
-    </cs:fontRef>
-    <cs:defRPr sz="1195" kern="1200"/>
-  </cs:valueAxis>
-  <cs:wall>
-    <cs:lnRef idx="0"/>
-    <cs:fillRef idx="0"/>
-    <cs:effectRef idx="0"/>
-    <cs:fontRef idx="minor">
-      <a:schemeClr val="tx2"/>
-    </cs:fontRef>
-  </cs:wall>
-</cs:chartStyle>
 </file>
 
 <file path=ppt/notesMasters/notesMaster1.xml><?xml version="1.0" encoding="utf-8"?>
@@ -25898,89 +25082,31 @@
           <p:cNvSpPr>
             <a:spLocks noGrp="1"/>
           </p:cNvSpPr>
-          <p:nvPr/>
-        </p:nvSpPr>
-        <p:spPr>
-          <a:xfrm>
-            <a:off x="4462780" y="2743835"/>
-            <a:ext cx="3266440" cy="917575"/>
-          </a:xfrm>
-          <a:prstGeom prst="rect">
-            <a:avLst/>
-          </a:prstGeom>
-        </p:spPr>
-        <p:txBody>
-          <a:bodyPr lIns="0" tIns="0" rIns="0" bIns="0" anchor="t">
-            <a:noAutofit/>
-          </a:bodyPr>
-          <a:lstStyle>
-            <a:lvl1pPr algn="l" defTabSz="914400" rtl="0" eaLnBrk="1" latinLnBrk="0" hangingPunct="1">
-              <a:lnSpc>
-                <a:spcPct val="100000"/>
-              </a:lnSpc>
-              <a:spcBef>
-                <a:spcPct val="0"/>
-              </a:spcBef>
-              <a:buNone/>
-              <a:defRPr sz="2400" b="0" i="0" kern="1200">
-                <a:solidFill>
-                  <a:schemeClr val="tx1"/>
-                </a:solidFill>
-                <a:latin typeface="HSE Sans" panose="02000000000000000000" pitchFamily="2" charset="0"/>
-                <a:ea typeface="+mj-ea"/>
-                <a:cs typeface="+mj-cs"/>
-              </a:defRPr>
-            </a:lvl1pPr>
-          </a:lstStyle>
-          <a:p>
-            <a:r>
-              <a:rPr lang="en-US" altLang="ru-RU" sz="4000"/>
-              <a:t>Thank you!</a:t>
-            </a:r>
-            <a:endParaRPr lang="en-US" altLang="ru-RU" sz="4000"/>
-          </a:p>
-        </p:txBody>
-      </p:sp>
-    </p:spTree>
-  </p:cSld>
-  <p:clrMapOvr>
-    <a:masterClrMapping/>
-  </p:clrMapOvr>
-</p:sld>
-</file>
-
-<file path=ppt/slides/slide2.xml><?xml version="1.0" encoding="utf-8"?>
-<p:sld xmlns:a="http://schemas.openxmlformats.org/drawingml/2006/main" xmlns:r="http://schemas.openxmlformats.org/officeDocument/2006/relationships" xmlns:p="http://schemas.openxmlformats.org/presentationml/2006/main">
-  <p:cSld>
-    <p:spTree>
-      <p:nvGrpSpPr>
-        <p:cNvPr id="1" name=""/>
-        <p:cNvGrpSpPr/>
-        <p:nvPr/>
-      </p:nvGrpSpPr>
-      <p:grpSpPr>
-        <a:xfrm>
-          <a:off x="0" y="0"/>
-          <a:ext cx="0" cy="0"/>
-          <a:chOff x="0" y="0"/>
-          <a:chExt cx="0" cy="0"/>
-        </a:xfrm>
-      </p:grpSpPr>
-      <p:sp>
-        <p:nvSpPr>
-          <p:cNvPr id="3" name="Заголовок 2"/>
-          <p:cNvSpPr>
-            <a:spLocks noGrp="1"/>
-          </p:cNvSpPr>
           <p:nvPr>
             <p:ph type="title"/>
           </p:nvPr>
         </p:nvSpPr>
         <p:spPr/>
         <p:txBody>
-          <a:bodyPr/>
+          <a:bodyPr>
+            <a:normAutofit fontScale="90000"/>
+          </a:bodyPr>
           <a:lstStyle/>
           <a:p>
+            <a:r>
+              <a:rPr lang="ru-RU"/>
+              <a:t>Feature correlation visualization</a:t>
+            </a:r>
+            <a:br>
+              <a:rPr lang="ru-RU"/>
+            </a:br>
+            <a:br>
+              <a:rPr lang="ru-RU"/>
+            </a:br>
+            <a:r>
+              <a:rPr lang="ru-RU"/>
+              <a:t>Visualize correlations between features using seaborn's heatmap</a:t>
+            </a:r>
             <a:endParaRPr lang="ru-RU"/>
           </a:p>
         </p:txBody>
@@ -25992,7 +25118,7 @@
             <a:spLocks noGrp="1"/>
           </p:cNvSpPr>
           <p:nvPr>
-            <p:ph type="body" sz="quarter" idx="12"/>
+            <p:ph type="body" sz="quarter" idx="16"/>
           </p:nvPr>
         </p:nvSpPr>
         <p:spPr/>
@@ -26000,59 +25126,13 @@
           <a:bodyPr/>
           <a:lstStyle/>
           <a:p>
-            <a:r>
-              <a:rPr lang="ru-RU"/>
-              <a:t>Background</a:t>
-            </a:r>
-            <a:endParaRPr lang="ru-RU"/>
-          </a:p>
-          <a:p>
-            <a:r>
-              <a:rPr lang="ru-RU"/>
-              <a:t>Titanic: An Olympic-class liner of the British White Star Line, construction began on 31 March 1909 at the Harland &amp; Wolff shipyard in Belfast Harbour, Ireland, was launched on 31 May 1911 and completed for sea trials on 2 April 1912.</a:t>
-            </a:r>
-            <a:endParaRPr lang="ru-RU"/>
-          </a:p>
-          <a:p>
-            <a:r>
-              <a:rPr lang="ru-RU"/>
-              <a:t>First voyage: 10 April 1912</a:t>
-            </a:r>
-            <a:endParaRPr lang="ru-RU"/>
-          </a:p>
-          <a:p>
-            <a:r>
-              <a:rPr lang="ru-RU"/>
-              <a:t>Route: From Southampton, England, via Cherbourg-Octeville, France, and Queenstown, Ireland, to New York, USA.</a:t>
-            </a:r>
-            <a:endParaRPr lang="ru-RU"/>
-          </a:p>
-          <a:p>
-            <a:r>
-              <a:rPr lang="ru-RU"/>
-              <a:t>Shipwreck: 15 April 1912 (hit an iceberg at around 2340 hours on 14 April 1912)</a:t>
-            </a:r>
-            <a:endParaRPr lang="ru-RU"/>
-          </a:p>
-          <a:p>
-            <a:r>
-              <a:rPr lang="ru-RU"/>
-              <a:t>Number of crew + passengers: 2224</a:t>
-            </a:r>
-            <a:endParaRPr lang="ru-RU"/>
-          </a:p>
-          <a:p>
-            <a:r>
-              <a:rPr lang="ru-RU"/>
-              <a:t>Number of people killed: 1502 (67.5%)</a:t>
-            </a:r>
             <a:endParaRPr lang="ru-RU"/>
           </a:p>
         </p:txBody>
       </p:sp>
       <p:sp>
         <p:nvSpPr>
-          <p:cNvPr id="5" name="Текст 4"/>
+          <p:cNvPr id="6" name="Текст 5"/>
           <p:cNvSpPr>
             <a:spLocks noGrp="1"/>
           </p:cNvSpPr>
@@ -26065,13 +25145,19 @@
           <a:bodyPr/>
           <a:lstStyle/>
           <a:p>
+            <a:r>
+              <a:rPr lang="en-US" altLang="ru-RU">
+                <a:sym typeface="+mn-ea"/>
+              </a:rPr>
+              <a:t>Feature Extraction</a:t>
+            </a:r>
             <a:endParaRPr lang="ru-RU"/>
           </a:p>
         </p:txBody>
       </p:sp>
       <p:sp>
         <p:nvSpPr>
-          <p:cNvPr id="6" name="Текст 5"/>
+          <p:cNvPr id="7" name="Текст 6"/>
           <p:cNvSpPr>
             <a:spLocks noGrp="1"/>
           </p:cNvSpPr>
@@ -26090,7 +25176,7 @@
       </p:sp>
       <p:sp>
         <p:nvSpPr>
-          <p:cNvPr id="7" name="Текст 6"/>
+          <p:cNvPr id="8" name="Текст 7"/>
           <p:cNvSpPr>
             <a:spLocks noGrp="1"/>
           </p:cNvSpPr>
@@ -26107,9 +25193,25 @@
           </a:p>
         </p:txBody>
       </p:sp>
+      <p:sp>
+        <p:nvSpPr>
+          <p:cNvPr id="9" name="文本占位符 8"/>
+          <p:cNvSpPr/>
+          <p:nvPr>
+            <p:ph type="body" sz="quarter" idx="12"/>
+          </p:nvPr>
+        </p:nvSpPr>
+        <p:spPr/>
+        <p:txBody>
+          <a:bodyPr/>
+          <a:p>
+            <a:endParaRPr lang="zh-CN" altLang="en-US"/>
+          </a:p>
+        </p:txBody>
+      </p:sp>
       <p:pic>
         <p:nvPicPr>
-          <p:cNvPr id="8" name="图片 7" descr="截屏2022-12-13 上午5.01.15"/>
+          <p:cNvPr id="10" name="图片 9" descr="截屏2022-12-15 上午1.41.24"/>
           <p:cNvPicPr>
             <a:picLocks noChangeAspect="1"/>
           </p:cNvPicPr>
@@ -26123,8 +25225,8 @@
         </p:blipFill>
         <p:spPr>
           <a:xfrm>
-            <a:off x="6259830" y="1974215"/>
-            <a:ext cx="5184775" cy="2910205"/>
+            <a:off x="5732145" y="1246505"/>
+            <a:ext cx="5844540" cy="5361305"/>
           </a:xfrm>
           <a:prstGeom prst="rect">
             <a:avLst/>
@@ -26139,869 +25241,7 @@
 </p:sld>
 </file>
 
-<file path=ppt/slides/slide3.xml><?xml version="1.0" encoding="utf-8"?>
-<p:sld xmlns:a="http://schemas.openxmlformats.org/drawingml/2006/main" xmlns:r="http://schemas.openxmlformats.org/officeDocument/2006/relationships" xmlns:p="http://schemas.openxmlformats.org/presentationml/2006/main">
-  <p:cSld>
-    <p:spTree>
-      <p:nvGrpSpPr>
-        <p:cNvPr id="1" name=""/>
-        <p:cNvGrpSpPr/>
-        <p:nvPr/>
-      </p:nvGrpSpPr>
-      <p:grpSpPr>
-        <a:xfrm>
-          <a:off x="0" y="0"/>
-          <a:ext cx="0" cy="0"/>
-          <a:chOff x="0" y="0"/>
-          <a:chExt cx="0" cy="0"/>
-        </a:xfrm>
-      </p:grpSpPr>
-      <p:sp>
-        <p:nvSpPr>
-          <p:cNvPr id="14" name="Заголовок 13"/>
-          <p:cNvSpPr>
-            <a:spLocks noGrp="1"/>
-          </p:cNvSpPr>
-          <p:nvPr>
-            <p:ph type="title"/>
-          </p:nvPr>
-        </p:nvSpPr>
-        <p:spPr/>
-        <p:txBody>
-          <a:bodyPr/>
-          <a:lstStyle/>
-          <a:p>
-            <a:r>
-              <a:rPr lang="en-US" altLang="ru-RU"/>
-              <a:t>Overview</a:t>
-            </a:r>
-            <a:endParaRPr lang="en-US" altLang="ru-RU"/>
-          </a:p>
-        </p:txBody>
-      </p:sp>
-      <p:sp>
-        <p:nvSpPr>
-          <p:cNvPr id="16" name="Текст 15"/>
-          <p:cNvSpPr>
-            <a:spLocks noGrp="1"/>
-          </p:cNvSpPr>
-          <p:nvPr>
-            <p:ph type="body" sz="quarter" idx="12"/>
-          </p:nvPr>
-        </p:nvSpPr>
-        <p:spPr>
-          <a:xfrm>
-            <a:off x="586105" y="2379980"/>
-            <a:ext cx="2159635" cy="2399030"/>
-          </a:xfrm>
-        </p:spPr>
-        <p:txBody>
-          <a:bodyPr>
-            <a:normAutofit lnSpcReduction="10000"/>
-          </a:bodyPr>
-          <a:lstStyle/>
-          <a:p>
-            <a:r>
-              <a:rPr lang="en-US" altLang="ru-RU"/>
-              <a:t>Passenger ID</a:t>
-            </a:r>
-            <a:endParaRPr lang="en-US" altLang="ru-RU"/>
-          </a:p>
-          <a:p>
-            <a:r>
-              <a:rPr lang="en-US" altLang="ru-RU"/>
-              <a:t>Survived: 1-38% 2-62%</a:t>
-            </a:r>
-            <a:endParaRPr lang="en-US" altLang="ru-RU"/>
-          </a:p>
-          <a:p>
-            <a:r>
-              <a:rPr lang="en-US" altLang="ru-RU"/>
-              <a:t>Pclass:1,2,3</a:t>
-            </a:r>
-            <a:endParaRPr lang="en-US" altLang="ru-RU"/>
-          </a:p>
-          <a:p>
-            <a:r>
-              <a:rPr lang="en-US" altLang="ru-RU"/>
-              <a:t>Name</a:t>
-            </a:r>
-            <a:endParaRPr lang="en-US" altLang="ru-RU"/>
-          </a:p>
-          <a:p>
-            <a:r>
-              <a:rPr lang="en-US" altLang="ru-RU"/>
-              <a:t>Sex</a:t>
-            </a:r>
-            <a:endParaRPr lang="en-US" altLang="ru-RU"/>
-          </a:p>
-          <a:p>
-            <a:r>
-              <a:rPr lang="en-US" altLang="ru-RU"/>
-              <a:t>Age:missing 20% data</a:t>
-            </a:r>
-            <a:endParaRPr lang="en-US" altLang="ru-RU"/>
-          </a:p>
-          <a:p>
-            <a:r>
-              <a:rPr lang="en-US" altLang="ru-RU"/>
-              <a:t>Sibsp:1-8</a:t>
-            </a:r>
-            <a:endParaRPr lang="en-US" altLang="ru-RU"/>
-          </a:p>
-          <a:p>
-            <a:r>
-              <a:rPr lang="en-US" altLang="ru-RU"/>
-              <a:t>Ticket number</a:t>
-            </a:r>
-            <a:endParaRPr lang="en-US" altLang="ru-RU"/>
-          </a:p>
-        </p:txBody>
-      </p:sp>
-      <p:sp>
-        <p:nvSpPr>
-          <p:cNvPr id="20" name="Текст 19"/>
-          <p:cNvSpPr>
-            <a:spLocks noGrp="1"/>
-          </p:cNvSpPr>
-          <p:nvPr>
-            <p:ph type="body" sz="quarter" idx="16"/>
-          </p:nvPr>
-        </p:nvSpPr>
-        <p:spPr/>
-        <p:txBody>
-          <a:bodyPr/>
-          <a:lstStyle/>
-          <a:p>
-            <a:endParaRPr lang="ru-RU"/>
-          </a:p>
-        </p:txBody>
-      </p:sp>
-      <p:sp>
-        <p:nvSpPr>
-          <p:cNvPr id="17" name="Текст 16"/>
-          <p:cNvSpPr>
-            <a:spLocks noGrp="1"/>
-          </p:cNvSpPr>
-          <p:nvPr>
-            <p:ph type="body" sz="quarter" idx="13"/>
-          </p:nvPr>
-        </p:nvSpPr>
-        <p:spPr/>
-        <p:txBody>
-          <a:bodyPr/>
-          <a:lstStyle/>
-          <a:p>
-            <a:endParaRPr lang="ru-RU"/>
-          </a:p>
-        </p:txBody>
-      </p:sp>
-      <p:sp>
-        <p:nvSpPr>
-          <p:cNvPr id="18" name="Текст 17"/>
-          <p:cNvSpPr>
-            <a:spLocks noGrp="1"/>
-          </p:cNvSpPr>
-          <p:nvPr>
-            <p:ph type="body" sz="quarter" idx="14"/>
-          </p:nvPr>
-        </p:nvSpPr>
-        <p:spPr/>
-        <p:txBody>
-          <a:bodyPr/>
-          <a:lstStyle/>
-          <a:p>
-            <a:endParaRPr lang="ru-RU"/>
-          </a:p>
-        </p:txBody>
-      </p:sp>
-      <p:sp>
-        <p:nvSpPr>
-          <p:cNvPr id="19" name="Текст 18"/>
-          <p:cNvSpPr>
-            <a:spLocks noGrp="1"/>
-          </p:cNvSpPr>
-          <p:nvPr>
-            <p:ph type="body" sz="quarter" idx="15"/>
-          </p:nvPr>
-        </p:nvSpPr>
-        <p:spPr/>
-        <p:txBody>
-          <a:bodyPr/>
-          <a:lstStyle/>
-          <a:p>
-            <a:endParaRPr lang="ru-RU"/>
-          </a:p>
-        </p:txBody>
-      </p:sp>
-      <p:sp>
-        <p:nvSpPr>
-          <p:cNvPr id="5" name="Текст 4"/>
-          <p:cNvSpPr>
-            <a:spLocks noGrp="1"/>
-          </p:cNvSpPr>
-          <p:nvPr/>
-        </p:nvSpPr>
-        <p:spPr>
-          <a:xfrm>
-            <a:off x="6944788" y="2379663"/>
-            <a:ext cx="4322531" cy="2399371"/>
-          </a:xfrm>
-          <a:prstGeom prst="rect">
-            <a:avLst/>
-          </a:prstGeom>
-        </p:spPr>
-        <p:txBody>
-          <a:bodyPr lIns="0" tIns="0" rIns="0">
-            <a:normAutofit lnSpcReduction="10000"/>
-          </a:bodyPr>
-          <a:lstStyle>
-            <a:lvl1pPr marL="0" marR="0" indent="0" algn="l" defTabSz="914400" rtl="0" eaLnBrk="1" fontAlgn="auto" latinLnBrk="0" hangingPunct="1">
-              <a:lnSpc>
-                <a:spcPct val="100000"/>
-              </a:lnSpc>
-              <a:spcBef>
-                <a:spcPts val="1000"/>
-              </a:spcBef>
-              <a:spcAft>
-                <a:spcPts val="0"/>
-              </a:spcAft>
-              <a:buClrTx/>
-              <a:buSzTx/>
-              <a:buFont typeface="Arial" panose="020B0604020202090204" pitchFamily="34" charset="0"/>
-              <a:buNone/>
-              <a:defRPr sz="1300" b="0" i="0" kern="1200">
-                <a:solidFill>
-                  <a:srgbClr val="0E2D69"/>
-                </a:solidFill>
-                <a:latin typeface="HSE Sans" panose="02000000000000000000" pitchFamily="2" charset="0"/>
-                <a:ea typeface="+mn-ea"/>
-                <a:cs typeface="+mn-cs"/>
-              </a:defRPr>
-            </a:lvl1pPr>
-            <a:lvl2pPr marL="457200" indent="0" algn="l" defTabSz="914400" rtl="0" eaLnBrk="1" latinLnBrk="0" hangingPunct="1">
-              <a:lnSpc>
-                <a:spcPct val="100000"/>
-              </a:lnSpc>
-              <a:spcBef>
-                <a:spcPts val="1000"/>
-              </a:spcBef>
-              <a:buFont typeface="Arial" panose="020B0604020202090204" pitchFamily="34" charset="0"/>
-              <a:buNone/>
-              <a:defRPr sz="1300" b="0" i="0" kern="1200">
-                <a:solidFill>
-                  <a:srgbClr val="0E2D69"/>
-                </a:solidFill>
-                <a:latin typeface="HSE Sans" panose="02000000000000000000" pitchFamily="2" charset="0"/>
-                <a:ea typeface="+mn-ea"/>
-                <a:cs typeface="+mn-cs"/>
-              </a:defRPr>
-            </a:lvl2pPr>
-            <a:lvl3pPr marL="914400" indent="0" algn="l" defTabSz="914400" rtl="0" eaLnBrk="1" latinLnBrk="0" hangingPunct="1">
-              <a:lnSpc>
-                <a:spcPct val="100000"/>
-              </a:lnSpc>
-              <a:spcBef>
-                <a:spcPts val="1000"/>
-              </a:spcBef>
-              <a:buFont typeface="Arial" panose="020B0604020202090204" pitchFamily="34" charset="0"/>
-              <a:buNone/>
-              <a:defRPr sz="1300" b="0" i="0" kern="1200">
-                <a:solidFill>
-                  <a:srgbClr val="0E2D69"/>
-                </a:solidFill>
-                <a:latin typeface="HSE Sans" panose="02000000000000000000" pitchFamily="2" charset="0"/>
-                <a:ea typeface="+mn-ea"/>
-                <a:cs typeface="+mn-cs"/>
-              </a:defRPr>
-            </a:lvl3pPr>
-            <a:lvl4pPr marL="1371600" indent="0" algn="l" defTabSz="914400" rtl="0" eaLnBrk="1" latinLnBrk="0" hangingPunct="1">
-              <a:lnSpc>
-                <a:spcPct val="100000"/>
-              </a:lnSpc>
-              <a:spcBef>
-                <a:spcPts val="1000"/>
-              </a:spcBef>
-              <a:buFont typeface="Arial" panose="020B0604020202090204" pitchFamily="34" charset="0"/>
-              <a:buNone/>
-              <a:defRPr sz="1300" b="0" i="0" kern="1200">
-                <a:solidFill>
-                  <a:srgbClr val="0E2D69"/>
-                </a:solidFill>
-                <a:latin typeface="HSE Sans" panose="02000000000000000000" pitchFamily="2" charset="0"/>
-                <a:ea typeface="+mn-ea"/>
-                <a:cs typeface="+mn-cs"/>
-              </a:defRPr>
-            </a:lvl4pPr>
-            <a:lvl5pPr marL="1828800" indent="0" algn="l" defTabSz="914400" rtl="0" eaLnBrk="1" latinLnBrk="0" hangingPunct="1">
-              <a:lnSpc>
-                <a:spcPct val="100000"/>
-              </a:lnSpc>
-              <a:spcBef>
-                <a:spcPts val="1000"/>
-              </a:spcBef>
-              <a:buFont typeface="Arial" panose="020B0604020202090204" pitchFamily="34" charset="0"/>
-              <a:buNone/>
-              <a:defRPr sz="1300" b="0" i="0" kern="1200">
-                <a:solidFill>
-                  <a:srgbClr val="0E2D69"/>
-                </a:solidFill>
-                <a:latin typeface="HSE Sans" panose="02000000000000000000" pitchFamily="2" charset="0"/>
-                <a:ea typeface="+mn-ea"/>
-                <a:cs typeface="+mn-cs"/>
-              </a:defRPr>
-            </a:lvl5pPr>
-            <a:lvl6pPr marL="2514600" indent="-228600" algn="l" defTabSz="914400" rtl="0" eaLnBrk="1" latinLnBrk="0" hangingPunct="1">
-              <a:lnSpc>
-                <a:spcPct val="90000"/>
-              </a:lnSpc>
-              <a:spcBef>
-                <a:spcPts val="500"/>
-              </a:spcBef>
-              <a:buFont typeface="Arial" panose="020B0604020202090204" pitchFamily="34" charset="0"/>
-              <a:buChar char="•"/>
-              <a:defRPr sz="1800" kern="1200">
-                <a:solidFill>
-                  <a:schemeClr val="tx1"/>
-                </a:solidFill>
-                <a:latin typeface="+mn-lt"/>
-                <a:ea typeface="+mn-ea"/>
-                <a:cs typeface="+mn-cs"/>
-              </a:defRPr>
-            </a:lvl6pPr>
-            <a:lvl7pPr marL="2971800" indent="-228600" algn="l" defTabSz="914400" rtl="0" eaLnBrk="1" latinLnBrk="0" hangingPunct="1">
-              <a:lnSpc>
-                <a:spcPct val="90000"/>
-              </a:lnSpc>
-              <a:spcBef>
-                <a:spcPts val="500"/>
-              </a:spcBef>
-              <a:buFont typeface="Arial" panose="020B0604020202090204" pitchFamily="34" charset="0"/>
-              <a:buChar char="•"/>
-              <a:defRPr sz="1800" kern="1200">
-                <a:solidFill>
-                  <a:schemeClr val="tx1"/>
-                </a:solidFill>
-                <a:latin typeface="+mn-lt"/>
-                <a:ea typeface="+mn-ea"/>
-                <a:cs typeface="+mn-cs"/>
-              </a:defRPr>
-            </a:lvl7pPr>
-            <a:lvl8pPr marL="3429000" indent="-228600" algn="l" defTabSz="914400" rtl="0" eaLnBrk="1" latinLnBrk="0" hangingPunct="1">
-              <a:lnSpc>
-                <a:spcPct val="90000"/>
-              </a:lnSpc>
-              <a:spcBef>
-                <a:spcPts val="500"/>
-              </a:spcBef>
-              <a:buFont typeface="Arial" panose="020B0604020202090204" pitchFamily="34" charset="0"/>
-              <a:buChar char="•"/>
-              <a:defRPr sz="1800" kern="1200">
-                <a:solidFill>
-                  <a:schemeClr val="tx1"/>
-                </a:solidFill>
-                <a:latin typeface="+mn-lt"/>
-                <a:ea typeface="+mn-ea"/>
-                <a:cs typeface="+mn-cs"/>
-              </a:defRPr>
-            </a:lvl8pPr>
-            <a:lvl9pPr marL="3886200" indent="-228600" algn="l" defTabSz="914400" rtl="0" eaLnBrk="1" latinLnBrk="0" hangingPunct="1">
-              <a:lnSpc>
-                <a:spcPct val="90000"/>
-              </a:lnSpc>
-              <a:spcBef>
-                <a:spcPts val="500"/>
-              </a:spcBef>
-              <a:buFont typeface="Arial" panose="020B0604020202090204" pitchFamily="34" charset="0"/>
-              <a:buChar char="•"/>
-              <a:defRPr sz="1800" kern="1200">
-                <a:solidFill>
-                  <a:schemeClr val="tx1"/>
-                </a:solidFill>
-                <a:latin typeface="+mn-lt"/>
-                <a:ea typeface="+mn-ea"/>
-                <a:cs typeface="+mn-cs"/>
-              </a:defRPr>
-            </a:lvl9pPr>
-          </a:lstStyle>
-          <a:p>
-            <a:r>
-              <a:rPr lang="ru-RU"/>
-              <a:t>Question or problem definition.</a:t>
-            </a:r>
-            <a:endParaRPr lang="ru-RU"/>
-          </a:p>
-          <a:p>
-            <a:r>
-              <a:rPr lang="ru-RU"/>
-              <a:t>Acquire training and testing d</a:t>
-            </a:r>
-            <a:r>
-              <a:rPr lang="en-US" altLang="ru-RU"/>
-              <a:t>ata</a:t>
-            </a:r>
-            <a:endParaRPr lang="en-US" altLang="ru-RU"/>
-          </a:p>
-          <a:p>
-            <a:r>
-              <a:rPr lang="en-US" altLang="ru-RU"/>
-              <a:t>Wrangle, prepare, cleanse the data.</a:t>
-            </a:r>
-            <a:endParaRPr lang="en-US" altLang="ru-RU"/>
-          </a:p>
-          <a:p>
-            <a:r>
-              <a:rPr lang="en-US" altLang="ru-RU"/>
-              <a:t>Analyze, identify patterns, and explore the data.</a:t>
-            </a:r>
-            <a:endParaRPr lang="en-US" altLang="ru-RU"/>
-          </a:p>
-          <a:p>
-            <a:r>
-              <a:rPr lang="en-US" altLang="ru-RU"/>
-              <a:t>Model, predict and solve the problem</a:t>
-            </a:r>
-            <a:endParaRPr lang="en-US" altLang="ru-RU"/>
-          </a:p>
-          <a:p>
-            <a:r>
-              <a:rPr lang="en-US" altLang="ru-RU"/>
-              <a:t>Visualize, report, and present the problem solving steps and final solution.</a:t>
-            </a:r>
-            <a:endParaRPr lang="en-US" altLang="ru-RU"/>
-          </a:p>
-          <a:p>
-            <a:r>
-              <a:rPr lang="en-US" altLang="ru-RU"/>
-              <a:t>Supply or submit the results.</a:t>
-            </a:r>
-            <a:endParaRPr lang="en-US" altLang="ru-RU"/>
-          </a:p>
-        </p:txBody>
-      </p:sp>
-      <p:sp>
-        <p:nvSpPr>
-          <p:cNvPr id="4" name="Текст 3"/>
-          <p:cNvSpPr>
-            <a:spLocks noGrp="1"/>
-          </p:cNvSpPr>
-          <p:nvPr/>
-        </p:nvSpPr>
-        <p:spPr>
-          <a:xfrm>
-            <a:off x="6944678" y="1447699"/>
-            <a:ext cx="4322762" cy="703205"/>
-          </a:xfrm>
-          <a:prstGeom prst="rect">
-            <a:avLst/>
-          </a:prstGeom>
-        </p:spPr>
-        <p:txBody>
-          <a:bodyPr>
-            <a:noAutofit/>
-          </a:bodyPr>
-          <a:lstStyle>
-            <a:lvl1pPr marL="0" indent="0" algn="l" defTabSz="914400" rtl="0" eaLnBrk="1" latinLnBrk="0" hangingPunct="1">
-              <a:lnSpc>
-                <a:spcPct val="90000"/>
-              </a:lnSpc>
-              <a:spcBef>
-                <a:spcPts val="1000"/>
-              </a:spcBef>
-              <a:buFont typeface="Arial" panose="020B0604020202090204" pitchFamily="34" charset="0"/>
-              <a:buNone/>
-              <a:defRPr sz="1600" b="0" i="0" kern="1200">
-                <a:solidFill>
-                  <a:srgbClr val="0E2D69"/>
-                </a:solidFill>
-                <a:latin typeface="HSE Sans" panose="02000000000000000000" pitchFamily="2" charset="0"/>
-                <a:ea typeface="+mn-ea"/>
-                <a:cs typeface="+mn-cs"/>
-              </a:defRPr>
-            </a:lvl1pPr>
-            <a:lvl2pPr marL="685800" indent="-228600" algn="l" defTabSz="914400" rtl="0" eaLnBrk="1" latinLnBrk="0" hangingPunct="1">
-              <a:lnSpc>
-                <a:spcPct val="90000"/>
-              </a:lnSpc>
-              <a:spcBef>
-                <a:spcPts val="500"/>
-              </a:spcBef>
-              <a:buFont typeface="Arial" panose="020B0604020202090204" pitchFamily="34" charset="0"/>
-              <a:buChar char="•"/>
-              <a:defRPr sz="1600" b="0" i="0" kern="1200">
-                <a:solidFill>
-                  <a:srgbClr val="0E2D69"/>
-                </a:solidFill>
-                <a:latin typeface="HSE Sans" panose="02000000000000000000" pitchFamily="2" charset="0"/>
-                <a:ea typeface="+mn-ea"/>
-                <a:cs typeface="+mn-cs"/>
-              </a:defRPr>
-            </a:lvl2pPr>
-            <a:lvl3pPr marL="1143000" indent="-228600" algn="l" defTabSz="914400" rtl="0" eaLnBrk="1" latinLnBrk="0" hangingPunct="1">
-              <a:lnSpc>
-                <a:spcPct val="90000"/>
-              </a:lnSpc>
-              <a:spcBef>
-                <a:spcPts val="500"/>
-              </a:spcBef>
-              <a:buFont typeface="Arial" panose="020B0604020202090204" pitchFamily="34" charset="0"/>
-              <a:buChar char="•"/>
-              <a:defRPr sz="1600" b="0" i="0" kern="1200">
-                <a:solidFill>
-                  <a:srgbClr val="0E2D69"/>
-                </a:solidFill>
-                <a:latin typeface="HSE Sans" panose="02000000000000000000" pitchFamily="2" charset="0"/>
-                <a:ea typeface="+mn-ea"/>
-                <a:cs typeface="+mn-cs"/>
-              </a:defRPr>
-            </a:lvl3pPr>
-            <a:lvl4pPr marL="1600200" indent="-228600" algn="l" defTabSz="914400" rtl="0" eaLnBrk="1" latinLnBrk="0" hangingPunct="1">
-              <a:lnSpc>
-                <a:spcPct val="90000"/>
-              </a:lnSpc>
-              <a:spcBef>
-                <a:spcPts val="500"/>
-              </a:spcBef>
-              <a:buFont typeface="Arial" panose="020B0604020202090204" pitchFamily="34" charset="0"/>
-              <a:buChar char="•"/>
-              <a:defRPr sz="1600" b="0" i="0" kern="1200">
-                <a:solidFill>
-                  <a:srgbClr val="0E2D69"/>
-                </a:solidFill>
-                <a:latin typeface="HSE Sans" panose="02000000000000000000" pitchFamily="2" charset="0"/>
-                <a:ea typeface="+mn-ea"/>
-                <a:cs typeface="+mn-cs"/>
-              </a:defRPr>
-            </a:lvl4pPr>
-            <a:lvl5pPr marL="2057400" indent="-228600" algn="l" defTabSz="914400" rtl="0" eaLnBrk="1" latinLnBrk="0" hangingPunct="1">
-              <a:lnSpc>
-                <a:spcPct val="90000"/>
-              </a:lnSpc>
-              <a:spcBef>
-                <a:spcPts val="500"/>
-              </a:spcBef>
-              <a:buFont typeface="Arial" panose="020B0604020202090204" pitchFamily="34" charset="0"/>
-              <a:buChar char="•"/>
-              <a:defRPr sz="1600" b="0" i="0" kern="1200">
-                <a:solidFill>
-                  <a:srgbClr val="0E2D69"/>
-                </a:solidFill>
-                <a:latin typeface="HSE Sans" panose="02000000000000000000" pitchFamily="2" charset="0"/>
-                <a:ea typeface="+mn-ea"/>
-                <a:cs typeface="+mn-cs"/>
-              </a:defRPr>
-            </a:lvl5pPr>
-            <a:lvl6pPr marL="2514600" indent="-228600" algn="l" defTabSz="914400" rtl="0" eaLnBrk="1" latinLnBrk="0" hangingPunct="1">
-              <a:lnSpc>
-                <a:spcPct val="90000"/>
-              </a:lnSpc>
-              <a:spcBef>
-                <a:spcPts val="500"/>
-              </a:spcBef>
-              <a:buFont typeface="Arial" panose="020B0604020202090204" pitchFamily="34" charset="0"/>
-              <a:buChar char="•"/>
-              <a:defRPr sz="1800" kern="1200">
-                <a:solidFill>
-                  <a:schemeClr val="tx1"/>
-                </a:solidFill>
-                <a:latin typeface="+mn-lt"/>
-                <a:ea typeface="+mn-ea"/>
-                <a:cs typeface="+mn-cs"/>
-              </a:defRPr>
-            </a:lvl6pPr>
-            <a:lvl7pPr marL="2971800" indent="-228600" algn="l" defTabSz="914400" rtl="0" eaLnBrk="1" latinLnBrk="0" hangingPunct="1">
-              <a:lnSpc>
-                <a:spcPct val="90000"/>
-              </a:lnSpc>
-              <a:spcBef>
-                <a:spcPts val="500"/>
-              </a:spcBef>
-              <a:buFont typeface="Arial" panose="020B0604020202090204" pitchFamily="34" charset="0"/>
-              <a:buChar char="•"/>
-              <a:defRPr sz="1800" kern="1200">
-                <a:solidFill>
-                  <a:schemeClr val="tx1"/>
-                </a:solidFill>
-                <a:latin typeface="+mn-lt"/>
-                <a:ea typeface="+mn-ea"/>
-                <a:cs typeface="+mn-cs"/>
-              </a:defRPr>
-            </a:lvl7pPr>
-            <a:lvl8pPr marL="3429000" indent="-228600" algn="l" defTabSz="914400" rtl="0" eaLnBrk="1" latinLnBrk="0" hangingPunct="1">
-              <a:lnSpc>
-                <a:spcPct val="90000"/>
-              </a:lnSpc>
-              <a:spcBef>
-                <a:spcPts val="500"/>
-              </a:spcBef>
-              <a:buFont typeface="Arial" panose="020B0604020202090204" pitchFamily="34" charset="0"/>
-              <a:buChar char="•"/>
-              <a:defRPr sz="1800" kern="1200">
-                <a:solidFill>
-                  <a:schemeClr val="tx1"/>
-                </a:solidFill>
-                <a:latin typeface="+mn-lt"/>
-                <a:ea typeface="+mn-ea"/>
-                <a:cs typeface="+mn-cs"/>
-              </a:defRPr>
-            </a:lvl8pPr>
-            <a:lvl9pPr marL="3886200" indent="-228600" algn="l" defTabSz="914400" rtl="0" eaLnBrk="1" latinLnBrk="0" hangingPunct="1">
-              <a:lnSpc>
-                <a:spcPct val="90000"/>
-              </a:lnSpc>
-              <a:spcBef>
-                <a:spcPts val="500"/>
-              </a:spcBef>
-              <a:buFont typeface="Arial" panose="020B0604020202090204" pitchFamily="34" charset="0"/>
-              <a:buChar char="•"/>
-              <a:defRPr sz="1800" kern="1200">
-                <a:solidFill>
-                  <a:schemeClr val="tx1"/>
-                </a:solidFill>
-                <a:latin typeface="+mn-lt"/>
-                <a:ea typeface="+mn-ea"/>
-                <a:cs typeface="+mn-cs"/>
-              </a:defRPr>
-            </a:lvl9pPr>
-          </a:lstStyle>
-          <a:p>
-            <a:r>
-              <a:rPr lang="en-US" altLang="ru-RU"/>
-              <a:t>7 Steps of workflow</a:t>
-            </a:r>
-            <a:endParaRPr lang="en-US" altLang="ru-RU"/>
-          </a:p>
-        </p:txBody>
-      </p:sp>
-      <p:sp>
-        <p:nvSpPr>
-          <p:cNvPr id="6" name="Текст 15"/>
-          <p:cNvSpPr>
-            <a:spLocks noGrp="1"/>
-          </p:cNvSpPr>
-          <p:nvPr/>
-        </p:nvSpPr>
-        <p:spPr>
-          <a:xfrm>
-            <a:off x="3310255" y="2379980"/>
-            <a:ext cx="3087370" cy="2399030"/>
-          </a:xfrm>
-          <a:prstGeom prst="rect">
-            <a:avLst/>
-          </a:prstGeom>
-        </p:spPr>
-        <p:txBody>
-          <a:bodyPr lIns="0" tIns="0" rIns="0">
-            <a:normAutofit lnSpcReduction="10000"/>
-          </a:bodyPr>
-          <a:lstStyle>
-            <a:lvl1pPr marL="0" marR="0" indent="0" algn="l" defTabSz="914400" rtl="0" eaLnBrk="1" fontAlgn="auto" latinLnBrk="0" hangingPunct="1">
-              <a:lnSpc>
-                <a:spcPct val="100000"/>
-              </a:lnSpc>
-              <a:spcBef>
-                <a:spcPts val="1000"/>
-              </a:spcBef>
-              <a:spcAft>
-                <a:spcPts val="0"/>
-              </a:spcAft>
-              <a:buClrTx/>
-              <a:buSzTx/>
-              <a:buFont typeface="Arial" panose="020B0604020202090204" pitchFamily="34" charset="0"/>
-              <a:buNone/>
-              <a:defRPr sz="1300" b="0" i="0" kern="1200">
-                <a:solidFill>
-                  <a:srgbClr val="0E2D69"/>
-                </a:solidFill>
-                <a:latin typeface="HSE Sans" panose="02000000000000000000" pitchFamily="2" charset="0"/>
-                <a:ea typeface="+mn-ea"/>
-                <a:cs typeface="+mn-cs"/>
-              </a:defRPr>
-            </a:lvl1pPr>
-            <a:lvl2pPr marL="457200" indent="0" algn="l" defTabSz="914400" rtl="0" eaLnBrk="1" latinLnBrk="0" hangingPunct="1">
-              <a:lnSpc>
-                <a:spcPct val="100000"/>
-              </a:lnSpc>
-              <a:spcBef>
-                <a:spcPts val="1000"/>
-              </a:spcBef>
-              <a:buFont typeface="Arial" panose="020B0604020202090204" pitchFamily="34" charset="0"/>
-              <a:buNone/>
-              <a:defRPr sz="1300" b="0" i="0" kern="1200">
-                <a:solidFill>
-                  <a:srgbClr val="0E2D69"/>
-                </a:solidFill>
-                <a:latin typeface="HSE Sans" panose="02000000000000000000" pitchFamily="2" charset="0"/>
-                <a:ea typeface="+mn-ea"/>
-                <a:cs typeface="+mn-cs"/>
-              </a:defRPr>
-            </a:lvl2pPr>
-            <a:lvl3pPr marL="914400" indent="0" algn="l" defTabSz="914400" rtl="0" eaLnBrk="1" latinLnBrk="0" hangingPunct="1">
-              <a:lnSpc>
-                <a:spcPct val="100000"/>
-              </a:lnSpc>
-              <a:spcBef>
-                <a:spcPts val="1000"/>
-              </a:spcBef>
-              <a:buFont typeface="Arial" panose="020B0604020202090204" pitchFamily="34" charset="0"/>
-              <a:buNone/>
-              <a:defRPr sz="1300" b="0" i="0" kern="1200">
-                <a:solidFill>
-                  <a:srgbClr val="0E2D69"/>
-                </a:solidFill>
-                <a:latin typeface="HSE Sans" panose="02000000000000000000" pitchFamily="2" charset="0"/>
-                <a:ea typeface="+mn-ea"/>
-                <a:cs typeface="+mn-cs"/>
-              </a:defRPr>
-            </a:lvl3pPr>
-            <a:lvl4pPr marL="1371600" indent="0" algn="l" defTabSz="914400" rtl="0" eaLnBrk="1" latinLnBrk="0" hangingPunct="1">
-              <a:lnSpc>
-                <a:spcPct val="100000"/>
-              </a:lnSpc>
-              <a:spcBef>
-                <a:spcPts val="1000"/>
-              </a:spcBef>
-              <a:buFont typeface="Arial" panose="020B0604020202090204" pitchFamily="34" charset="0"/>
-              <a:buNone/>
-              <a:defRPr sz="1300" b="0" i="0" kern="1200">
-                <a:solidFill>
-                  <a:srgbClr val="0E2D69"/>
-                </a:solidFill>
-                <a:latin typeface="HSE Sans" panose="02000000000000000000" pitchFamily="2" charset="0"/>
-                <a:ea typeface="+mn-ea"/>
-                <a:cs typeface="+mn-cs"/>
-              </a:defRPr>
-            </a:lvl4pPr>
-            <a:lvl5pPr marL="1828800" indent="0" algn="l" defTabSz="914400" rtl="0" eaLnBrk="1" latinLnBrk="0" hangingPunct="1">
-              <a:lnSpc>
-                <a:spcPct val="100000"/>
-              </a:lnSpc>
-              <a:spcBef>
-                <a:spcPts val="1000"/>
-              </a:spcBef>
-              <a:buFont typeface="Arial" panose="020B0604020202090204" pitchFamily="34" charset="0"/>
-              <a:buNone/>
-              <a:defRPr sz="1300" b="0" i="0" kern="1200">
-                <a:solidFill>
-                  <a:srgbClr val="0E2D69"/>
-                </a:solidFill>
-                <a:latin typeface="HSE Sans" panose="02000000000000000000" pitchFamily="2" charset="0"/>
-                <a:ea typeface="+mn-ea"/>
-                <a:cs typeface="+mn-cs"/>
-              </a:defRPr>
-            </a:lvl5pPr>
-            <a:lvl6pPr marL="2514600" indent="-228600" algn="l" defTabSz="914400" rtl="0" eaLnBrk="1" latinLnBrk="0" hangingPunct="1">
-              <a:lnSpc>
-                <a:spcPct val="90000"/>
-              </a:lnSpc>
-              <a:spcBef>
-                <a:spcPts val="500"/>
-              </a:spcBef>
-              <a:buFont typeface="Arial" panose="020B0604020202090204" pitchFamily="34" charset="0"/>
-              <a:buChar char="•"/>
-              <a:defRPr sz="1800" kern="1200">
-                <a:solidFill>
-                  <a:schemeClr val="tx1"/>
-                </a:solidFill>
-                <a:latin typeface="+mn-lt"/>
-                <a:ea typeface="+mn-ea"/>
-                <a:cs typeface="+mn-cs"/>
-              </a:defRPr>
-            </a:lvl6pPr>
-            <a:lvl7pPr marL="2971800" indent="-228600" algn="l" defTabSz="914400" rtl="0" eaLnBrk="1" latinLnBrk="0" hangingPunct="1">
-              <a:lnSpc>
-                <a:spcPct val="90000"/>
-              </a:lnSpc>
-              <a:spcBef>
-                <a:spcPts val="500"/>
-              </a:spcBef>
-              <a:buFont typeface="Arial" panose="020B0604020202090204" pitchFamily="34" charset="0"/>
-              <a:buChar char="•"/>
-              <a:defRPr sz="1800" kern="1200">
-                <a:solidFill>
-                  <a:schemeClr val="tx1"/>
-                </a:solidFill>
-                <a:latin typeface="+mn-lt"/>
-                <a:ea typeface="+mn-ea"/>
-                <a:cs typeface="+mn-cs"/>
-              </a:defRPr>
-            </a:lvl7pPr>
-            <a:lvl8pPr marL="3429000" indent="-228600" algn="l" defTabSz="914400" rtl="0" eaLnBrk="1" latinLnBrk="0" hangingPunct="1">
-              <a:lnSpc>
-                <a:spcPct val="90000"/>
-              </a:lnSpc>
-              <a:spcBef>
-                <a:spcPts val="500"/>
-              </a:spcBef>
-              <a:buFont typeface="Arial" panose="020B0604020202090204" pitchFamily="34" charset="0"/>
-              <a:buChar char="•"/>
-              <a:defRPr sz="1800" kern="1200">
-                <a:solidFill>
-                  <a:schemeClr val="tx1"/>
-                </a:solidFill>
-                <a:latin typeface="+mn-lt"/>
-                <a:ea typeface="+mn-ea"/>
-                <a:cs typeface="+mn-cs"/>
-              </a:defRPr>
-            </a:lvl8pPr>
-            <a:lvl9pPr marL="3886200" indent="-228600" algn="l" defTabSz="914400" rtl="0" eaLnBrk="1" latinLnBrk="0" hangingPunct="1">
-              <a:lnSpc>
-                <a:spcPct val="90000"/>
-              </a:lnSpc>
-              <a:spcBef>
-                <a:spcPts val="500"/>
-              </a:spcBef>
-              <a:buFont typeface="Arial" panose="020B0604020202090204" pitchFamily="34" charset="0"/>
-              <a:buChar char="•"/>
-              <a:defRPr sz="1800" kern="1200">
-                <a:solidFill>
-                  <a:schemeClr val="tx1"/>
-                </a:solidFill>
-                <a:latin typeface="+mn-lt"/>
-                <a:ea typeface="+mn-ea"/>
-                <a:cs typeface="+mn-cs"/>
-              </a:defRPr>
-            </a:lvl9pPr>
-          </a:lstStyle>
-          <a:p>
-            <a:r>
-              <a:rPr lang="en-US" altLang="ru-RU"/>
-              <a:t>Parch</a:t>
-            </a:r>
-            <a:endParaRPr lang="en-US" altLang="ru-RU"/>
-          </a:p>
-          <a:p>
-            <a:r>
-              <a:rPr lang="en-US" altLang="ru-RU"/>
-              <a:t>Fare</a:t>
-            </a:r>
-            <a:endParaRPr lang="en-US" altLang="ru-RU"/>
-          </a:p>
-          <a:p>
-            <a:r>
-              <a:rPr lang="en-US" altLang="ru-RU"/>
-              <a:t>Cabin</a:t>
-            </a:r>
-            <a:endParaRPr lang="en-US" altLang="ru-RU"/>
-          </a:p>
-          <a:p>
-            <a:r>
-              <a:rPr lang="en-US" altLang="ru-RU"/>
-              <a:t>Embarked</a:t>
-            </a:r>
-            <a:endParaRPr lang="en-US" altLang="ru-RU"/>
-          </a:p>
-        </p:txBody>
-      </p:sp>
-    </p:spTree>
-  </p:cSld>
-  <p:clrMapOvr>
-    <a:masterClrMapping/>
-  </p:clrMapOvr>
-</p:sld>
-</file>
-
-<file path=ppt/slides/slide4.xml><?xml version="1.0" encoding="utf-8"?>
+<file path=ppt/slides/slide11.xml><?xml version="1.0" encoding="utf-8"?>
 <p:sld xmlns:a="http://schemas.openxmlformats.org/drawingml/2006/main" xmlns:r="http://schemas.openxmlformats.org/officeDocument/2006/relationships" xmlns:p="http://schemas.openxmlformats.org/presentationml/2006/main">
   <p:cSld>
     <p:spTree>
@@ -27028,29 +25268,10 @@
             <p:ph type="title"/>
           </p:nvPr>
         </p:nvSpPr>
-        <p:spPr/>
-        <p:txBody>
-          <a:bodyPr/>
-          <a:lstStyle/>
-          <a:p>
-            <a:endParaRPr lang="ru-RU"/>
-          </a:p>
-        </p:txBody>
-      </p:sp>
-      <p:sp>
-        <p:nvSpPr>
-          <p:cNvPr id="3" name="Текст 2"/>
-          <p:cNvSpPr>
-            <a:spLocks noGrp="1"/>
-          </p:cNvSpPr>
-          <p:nvPr>
-            <p:ph type="body" sz="quarter" idx="12"/>
-          </p:nvPr>
-        </p:nvSpPr>
-        <p:spPr>
-          <a:xfrm>
-            <a:off x="586105" y="1460500"/>
-            <a:ext cx="5673090" cy="4663440"/>
+        <p:spPr>
+          <a:xfrm>
+            <a:off x="586105" y="1447800"/>
+            <a:ext cx="7743190" cy="777240"/>
           </a:xfrm>
         </p:spPr>
         <p:txBody>
@@ -27060,99 +25281,12 @@
           <a:lstStyle/>
           <a:p>
             <a:r>
-              <a:rPr lang="ru-RU"/>
-              <a:t>Title Title</a:t>
-            </a:r>
-            <a:endParaRPr lang="ru-RU"/>
-          </a:p>
-          <a:p>
-            <a:r>
-              <a:rPr lang="ru-RU"/>
-              <a:t>dataset.Name.str.extract( " ([A-Za-z]+)." , expand = False)</a:t>
-            </a:r>
-            <a:endParaRPr lang="ru-RU"/>
-          </a:p>
-          <a:p>
-            <a:r>
-              <a:rPr lang="ru-RU"/>
-              <a:t>Extracted from the name, related to the name and social status</a:t>
-            </a:r>
-            <a:endParaRPr lang="ru-RU"/>
-          </a:p>
-          <a:p>
-            <a:r>
-              <a:rPr lang="ru-RU"/>
-              <a:t>FamilySize Family size</a:t>
-            </a:r>
-            <a:endParaRPr lang="ru-RU"/>
-          </a:p>
-          <a:p>
-            <a:r>
-              <a:rPr lang="ru-RU"/>
-              <a:t>Parch + SibSp + 1</a:t>
-            </a:r>
-            <a:endParaRPr lang="ru-RU"/>
-          </a:p>
-          <a:p>
-            <a:r>
-              <a:rPr lang="ru-RU"/>
-              <a:t>Intermediate feature used to calculate whether the IsAlone feature travels alone, kept for now</a:t>
-            </a:r>
-            <a:endParaRPr lang="ru-RU"/>
-          </a:p>
-          <a:p>
-            <a:r>
-              <a:rPr lang="ru-RU"/>
-              <a:t>IsAlone alone</a:t>
-            </a:r>
-            <a:endParaRPr lang="ru-RU"/>
-          </a:p>
-          <a:p>
-            <a:r>
-              <a:rPr lang="ru-RU"/>
-              <a:t>FamilySize == 1</a:t>
-            </a:r>
-            <a:endParaRPr lang="ru-RU"/>
-          </a:p>
-          <a:p>
-            <a:r>
-              <a:rPr lang="ru-RU"/>
-              <a:t>Whether travelling alone or not</a:t>
-            </a:r>
-            <a:endParaRPr lang="ru-RU"/>
-          </a:p>
-          <a:p>
-            <a:r>
-              <a:rPr lang="ru-RU"/>
-              <a:t>HasCabin has a separate cabin</a:t>
-            </a:r>
-            <a:endParaRPr lang="ru-RU"/>
-          </a:p>
-          <a:p>
-            <a:r>
-              <a:rPr lang="ru-RU"/>
-              <a:t>Not sure if the sample without CabinId has no cabins or if the data does</a:t>
-            </a:r>
-            <a:endParaRPr lang="ru-RU"/>
-          </a:p>
-        </p:txBody>
-      </p:sp>
-      <p:sp>
-        <p:nvSpPr>
-          <p:cNvPr id="4" name="Текст 3"/>
-          <p:cNvSpPr>
-            <a:spLocks noGrp="1"/>
-          </p:cNvSpPr>
-          <p:nvPr>
-            <p:ph type="body" sz="quarter" idx="16"/>
-          </p:nvPr>
-        </p:nvSpPr>
-        <p:spPr/>
-        <p:txBody>
-          <a:bodyPr/>
-          <a:lstStyle/>
-          <a:p>
-            <a:endParaRPr lang="ru-RU"/>
+              <a:rPr lang="en-US" altLang="ru-RU">
+                <a:sym typeface="+mn-ea"/>
+              </a:rPr>
+              <a:t>Binarization</a:t>
+            </a:r>
+            <a:endParaRPr lang="en-US" altLang="ru-RU"/>
           </a:p>
         </p:txBody>
       </p:sp>
@@ -27171,7 +25305,11 @@
           <a:bodyPr/>
           <a:lstStyle/>
           <a:p>
-            <a:endParaRPr lang="ru-RU"/>
+            <a:r>
+              <a:rPr lang="en-US" altLang="ru-RU"/>
+              <a:t>Binarization</a:t>
+            </a:r>
+            <a:endParaRPr lang="en-US" altLang="ru-RU"/>
           </a:p>
         </p:txBody>
       </p:sp>
@@ -27213,149 +25351,432 @@
           </a:p>
         </p:txBody>
       </p:sp>
-      <p:graphicFrame>
-        <p:nvGraphicFramePr>
-          <p:cNvPr id="9" name="Chart 2"/>
-          <p:cNvGraphicFramePr/>
-          <p:nvPr/>
-        </p:nvGraphicFramePr>
-        <p:xfrm>
-          <a:off x="5164930" y="1460275"/>
-          <a:ext cx="6476207" cy="4765991"/>
-        </p:xfrm>
-        <a:graphic>
-          <a:graphicData uri="http://schemas.openxmlformats.org/drawingml/2006/chart">
-            <c:chart xmlns:c="http://schemas.openxmlformats.org/drawingml/2006/chart" xmlns:r="http://schemas.openxmlformats.org/officeDocument/2006/relationships" r:id="rId1"/>
-          </a:graphicData>
-        </a:graphic>
-      </p:graphicFrame>
-    </p:spTree>
-  </p:cSld>
-  <p:clrMapOvr>
-    <a:masterClrMapping/>
-  </p:clrMapOvr>
-</p:sld>
-</file>
-
-<file path=ppt/slides/slide5.xml><?xml version="1.0" encoding="utf-8"?>
-<p:sld xmlns:a="http://schemas.openxmlformats.org/drawingml/2006/main" xmlns:r="http://schemas.openxmlformats.org/officeDocument/2006/relationships" xmlns:p="http://schemas.openxmlformats.org/presentationml/2006/main">
-  <p:cSld>
-    <p:spTree>
-      <p:nvGrpSpPr>
-        <p:cNvPr id="1" name=""/>
-        <p:cNvGrpSpPr/>
-        <p:nvPr/>
-      </p:nvGrpSpPr>
-      <p:grpSpPr>
-        <a:xfrm>
-          <a:off x="0" y="0"/>
-          <a:ext cx="0" cy="0"/>
-          <a:chOff x="0" y="0"/>
-          <a:chExt cx="0" cy="0"/>
-        </a:xfrm>
-      </p:grpSpPr>
       <p:sp>
         <p:nvSpPr>
-          <p:cNvPr id="2" name="Текст 1"/>
-          <p:cNvSpPr>
-            <a:spLocks noGrp="1"/>
-          </p:cNvSpPr>
+          <p:cNvPr id="5" name="文本占位符 4"/>
+          <p:cNvSpPr/>
           <p:nvPr>
-            <p:ph type="body" sz="quarter" idx="17"/>
+            <p:ph type="body" sz="quarter" idx="16"/>
           </p:nvPr>
         </p:nvSpPr>
-        <p:spPr/>
+        <p:spPr>
+          <a:xfrm>
+            <a:off x="5966887" y="4178044"/>
+            <a:ext cx="3934345" cy="553998"/>
+          </a:xfrm>
+        </p:spPr>
         <p:txBody>
           <a:bodyPr/>
-          <a:lstStyle/>
-          <a:p>
-            <a:r>
-              <a:rPr lang="ru-RU"/>
-              <a:t>Correlation of several enumerated features with Survived (direct group aggregation for mean value)</a:t>
-            </a:r>
-            <a:endParaRPr lang="ru-RU"/>
+          <a:p>
+            <a:r>
+              <a:rPr lang="en-US" altLang="zh-CN"/>
+              <a:t>Binarization logic:</a:t>
+            </a:r>
+            <a:endParaRPr lang="en-US" altLang="zh-CN"/>
           </a:p>
         </p:txBody>
       </p:sp>
       <p:sp>
         <p:nvSpPr>
-          <p:cNvPr id="3" name="Текст 2"/>
+          <p:cNvPr id="9" name="Текст 2"/>
           <p:cNvSpPr>
             <a:spLocks noGrp="1"/>
           </p:cNvSpPr>
-          <p:nvPr>
-            <p:ph type="body" sz="quarter" idx="18"/>
-          </p:nvPr>
+          <p:nvPr/>
         </p:nvSpPr>
-        <p:spPr/>
+        <p:spPr>
+          <a:xfrm>
+            <a:off x="585470" y="2102485"/>
+            <a:ext cx="4846955" cy="973455"/>
+          </a:xfrm>
+          <a:prstGeom prst="rect">
+            <a:avLst/>
+          </a:prstGeom>
+        </p:spPr>
         <p:txBody>
-          <a:bodyPr/>
-          <a:lstStyle/>
-          <a:p>
-            <a:endParaRPr lang="ru-RU"/>
+          <a:bodyPr lIns="0" tIns="0" rIns="0" bIns="0">
+            <a:normAutofit lnSpcReduction="10000"/>
+          </a:bodyPr>
+          <a:lstStyle>
+            <a:lvl1pPr marL="0" marR="0" indent="0" algn="l" defTabSz="914400" rtl="0" eaLnBrk="1" fontAlgn="auto" latinLnBrk="0" hangingPunct="1">
+              <a:lnSpc>
+                <a:spcPct val="100000"/>
+              </a:lnSpc>
+              <a:spcBef>
+                <a:spcPts val="600"/>
+              </a:spcBef>
+              <a:spcAft>
+                <a:spcPts val="0"/>
+              </a:spcAft>
+              <a:buClrTx/>
+              <a:buSzTx/>
+              <a:buFontTx/>
+              <a:buNone/>
+              <a:defRPr sz="1300" b="0" i="0" kern="1200">
+                <a:solidFill>
+                  <a:srgbClr val="0E2D69"/>
+                </a:solidFill>
+                <a:latin typeface="HSE Sans" panose="02000000000000000000" pitchFamily="2" charset="0"/>
+                <a:ea typeface="+mn-ea"/>
+                <a:cs typeface="+mn-cs"/>
+              </a:defRPr>
+            </a:lvl1pPr>
+            <a:lvl2pPr marL="685800" indent="-228600" algn="l" defTabSz="914400" rtl="0" eaLnBrk="1" latinLnBrk="0" hangingPunct="1">
+              <a:lnSpc>
+                <a:spcPct val="90000"/>
+              </a:lnSpc>
+              <a:spcBef>
+                <a:spcPts val="500"/>
+              </a:spcBef>
+              <a:buFont typeface="Arial" panose="020B0604020202090204" pitchFamily="34" charset="0"/>
+              <a:buChar char="•"/>
+              <a:defRPr sz="1300" b="0" i="0" kern="1200">
+                <a:solidFill>
+                  <a:srgbClr val="0E2D69"/>
+                </a:solidFill>
+                <a:latin typeface="HSE Sans" panose="02000000000000000000" pitchFamily="2" charset="0"/>
+                <a:ea typeface="+mn-ea"/>
+                <a:cs typeface="+mn-cs"/>
+              </a:defRPr>
+            </a:lvl2pPr>
+            <a:lvl3pPr marL="1143000" indent="-228600" algn="l" defTabSz="914400" rtl="0" eaLnBrk="1" latinLnBrk="0" hangingPunct="1">
+              <a:lnSpc>
+                <a:spcPct val="90000"/>
+              </a:lnSpc>
+              <a:spcBef>
+                <a:spcPts val="500"/>
+              </a:spcBef>
+              <a:buFont typeface="Arial" panose="020B0604020202090204" pitchFamily="34" charset="0"/>
+              <a:buChar char="•"/>
+              <a:defRPr sz="1300" b="0" i="0" kern="1200">
+                <a:solidFill>
+                  <a:srgbClr val="0E2D69"/>
+                </a:solidFill>
+                <a:latin typeface="HSE Sans" panose="02000000000000000000" pitchFamily="2" charset="0"/>
+                <a:ea typeface="+mn-ea"/>
+                <a:cs typeface="+mn-cs"/>
+              </a:defRPr>
+            </a:lvl3pPr>
+            <a:lvl4pPr marL="1600200" indent="-228600" algn="l" defTabSz="914400" rtl="0" eaLnBrk="1" latinLnBrk="0" hangingPunct="1">
+              <a:lnSpc>
+                <a:spcPct val="90000"/>
+              </a:lnSpc>
+              <a:spcBef>
+                <a:spcPts val="500"/>
+              </a:spcBef>
+              <a:buFont typeface="Arial" panose="020B0604020202090204" pitchFamily="34" charset="0"/>
+              <a:buChar char="•"/>
+              <a:defRPr sz="1300" b="0" i="0" kern="1200">
+                <a:solidFill>
+                  <a:srgbClr val="0E2D69"/>
+                </a:solidFill>
+                <a:latin typeface="HSE Sans" panose="02000000000000000000" pitchFamily="2" charset="0"/>
+                <a:ea typeface="+mn-ea"/>
+                <a:cs typeface="+mn-cs"/>
+              </a:defRPr>
+            </a:lvl4pPr>
+            <a:lvl5pPr marL="2057400" indent="-228600" algn="l" defTabSz="914400" rtl="0" eaLnBrk="1" latinLnBrk="0" hangingPunct="1">
+              <a:lnSpc>
+                <a:spcPct val="90000"/>
+              </a:lnSpc>
+              <a:spcBef>
+                <a:spcPts val="500"/>
+              </a:spcBef>
+              <a:buFont typeface="Arial" panose="020B0604020202090204" pitchFamily="34" charset="0"/>
+              <a:buChar char="•"/>
+              <a:defRPr sz="1300" b="0" i="0" kern="1200">
+                <a:solidFill>
+                  <a:srgbClr val="0E2D69"/>
+                </a:solidFill>
+                <a:latin typeface="HSE Sans" panose="02000000000000000000" pitchFamily="2" charset="0"/>
+                <a:ea typeface="+mn-ea"/>
+                <a:cs typeface="+mn-cs"/>
+              </a:defRPr>
+            </a:lvl5pPr>
+            <a:lvl6pPr marL="2514600" indent="-228600" algn="l" defTabSz="914400" rtl="0" eaLnBrk="1" latinLnBrk="0" hangingPunct="1">
+              <a:lnSpc>
+                <a:spcPct val="90000"/>
+              </a:lnSpc>
+              <a:spcBef>
+                <a:spcPts val="500"/>
+              </a:spcBef>
+              <a:buFont typeface="Arial" panose="020B0604020202090204" pitchFamily="34" charset="0"/>
+              <a:buChar char="•"/>
+              <a:defRPr sz="1800" kern="1200">
+                <a:solidFill>
+                  <a:schemeClr val="tx1"/>
+                </a:solidFill>
+                <a:latin typeface="+mn-lt"/>
+                <a:ea typeface="+mn-ea"/>
+                <a:cs typeface="+mn-cs"/>
+              </a:defRPr>
+            </a:lvl6pPr>
+            <a:lvl7pPr marL="2971800" indent="-228600" algn="l" defTabSz="914400" rtl="0" eaLnBrk="1" latinLnBrk="0" hangingPunct="1">
+              <a:lnSpc>
+                <a:spcPct val="90000"/>
+              </a:lnSpc>
+              <a:spcBef>
+                <a:spcPts val="500"/>
+              </a:spcBef>
+              <a:buFont typeface="Arial" panose="020B0604020202090204" pitchFamily="34" charset="0"/>
+              <a:buChar char="•"/>
+              <a:defRPr sz="1800" kern="1200">
+                <a:solidFill>
+                  <a:schemeClr val="tx1"/>
+                </a:solidFill>
+                <a:latin typeface="+mn-lt"/>
+                <a:ea typeface="+mn-ea"/>
+                <a:cs typeface="+mn-cs"/>
+              </a:defRPr>
+            </a:lvl7pPr>
+            <a:lvl8pPr marL="3429000" indent="-228600" algn="l" defTabSz="914400" rtl="0" eaLnBrk="1" latinLnBrk="0" hangingPunct="1">
+              <a:lnSpc>
+                <a:spcPct val="90000"/>
+              </a:lnSpc>
+              <a:spcBef>
+                <a:spcPts val="500"/>
+              </a:spcBef>
+              <a:buFont typeface="Arial" panose="020B0604020202090204" pitchFamily="34" charset="0"/>
+              <a:buChar char="•"/>
+              <a:defRPr sz="1800" kern="1200">
+                <a:solidFill>
+                  <a:schemeClr val="tx1"/>
+                </a:solidFill>
+                <a:latin typeface="+mn-lt"/>
+                <a:ea typeface="+mn-ea"/>
+                <a:cs typeface="+mn-cs"/>
+              </a:defRPr>
+            </a:lvl8pPr>
+            <a:lvl9pPr marL="3886200" indent="-228600" algn="l" defTabSz="914400" rtl="0" eaLnBrk="1" latinLnBrk="0" hangingPunct="1">
+              <a:lnSpc>
+                <a:spcPct val="90000"/>
+              </a:lnSpc>
+              <a:spcBef>
+                <a:spcPts val="500"/>
+              </a:spcBef>
+              <a:buFont typeface="Arial" panose="020B0604020202090204" pitchFamily="34" charset="0"/>
+              <a:buChar char="•"/>
+              <a:defRPr sz="1800" kern="1200">
+                <a:solidFill>
+                  <a:schemeClr val="tx1"/>
+                </a:solidFill>
+                <a:latin typeface="+mn-lt"/>
+                <a:ea typeface="+mn-ea"/>
+                <a:cs typeface="+mn-cs"/>
+              </a:defRPr>
+            </a:lvl9pPr>
+          </a:lstStyle>
+          <a:p>
+            <a:r>
+              <a:rPr lang="en-US" altLang="ru-RU"/>
+              <a:t>As we obtain the new dataset with 11 features, it's easy to apply the proposed algorithm to binarize.</a:t>
+            </a:r>
+            <a:endParaRPr lang="en-US" altLang="ru-RU"/>
           </a:p>
         </p:txBody>
       </p:sp>
       <p:sp>
         <p:nvSpPr>
-          <p:cNvPr id="5" name="Текст 4"/>
+          <p:cNvPr id="13" name="Текст 2"/>
           <p:cNvSpPr>
             <a:spLocks noGrp="1"/>
           </p:cNvSpPr>
-          <p:nvPr>
-            <p:ph type="body" sz="quarter" idx="13"/>
-          </p:nvPr>
+          <p:nvPr/>
         </p:nvSpPr>
-        <p:spPr/>
+        <p:spPr>
+          <a:xfrm>
+            <a:off x="5904230" y="2102485"/>
+            <a:ext cx="5633720" cy="2577465"/>
+          </a:xfrm>
+          <a:prstGeom prst="rect">
+            <a:avLst/>
+          </a:prstGeom>
+        </p:spPr>
         <p:txBody>
-          <a:bodyPr/>
-          <a:lstStyle/>
-          <a:p>
-            <a:endParaRPr lang="ru-RU"/>
-          </a:p>
-        </p:txBody>
-      </p:sp>
-      <p:sp>
-        <p:nvSpPr>
-          <p:cNvPr id="6" name="Текст 5"/>
-          <p:cNvSpPr>
-            <a:spLocks noGrp="1"/>
-          </p:cNvSpPr>
-          <p:nvPr>
-            <p:ph type="body" sz="quarter" idx="14"/>
-          </p:nvPr>
-        </p:nvSpPr>
-        <p:spPr/>
-        <p:txBody>
-          <a:bodyPr/>
-          <a:lstStyle/>
-          <a:p>
-            <a:endParaRPr lang="ru-RU"/>
-          </a:p>
-        </p:txBody>
-      </p:sp>
-      <p:sp>
-        <p:nvSpPr>
-          <p:cNvPr id="7" name="Текст 6"/>
-          <p:cNvSpPr>
-            <a:spLocks noGrp="1"/>
-          </p:cNvSpPr>
-          <p:nvPr>
-            <p:ph type="body" sz="quarter" idx="15"/>
-          </p:nvPr>
-        </p:nvSpPr>
-        <p:spPr/>
-        <p:txBody>
-          <a:bodyPr/>
-          <a:lstStyle/>
-          <a:p>
-            <a:endParaRPr lang="ru-RU"/>
+          <a:bodyPr lIns="0" tIns="0" rIns="0" bIns="0">
+            <a:normAutofit lnSpcReduction="10000"/>
+          </a:bodyPr>
+          <a:lstStyle>
+            <a:lvl1pPr marL="0" marR="0" indent="0" algn="l" defTabSz="914400" rtl="0" eaLnBrk="1" fontAlgn="auto" latinLnBrk="0" hangingPunct="1">
+              <a:lnSpc>
+                <a:spcPct val="100000"/>
+              </a:lnSpc>
+              <a:spcBef>
+                <a:spcPts val="600"/>
+              </a:spcBef>
+              <a:spcAft>
+                <a:spcPts val="0"/>
+              </a:spcAft>
+              <a:buClrTx/>
+              <a:buSzTx/>
+              <a:buFontTx/>
+              <a:buNone/>
+              <a:defRPr sz="1300" b="0" i="0" kern="1200">
+                <a:solidFill>
+                  <a:srgbClr val="0E2D69"/>
+                </a:solidFill>
+                <a:latin typeface="HSE Sans" panose="02000000000000000000" pitchFamily="2" charset="0"/>
+                <a:ea typeface="+mn-ea"/>
+                <a:cs typeface="+mn-cs"/>
+              </a:defRPr>
+            </a:lvl1pPr>
+            <a:lvl2pPr marL="685800" indent="-228600" algn="l" defTabSz="914400" rtl="0" eaLnBrk="1" latinLnBrk="0" hangingPunct="1">
+              <a:lnSpc>
+                <a:spcPct val="90000"/>
+              </a:lnSpc>
+              <a:spcBef>
+                <a:spcPts val="500"/>
+              </a:spcBef>
+              <a:buFont typeface="Arial" panose="020B0604020202090204" pitchFamily="34" charset="0"/>
+              <a:buChar char="•"/>
+              <a:defRPr sz="1300" b="0" i="0" kern="1200">
+                <a:solidFill>
+                  <a:srgbClr val="0E2D69"/>
+                </a:solidFill>
+                <a:latin typeface="HSE Sans" panose="02000000000000000000" pitchFamily="2" charset="0"/>
+                <a:ea typeface="+mn-ea"/>
+                <a:cs typeface="+mn-cs"/>
+              </a:defRPr>
+            </a:lvl2pPr>
+            <a:lvl3pPr marL="1143000" indent="-228600" algn="l" defTabSz="914400" rtl="0" eaLnBrk="1" latinLnBrk="0" hangingPunct="1">
+              <a:lnSpc>
+                <a:spcPct val="90000"/>
+              </a:lnSpc>
+              <a:spcBef>
+                <a:spcPts val="500"/>
+              </a:spcBef>
+              <a:buFont typeface="Arial" panose="020B0604020202090204" pitchFamily="34" charset="0"/>
+              <a:buChar char="•"/>
+              <a:defRPr sz="1300" b="0" i="0" kern="1200">
+                <a:solidFill>
+                  <a:srgbClr val="0E2D69"/>
+                </a:solidFill>
+                <a:latin typeface="HSE Sans" panose="02000000000000000000" pitchFamily="2" charset="0"/>
+                <a:ea typeface="+mn-ea"/>
+                <a:cs typeface="+mn-cs"/>
+              </a:defRPr>
+            </a:lvl3pPr>
+            <a:lvl4pPr marL="1600200" indent="-228600" algn="l" defTabSz="914400" rtl="0" eaLnBrk="1" latinLnBrk="0" hangingPunct="1">
+              <a:lnSpc>
+                <a:spcPct val="90000"/>
+              </a:lnSpc>
+              <a:spcBef>
+                <a:spcPts val="500"/>
+              </a:spcBef>
+              <a:buFont typeface="Arial" panose="020B0604020202090204" pitchFamily="34" charset="0"/>
+              <a:buChar char="•"/>
+              <a:defRPr sz="1300" b="0" i="0" kern="1200">
+                <a:solidFill>
+                  <a:srgbClr val="0E2D69"/>
+                </a:solidFill>
+                <a:latin typeface="HSE Sans" panose="02000000000000000000" pitchFamily="2" charset="0"/>
+                <a:ea typeface="+mn-ea"/>
+                <a:cs typeface="+mn-cs"/>
+              </a:defRPr>
+            </a:lvl4pPr>
+            <a:lvl5pPr marL="2057400" indent="-228600" algn="l" defTabSz="914400" rtl="0" eaLnBrk="1" latinLnBrk="0" hangingPunct="1">
+              <a:lnSpc>
+                <a:spcPct val="90000"/>
+              </a:lnSpc>
+              <a:spcBef>
+                <a:spcPts val="500"/>
+              </a:spcBef>
+              <a:buFont typeface="Arial" panose="020B0604020202090204" pitchFamily="34" charset="0"/>
+              <a:buChar char="•"/>
+              <a:defRPr sz="1300" b="0" i="0" kern="1200">
+                <a:solidFill>
+                  <a:srgbClr val="0E2D69"/>
+                </a:solidFill>
+                <a:latin typeface="HSE Sans" panose="02000000000000000000" pitchFamily="2" charset="0"/>
+                <a:ea typeface="+mn-ea"/>
+                <a:cs typeface="+mn-cs"/>
+              </a:defRPr>
+            </a:lvl5pPr>
+            <a:lvl6pPr marL="2514600" indent="-228600" algn="l" defTabSz="914400" rtl="0" eaLnBrk="1" latinLnBrk="0" hangingPunct="1">
+              <a:lnSpc>
+                <a:spcPct val="90000"/>
+              </a:lnSpc>
+              <a:spcBef>
+                <a:spcPts val="500"/>
+              </a:spcBef>
+              <a:buFont typeface="Arial" panose="020B0604020202090204" pitchFamily="34" charset="0"/>
+              <a:buChar char="•"/>
+              <a:defRPr sz="1800" kern="1200">
+                <a:solidFill>
+                  <a:schemeClr val="tx1"/>
+                </a:solidFill>
+                <a:latin typeface="+mn-lt"/>
+                <a:ea typeface="+mn-ea"/>
+                <a:cs typeface="+mn-cs"/>
+              </a:defRPr>
+            </a:lvl6pPr>
+            <a:lvl7pPr marL="2971800" indent="-228600" algn="l" defTabSz="914400" rtl="0" eaLnBrk="1" latinLnBrk="0" hangingPunct="1">
+              <a:lnSpc>
+                <a:spcPct val="90000"/>
+              </a:lnSpc>
+              <a:spcBef>
+                <a:spcPts val="500"/>
+              </a:spcBef>
+              <a:buFont typeface="Arial" panose="020B0604020202090204" pitchFamily="34" charset="0"/>
+              <a:buChar char="•"/>
+              <a:defRPr sz="1800" kern="1200">
+                <a:solidFill>
+                  <a:schemeClr val="tx1"/>
+                </a:solidFill>
+                <a:latin typeface="+mn-lt"/>
+                <a:ea typeface="+mn-ea"/>
+                <a:cs typeface="+mn-cs"/>
+              </a:defRPr>
+            </a:lvl7pPr>
+            <a:lvl8pPr marL="3429000" indent="-228600" algn="l" defTabSz="914400" rtl="0" eaLnBrk="1" latinLnBrk="0" hangingPunct="1">
+              <a:lnSpc>
+                <a:spcPct val="90000"/>
+              </a:lnSpc>
+              <a:spcBef>
+                <a:spcPts val="500"/>
+              </a:spcBef>
+              <a:buFont typeface="Arial" panose="020B0604020202090204" pitchFamily="34" charset="0"/>
+              <a:buChar char="•"/>
+              <a:defRPr sz="1800" kern="1200">
+                <a:solidFill>
+                  <a:schemeClr val="tx1"/>
+                </a:solidFill>
+                <a:latin typeface="+mn-lt"/>
+                <a:ea typeface="+mn-ea"/>
+                <a:cs typeface="+mn-cs"/>
+              </a:defRPr>
+            </a:lvl8pPr>
+            <a:lvl9pPr marL="3886200" indent="-228600" algn="l" defTabSz="914400" rtl="0" eaLnBrk="1" latinLnBrk="0" hangingPunct="1">
+              <a:lnSpc>
+                <a:spcPct val="90000"/>
+              </a:lnSpc>
+              <a:spcBef>
+                <a:spcPts val="500"/>
+              </a:spcBef>
+              <a:buFont typeface="Arial" panose="020B0604020202090204" pitchFamily="34" charset="0"/>
+              <a:buChar char="•"/>
+              <a:defRPr sz="1800" kern="1200">
+                <a:solidFill>
+                  <a:schemeClr val="tx1"/>
+                </a:solidFill>
+                <a:latin typeface="+mn-lt"/>
+                <a:ea typeface="+mn-ea"/>
+                <a:cs typeface="+mn-cs"/>
+              </a:defRPr>
+            </a:lvl9pPr>
+          </a:lstStyle>
+          <a:p>
+            <a:r>
+              <a:rPr lang="en-US" altLang="ru-RU"/>
+              <a:t>After binarization,we get dataset with 31 columns which is quite reasonable</a:t>
+            </a:r>
+            <a:endParaRPr lang="en-US" altLang="ru-RU"/>
           </a:p>
         </p:txBody>
       </p:sp>
       <p:pic>
         <p:nvPicPr>
-          <p:cNvPr id="4" name="图片 3" descr="截屏2022-12-13 上午5.11.20"/>
+          <p:cNvPr id="4" name="图片 3" descr="截屏2022-12-15 上午1.32.22"/>
           <p:cNvPicPr>
             <a:picLocks noChangeAspect="1"/>
           </p:cNvPicPr>
@@ -27369,8 +25790,8 @@
         </p:blipFill>
         <p:spPr>
           <a:xfrm>
-            <a:off x="768350" y="2245360"/>
-            <a:ext cx="2044700" cy="1600200"/>
+            <a:off x="585470" y="2816225"/>
+            <a:ext cx="5318760" cy="2567940"/>
           </a:xfrm>
           <a:prstGeom prst="rect">
             <a:avLst/>
@@ -27379,7 +25800,7 @@
       </p:pic>
       <p:pic>
         <p:nvPicPr>
-          <p:cNvPr id="9" name="图片 8" descr="截屏2022-12-13 上午5.11.31"/>
+          <p:cNvPr id="10" name="图片 9" descr="截屏2022-12-15 上午1.32.49"/>
           <p:cNvPicPr>
             <a:picLocks noChangeAspect="1"/>
           </p:cNvPicPr>
@@ -27393,8 +25814,8 @@
         </p:blipFill>
         <p:spPr>
           <a:xfrm>
-            <a:off x="3045460" y="2266950"/>
-            <a:ext cx="2032000" cy="1193800"/>
+            <a:off x="5904230" y="2715895"/>
+            <a:ext cx="6012815" cy="1462405"/>
           </a:xfrm>
           <a:prstGeom prst="rect">
             <a:avLst/>
@@ -27403,7 +25824,7 @@
       </p:pic>
       <p:pic>
         <p:nvPicPr>
-          <p:cNvPr id="10" name="图片 9" descr="截屏2022-12-13 上午5.11.56"/>
+          <p:cNvPr id="12" name="图片 11" descr="截屏2022-12-15 上午1.34.46"/>
           <p:cNvPicPr>
             <a:picLocks noChangeAspect="1"/>
           </p:cNvPicPr>
@@ -27417,32 +25838,8 @@
         </p:blipFill>
         <p:spPr>
           <a:xfrm>
-            <a:off x="5309870" y="2266950"/>
-            <a:ext cx="2032000" cy="3111500"/>
-          </a:xfrm>
-          <a:prstGeom prst="rect">
-            <a:avLst/>
-          </a:prstGeom>
-        </p:spPr>
-      </p:pic>
-      <p:pic>
-        <p:nvPicPr>
-          <p:cNvPr id="11" name="图片 10" descr="截屏2022-12-13 上午5.12.11"/>
-          <p:cNvPicPr>
-            <a:picLocks noChangeAspect="1"/>
-          </p:cNvPicPr>
-          <p:nvPr/>
-        </p:nvPicPr>
-        <p:blipFill>
-          <a:blip r:embed="rId4"/>
-          <a:stretch>
-            <a:fillRect/>
-          </a:stretch>
-        </p:blipFill>
-        <p:spPr>
-          <a:xfrm>
-            <a:off x="7817485" y="2266950"/>
-            <a:ext cx="2006600" cy="3136900"/>
+            <a:off x="5967095" y="4484370"/>
+            <a:ext cx="5887085" cy="777240"/>
           </a:xfrm>
           <a:prstGeom prst="rect">
             <a:avLst/>
@@ -27457,444 +25854,7 @@
 </p:sld>
 </file>
 
-<file path=ppt/slides/slide6.xml><?xml version="1.0" encoding="utf-8"?>
-<p:sld xmlns:a="http://schemas.openxmlformats.org/drawingml/2006/main" xmlns:r="http://schemas.openxmlformats.org/officeDocument/2006/relationships" xmlns:p="http://schemas.openxmlformats.org/presentationml/2006/main">
-  <p:cSld>
-    <p:spTree>
-      <p:nvGrpSpPr>
-        <p:cNvPr id="1" name=""/>
-        <p:cNvGrpSpPr/>
-        <p:nvPr/>
-      </p:nvGrpSpPr>
-      <p:grpSpPr>
-        <a:xfrm>
-          <a:off x="0" y="0"/>
-          <a:ext cx="0" cy="0"/>
-          <a:chOff x="0" y="0"/>
-          <a:chExt cx="0" cy="0"/>
-        </a:xfrm>
-      </p:grpSpPr>
-      <p:sp>
-        <p:nvSpPr>
-          <p:cNvPr id="2" name="Текст 1"/>
-          <p:cNvSpPr>
-            <a:spLocks noGrp="1"/>
-          </p:cNvSpPr>
-          <p:nvPr>
-            <p:ph type="body" sz="quarter" idx="17"/>
-          </p:nvPr>
-        </p:nvSpPr>
-        <p:spPr/>
-        <p:txBody>
-          <a:bodyPr/>
-          <a:lstStyle/>
-          <a:p>
-            <a:r>
-              <a:rPr lang="ru-RU"/>
-              <a:t>Histograms are used for long span characteristics such as age to see the distribution of survivors and non-survivors separately</a:t>
-            </a:r>
-            <a:endParaRPr lang="ru-RU"/>
-          </a:p>
-        </p:txBody>
-      </p:sp>
-      <p:sp>
-        <p:nvSpPr>
-          <p:cNvPr id="3" name="Текст 2"/>
-          <p:cNvSpPr>
-            <a:spLocks noGrp="1"/>
-          </p:cNvSpPr>
-          <p:nvPr>
-            <p:ph type="body" sz="quarter" idx="18"/>
-          </p:nvPr>
-        </p:nvSpPr>
-        <p:spPr/>
-        <p:txBody>
-          <a:bodyPr/>
-          <a:lstStyle/>
-          <a:p>
-            <a:endParaRPr lang="ru-RU"/>
-          </a:p>
-        </p:txBody>
-      </p:sp>
-      <p:sp>
-        <p:nvSpPr>
-          <p:cNvPr id="6" name="Текст 5"/>
-          <p:cNvSpPr>
-            <a:spLocks noGrp="1"/>
-          </p:cNvSpPr>
-          <p:nvPr>
-            <p:ph type="body" sz="quarter" idx="13"/>
-          </p:nvPr>
-        </p:nvSpPr>
-        <p:spPr/>
-        <p:txBody>
-          <a:bodyPr/>
-          <a:lstStyle/>
-          <a:p>
-            <a:endParaRPr lang="ru-RU"/>
-          </a:p>
-        </p:txBody>
-      </p:sp>
-      <p:sp>
-        <p:nvSpPr>
-          <p:cNvPr id="7" name="Текст 6"/>
-          <p:cNvSpPr>
-            <a:spLocks noGrp="1"/>
-          </p:cNvSpPr>
-          <p:nvPr>
-            <p:ph type="body" sz="quarter" idx="14"/>
-          </p:nvPr>
-        </p:nvSpPr>
-        <p:spPr/>
-        <p:txBody>
-          <a:bodyPr/>
-          <a:lstStyle/>
-          <a:p>
-            <a:endParaRPr lang="ru-RU"/>
-          </a:p>
-        </p:txBody>
-      </p:sp>
-      <p:sp>
-        <p:nvSpPr>
-          <p:cNvPr id="8" name="Текст 7"/>
-          <p:cNvSpPr>
-            <a:spLocks noGrp="1"/>
-          </p:cNvSpPr>
-          <p:nvPr>
-            <p:ph type="body" sz="quarter" idx="15"/>
-          </p:nvPr>
-        </p:nvSpPr>
-        <p:spPr/>
-        <p:txBody>
-          <a:bodyPr/>
-          <a:lstStyle/>
-          <a:p>
-            <a:endParaRPr lang="ru-RU"/>
-          </a:p>
-        </p:txBody>
-      </p:sp>
-      <p:pic>
-        <p:nvPicPr>
-          <p:cNvPr id="12" name="图片 11" descr="截屏2022-12-13 上午5.12.28"/>
-          <p:cNvPicPr>
-            <a:picLocks noChangeAspect="1"/>
-          </p:cNvPicPr>
-          <p:nvPr/>
-        </p:nvPicPr>
-        <p:blipFill>
-          <a:blip r:embed="rId1"/>
-          <a:stretch>
-            <a:fillRect/>
-          </a:stretch>
-        </p:blipFill>
-        <p:spPr>
-          <a:xfrm>
-            <a:off x="586105" y="2186940"/>
-            <a:ext cx="5664200" cy="2794000"/>
-          </a:xfrm>
-          <a:prstGeom prst="rect">
-            <a:avLst/>
-          </a:prstGeom>
-        </p:spPr>
-      </p:pic>
-      <p:pic>
-        <p:nvPicPr>
-          <p:cNvPr id="4" name="图片 3" descr="截屏2022-12-13 上午5.13.12"/>
-          <p:cNvPicPr>
-            <a:picLocks noChangeAspect="1"/>
-          </p:cNvPicPr>
-          <p:nvPr/>
-        </p:nvPicPr>
-        <p:blipFill>
-          <a:blip r:embed="rId2"/>
-          <a:stretch>
-            <a:fillRect/>
-          </a:stretch>
-        </p:blipFill>
-        <p:spPr>
-          <a:xfrm>
-            <a:off x="6104255" y="2186940"/>
-            <a:ext cx="5549900" cy="2794000"/>
-          </a:xfrm>
-          <a:prstGeom prst="rect">
-            <a:avLst/>
-          </a:prstGeom>
-        </p:spPr>
-      </p:pic>
-    </p:spTree>
-  </p:cSld>
-  <p:clrMapOvr>
-    <a:masterClrMapping/>
-  </p:clrMapOvr>
-</p:sld>
-</file>
-
-<file path=ppt/slides/slide7.xml><?xml version="1.0" encoding="utf-8"?>
-<p:sld xmlns:a="http://schemas.openxmlformats.org/drawingml/2006/main" xmlns:r="http://schemas.openxmlformats.org/officeDocument/2006/relationships" xmlns:p="http://schemas.openxmlformats.org/presentationml/2006/main">
-  <p:cSld>
-    <p:spTree>
-      <p:nvGrpSpPr>
-        <p:cNvPr id="1" name=""/>
-        <p:cNvGrpSpPr/>
-        <p:nvPr/>
-      </p:nvGrpSpPr>
-      <p:grpSpPr>
-        <a:xfrm>
-          <a:off x="0" y="0"/>
-          <a:ext cx="0" cy="0"/>
-          <a:chOff x="0" y="0"/>
-          <a:chExt cx="0" cy="0"/>
-        </a:xfrm>
-      </p:grpSpPr>
-      <p:sp>
-        <p:nvSpPr>
-          <p:cNvPr id="2" name="Текст 1"/>
-          <p:cNvSpPr>
-            <a:spLocks noGrp="1"/>
-          </p:cNvSpPr>
-          <p:nvPr>
-            <p:ph type="body" sz="quarter" idx="17"/>
-          </p:nvPr>
-        </p:nvSpPr>
-        <p:spPr/>
-        <p:txBody>
-          <a:bodyPr/>
-          <a:lstStyle/>
-          <a:p>
-            <a:r>
-              <a:rPr lang="en-US" altLang="ru-RU"/>
-              <a:t>Feature Cleaning</a:t>
-            </a:r>
-            <a:endParaRPr lang="en-US" altLang="ru-RU"/>
-          </a:p>
-          <a:p>
-            <a:endParaRPr lang="en-US" altLang="ru-RU"/>
-          </a:p>
-        </p:txBody>
-      </p:sp>
-      <p:sp>
-        <p:nvSpPr>
-          <p:cNvPr id="3" name="Текст 2"/>
-          <p:cNvSpPr>
-            <a:spLocks noGrp="1"/>
-          </p:cNvSpPr>
-          <p:nvPr>
-            <p:ph type="body" sz="quarter" idx="18"/>
-          </p:nvPr>
-        </p:nvSpPr>
-        <p:spPr>
-          <a:xfrm>
-            <a:off x="585470" y="2102485"/>
-            <a:ext cx="6823710" cy="2577465"/>
-          </a:xfrm>
-        </p:spPr>
-        <p:txBody>
-          <a:bodyPr>
-            <a:normAutofit lnSpcReduction="10000"/>
-          </a:bodyPr>
-          <a:lstStyle/>
-          <a:p>
-            <a:r>
-              <a:rPr lang="en-US" altLang="ru-RU"/>
-              <a:t>Name,Cabin,Ticket</a:t>
-            </a:r>
-            <a:endParaRPr lang="en-US" altLang="ru-RU"/>
-          </a:p>
-          <a:p>
-            <a:r>
-              <a:rPr lang="en-US" altLang="ru-RU"/>
-              <a:t>TItle-Categorization</a:t>
-            </a:r>
-            <a:endParaRPr lang="en-US" altLang="ru-RU"/>
-          </a:p>
-          <a:p>
-            <a:r>
-              <a:rPr lang="en-US" altLang="ru-RU"/>
-              <a:t>Sex</a:t>
-            </a:r>
-            <a:endParaRPr lang="en-US" altLang="ru-RU"/>
-          </a:p>
-          <a:p>
-            <a:r>
-              <a:rPr lang="en-US" altLang="ru-RU"/>
-              <a:t>Age-prediction</a:t>
-            </a:r>
-            <a:endParaRPr lang="en-US" altLang="ru-RU"/>
-          </a:p>
-          <a:p>
-            <a:r>
-              <a:rPr lang="en-US" altLang="ru-RU"/>
-              <a:t>Fare-prediction</a:t>
-            </a:r>
-            <a:endParaRPr lang="en-US" altLang="ru-RU"/>
-          </a:p>
-          <a:p>
-            <a:endParaRPr lang="en-US" altLang="ru-RU"/>
-          </a:p>
-          <a:p>
-            <a:r>
-              <a:rPr lang="en-US" altLang="ru-RU"/>
-              <a:t>IsChildren</a:t>
-            </a:r>
-            <a:endParaRPr lang="en-US" altLang="ru-RU"/>
-          </a:p>
-          <a:p>
-            <a:r>
-              <a:rPr lang="en-US" altLang="ru-RU"/>
-              <a:t>IsAlone</a:t>
-            </a:r>
-            <a:endParaRPr lang="en-US" altLang="ru-RU"/>
-          </a:p>
-          <a:p>
-            <a:r>
-              <a:rPr lang="en-US" altLang="ru-RU"/>
-              <a:t>FamilySize</a:t>
-            </a:r>
-            <a:endParaRPr lang="en-US" altLang="ru-RU"/>
-          </a:p>
-          <a:p>
-            <a:endParaRPr lang="en-US" altLang="ru-RU"/>
-          </a:p>
-        </p:txBody>
-      </p:sp>
-      <p:sp>
-        <p:nvSpPr>
-          <p:cNvPr id="6" name="Текст 5"/>
-          <p:cNvSpPr>
-            <a:spLocks noGrp="1"/>
-          </p:cNvSpPr>
-          <p:nvPr>
-            <p:ph type="body" sz="quarter" idx="13"/>
-          </p:nvPr>
-        </p:nvSpPr>
-        <p:spPr/>
-        <p:txBody>
-          <a:bodyPr/>
-          <a:lstStyle/>
-          <a:p>
-            <a:endParaRPr lang="ru-RU"/>
-          </a:p>
-        </p:txBody>
-      </p:sp>
-      <p:sp>
-        <p:nvSpPr>
-          <p:cNvPr id="7" name="Текст 6"/>
-          <p:cNvSpPr>
-            <a:spLocks noGrp="1"/>
-          </p:cNvSpPr>
-          <p:nvPr>
-            <p:ph type="body" sz="quarter" idx="14"/>
-          </p:nvPr>
-        </p:nvSpPr>
-        <p:spPr/>
-        <p:txBody>
-          <a:bodyPr/>
-          <a:lstStyle/>
-          <a:p>
-            <a:endParaRPr lang="ru-RU"/>
-          </a:p>
-        </p:txBody>
-      </p:sp>
-      <p:sp>
-        <p:nvSpPr>
-          <p:cNvPr id="8" name="Текст 7"/>
-          <p:cNvSpPr>
-            <a:spLocks noGrp="1"/>
-          </p:cNvSpPr>
-          <p:nvPr>
-            <p:ph type="body" sz="quarter" idx="15"/>
-          </p:nvPr>
-        </p:nvSpPr>
-        <p:spPr/>
-        <p:txBody>
-          <a:bodyPr/>
-          <a:lstStyle/>
-          <a:p>
-            <a:endParaRPr lang="ru-RU"/>
-          </a:p>
-        </p:txBody>
-      </p:sp>
-      <p:pic>
-        <p:nvPicPr>
-          <p:cNvPr id="5" name="图片 4" descr="截屏2022-12-13 上午5.18.50"/>
-          <p:cNvPicPr>
-            <a:picLocks noChangeAspect="1"/>
-          </p:cNvPicPr>
-          <p:nvPr/>
-        </p:nvPicPr>
-        <p:blipFill>
-          <a:blip r:embed="rId1"/>
-          <a:stretch>
-            <a:fillRect/>
-          </a:stretch>
-        </p:blipFill>
-        <p:spPr>
-          <a:xfrm>
-            <a:off x="3188970" y="1240790"/>
-            <a:ext cx="1617345" cy="5273675"/>
-          </a:xfrm>
-          <a:prstGeom prst="rect">
-            <a:avLst/>
-          </a:prstGeom>
-        </p:spPr>
-      </p:pic>
-      <p:pic>
-        <p:nvPicPr>
-          <p:cNvPr id="9" name="图片 8" descr="截屏2022-12-13 上午5.19.08"/>
-          <p:cNvPicPr>
-            <a:picLocks noChangeAspect="1"/>
-          </p:cNvPicPr>
-          <p:nvPr/>
-        </p:nvPicPr>
-        <p:blipFill>
-          <a:blip r:embed="rId2"/>
-          <a:stretch>
-            <a:fillRect/>
-          </a:stretch>
-        </p:blipFill>
-        <p:spPr>
-          <a:xfrm>
-            <a:off x="4907915" y="1240790"/>
-            <a:ext cx="2400300" cy="2628900"/>
-          </a:xfrm>
-          <a:prstGeom prst="rect">
-            <a:avLst/>
-          </a:prstGeom>
-        </p:spPr>
-      </p:pic>
-      <p:pic>
-        <p:nvPicPr>
-          <p:cNvPr id="10" name="图片 9" descr="截屏2022-12-13 上午5.19.34"/>
-          <p:cNvPicPr>
-            <a:picLocks noChangeAspect="1"/>
-          </p:cNvPicPr>
-          <p:nvPr/>
-        </p:nvPicPr>
-        <p:blipFill>
-          <a:blip r:embed="rId3"/>
-          <a:stretch>
-            <a:fillRect/>
-          </a:stretch>
-        </p:blipFill>
-        <p:spPr>
-          <a:xfrm>
-            <a:off x="7409180" y="1263015"/>
-            <a:ext cx="4250690" cy="4332605"/>
-          </a:xfrm>
-          <a:prstGeom prst="rect">
-            <a:avLst/>
-          </a:prstGeom>
-        </p:spPr>
-      </p:pic>
-    </p:spTree>
-  </p:cSld>
-  <p:clrMapOvr>
-    <a:masterClrMapping/>
-  </p:clrMapOvr>
-</p:sld>
-</file>
-
-<file path=ppt/slides/slide8.xml><?xml version="1.0" encoding="utf-8"?>
+<file path=ppt/slides/slide12.xml><?xml version="1.0" encoding="utf-8"?>
 <p:sld xmlns:a="http://schemas.openxmlformats.org/drawingml/2006/main" xmlns:r="http://schemas.openxmlformats.org/officeDocument/2006/relationships" xmlns:p="http://schemas.openxmlformats.org/presentationml/2006/main">
   <p:cSld>
     <p:spTree>
@@ -27921,63 +25881,23 @@
             <p:ph type="title"/>
           </p:nvPr>
         </p:nvSpPr>
-        <p:spPr/>
+        <p:spPr>
+          <a:xfrm>
+            <a:off x="586105" y="1447800"/>
+            <a:ext cx="7743190" cy="777240"/>
+          </a:xfrm>
+        </p:spPr>
         <p:txBody>
           <a:bodyPr>
-            <a:normAutofit fontScale="90000"/>
+            <a:normAutofit/>
           </a:bodyPr>
           <a:lstStyle/>
           <a:p>
             <a:r>
-              <a:rPr lang="ru-RU"/>
-              <a:t>Feature correlation visualization</a:t>
-            </a:r>
-            <a:br>
-              <a:rPr lang="ru-RU"/>
-            </a:br>
-            <a:r>
-              <a:rPr lang="ru-RU"/>
-              <a:t>Visualize correlations between features using seaborn's heatmap</a:t>
-            </a:r>
-            <a:endParaRPr lang="ru-RU"/>
-          </a:p>
-        </p:txBody>
-      </p:sp>
-      <p:sp>
-        <p:nvSpPr>
-          <p:cNvPr id="3" name="Текст 2"/>
-          <p:cNvSpPr>
-            <a:spLocks noGrp="1"/>
-          </p:cNvSpPr>
-          <p:nvPr>
-            <p:ph type="body" sz="quarter" idx="12"/>
-          </p:nvPr>
-        </p:nvSpPr>
-        <p:spPr/>
-        <p:txBody>
-          <a:bodyPr/>
-          <a:lstStyle/>
-          <a:p>
-            <a:endParaRPr lang="ru-RU"/>
-          </a:p>
-        </p:txBody>
-      </p:sp>
-      <p:sp>
-        <p:nvSpPr>
-          <p:cNvPr id="4" name="Текст 3"/>
-          <p:cNvSpPr>
-            <a:spLocks noGrp="1"/>
-          </p:cNvSpPr>
-          <p:nvPr>
-            <p:ph type="body" sz="quarter" idx="16"/>
-          </p:nvPr>
-        </p:nvSpPr>
-        <p:spPr/>
-        <p:txBody>
-          <a:bodyPr/>
-          <a:lstStyle/>
-          <a:p>
-            <a:endParaRPr lang="ru-RU"/>
+              <a:rPr lang="en-US" altLang="ru-RU"/>
+              <a:t>Baseline Algorithm</a:t>
+            </a:r>
+            <a:endParaRPr lang="en-US" altLang="ru-RU"/>
           </a:p>
         </p:txBody>
       </p:sp>
@@ -27996,7 +25916,11 @@
           <a:bodyPr/>
           <a:lstStyle/>
           <a:p>
-            <a:endParaRPr lang="ru-RU"/>
+            <a:r>
+              <a:rPr lang="en-US" altLang="ru-RU"/>
+              <a:t>Data Processing</a:t>
+            </a:r>
+            <a:endParaRPr lang="en-US" altLang="ru-RU"/>
           </a:p>
         </p:txBody>
       </p:sp>
@@ -28038,9 +25962,223 @@
           </a:p>
         </p:txBody>
       </p:sp>
+      <p:sp>
+        <p:nvSpPr>
+          <p:cNvPr id="5" name="文本占位符 4"/>
+          <p:cNvSpPr/>
+          <p:nvPr>
+            <p:ph type="body" sz="quarter" idx="16"/>
+          </p:nvPr>
+        </p:nvSpPr>
+        <p:spPr/>
+        <p:txBody>
+          <a:bodyPr/>
+          <a:p>
+            <a:endParaRPr lang="zh-CN" altLang="en-US"/>
+          </a:p>
+        </p:txBody>
+      </p:sp>
+      <p:sp>
+        <p:nvSpPr>
+          <p:cNvPr id="9" name="Текст 2"/>
+          <p:cNvSpPr>
+            <a:spLocks noGrp="1"/>
+          </p:cNvSpPr>
+          <p:nvPr/>
+        </p:nvSpPr>
+        <p:spPr>
+          <a:xfrm>
+            <a:off x="585470" y="2102485"/>
+            <a:ext cx="3152140" cy="2577465"/>
+          </a:xfrm>
+          <a:prstGeom prst="rect">
+            <a:avLst/>
+          </a:prstGeom>
+        </p:spPr>
+        <p:txBody>
+          <a:bodyPr lIns="0" tIns="0" rIns="0" bIns="0">
+            <a:normAutofit lnSpcReduction="10000"/>
+          </a:bodyPr>
+          <a:lstStyle>
+            <a:lvl1pPr marL="0" marR="0" indent="0" algn="l" defTabSz="914400" rtl="0" eaLnBrk="1" fontAlgn="auto" latinLnBrk="0" hangingPunct="1">
+              <a:lnSpc>
+                <a:spcPct val="100000"/>
+              </a:lnSpc>
+              <a:spcBef>
+                <a:spcPts val="600"/>
+              </a:spcBef>
+              <a:spcAft>
+                <a:spcPts val="0"/>
+              </a:spcAft>
+              <a:buClrTx/>
+              <a:buSzTx/>
+              <a:buFontTx/>
+              <a:buNone/>
+              <a:defRPr sz="1300" b="0" i="0" kern="1200">
+                <a:solidFill>
+                  <a:srgbClr val="0E2D69"/>
+                </a:solidFill>
+                <a:latin typeface="HSE Sans" panose="02000000000000000000" pitchFamily="2" charset="0"/>
+                <a:ea typeface="+mn-ea"/>
+                <a:cs typeface="+mn-cs"/>
+              </a:defRPr>
+            </a:lvl1pPr>
+            <a:lvl2pPr marL="685800" indent="-228600" algn="l" defTabSz="914400" rtl="0" eaLnBrk="1" latinLnBrk="0" hangingPunct="1">
+              <a:lnSpc>
+                <a:spcPct val="90000"/>
+              </a:lnSpc>
+              <a:spcBef>
+                <a:spcPts val="500"/>
+              </a:spcBef>
+              <a:buFont typeface="Arial" panose="020B0604020202090204" pitchFamily="34" charset="0"/>
+              <a:buChar char="•"/>
+              <a:defRPr sz="1300" b="0" i="0" kern="1200">
+                <a:solidFill>
+                  <a:srgbClr val="0E2D69"/>
+                </a:solidFill>
+                <a:latin typeface="HSE Sans" panose="02000000000000000000" pitchFamily="2" charset="0"/>
+                <a:ea typeface="+mn-ea"/>
+                <a:cs typeface="+mn-cs"/>
+              </a:defRPr>
+            </a:lvl2pPr>
+            <a:lvl3pPr marL="1143000" indent="-228600" algn="l" defTabSz="914400" rtl="0" eaLnBrk="1" latinLnBrk="0" hangingPunct="1">
+              <a:lnSpc>
+                <a:spcPct val="90000"/>
+              </a:lnSpc>
+              <a:spcBef>
+                <a:spcPts val="500"/>
+              </a:spcBef>
+              <a:buFont typeface="Arial" panose="020B0604020202090204" pitchFamily="34" charset="0"/>
+              <a:buChar char="•"/>
+              <a:defRPr sz="1300" b="0" i="0" kern="1200">
+                <a:solidFill>
+                  <a:srgbClr val="0E2D69"/>
+                </a:solidFill>
+                <a:latin typeface="HSE Sans" panose="02000000000000000000" pitchFamily="2" charset="0"/>
+                <a:ea typeface="+mn-ea"/>
+                <a:cs typeface="+mn-cs"/>
+              </a:defRPr>
+            </a:lvl3pPr>
+            <a:lvl4pPr marL="1600200" indent="-228600" algn="l" defTabSz="914400" rtl="0" eaLnBrk="1" latinLnBrk="0" hangingPunct="1">
+              <a:lnSpc>
+                <a:spcPct val="90000"/>
+              </a:lnSpc>
+              <a:spcBef>
+                <a:spcPts val="500"/>
+              </a:spcBef>
+              <a:buFont typeface="Arial" panose="020B0604020202090204" pitchFamily="34" charset="0"/>
+              <a:buChar char="•"/>
+              <a:defRPr sz="1300" b="0" i="0" kern="1200">
+                <a:solidFill>
+                  <a:srgbClr val="0E2D69"/>
+                </a:solidFill>
+                <a:latin typeface="HSE Sans" panose="02000000000000000000" pitchFamily="2" charset="0"/>
+                <a:ea typeface="+mn-ea"/>
+                <a:cs typeface="+mn-cs"/>
+              </a:defRPr>
+            </a:lvl4pPr>
+            <a:lvl5pPr marL="2057400" indent="-228600" algn="l" defTabSz="914400" rtl="0" eaLnBrk="1" latinLnBrk="0" hangingPunct="1">
+              <a:lnSpc>
+                <a:spcPct val="90000"/>
+              </a:lnSpc>
+              <a:spcBef>
+                <a:spcPts val="500"/>
+              </a:spcBef>
+              <a:buFont typeface="Arial" panose="020B0604020202090204" pitchFamily="34" charset="0"/>
+              <a:buChar char="•"/>
+              <a:defRPr sz="1300" b="0" i="0" kern="1200">
+                <a:solidFill>
+                  <a:srgbClr val="0E2D69"/>
+                </a:solidFill>
+                <a:latin typeface="HSE Sans" panose="02000000000000000000" pitchFamily="2" charset="0"/>
+                <a:ea typeface="+mn-ea"/>
+                <a:cs typeface="+mn-cs"/>
+              </a:defRPr>
+            </a:lvl5pPr>
+            <a:lvl6pPr marL="2514600" indent="-228600" algn="l" defTabSz="914400" rtl="0" eaLnBrk="1" latinLnBrk="0" hangingPunct="1">
+              <a:lnSpc>
+                <a:spcPct val="90000"/>
+              </a:lnSpc>
+              <a:spcBef>
+                <a:spcPts val="500"/>
+              </a:spcBef>
+              <a:buFont typeface="Arial" panose="020B0604020202090204" pitchFamily="34" charset="0"/>
+              <a:buChar char="•"/>
+              <a:defRPr sz="1800" kern="1200">
+                <a:solidFill>
+                  <a:schemeClr val="tx1"/>
+                </a:solidFill>
+                <a:latin typeface="+mn-lt"/>
+                <a:ea typeface="+mn-ea"/>
+                <a:cs typeface="+mn-cs"/>
+              </a:defRPr>
+            </a:lvl6pPr>
+            <a:lvl7pPr marL="2971800" indent="-228600" algn="l" defTabSz="914400" rtl="0" eaLnBrk="1" latinLnBrk="0" hangingPunct="1">
+              <a:lnSpc>
+                <a:spcPct val="90000"/>
+              </a:lnSpc>
+              <a:spcBef>
+                <a:spcPts val="500"/>
+              </a:spcBef>
+              <a:buFont typeface="Arial" panose="020B0604020202090204" pitchFamily="34" charset="0"/>
+              <a:buChar char="•"/>
+              <a:defRPr sz="1800" kern="1200">
+                <a:solidFill>
+                  <a:schemeClr val="tx1"/>
+                </a:solidFill>
+                <a:latin typeface="+mn-lt"/>
+                <a:ea typeface="+mn-ea"/>
+                <a:cs typeface="+mn-cs"/>
+              </a:defRPr>
+            </a:lvl7pPr>
+            <a:lvl8pPr marL="3429000" indent="-228600" algn="l" defTabSz="914400" rtl="0" eaLnBrk="1" latinLnBrk="0" hangingPunct="1">
+              <a:lnSpc>
+                <a:spcPct val="90000"/>
+              </a:lnSpc>
+              <a:spcBef>
+                <a:spcPts val="500"/>
+              </a:spcBef>
+              <a:buFont typeface="Arial" panose="020B0604020202090204" pitchFamily="34" charset="0"/>
+              <a:buChar char="•"/>
+              <a:defRPr sz="1800" kern="1200">
+                <a:solidFill>
+                  <a:schemeClr val="tx1"/>
+                </a:solidFill>
+                <a:latin typeface="+mn-lt"/>
+                <a:ea typeface="+mn-ea"/>
+                <a:cs typeface="+mn-cs"/>
+              </a:defRPr>
+            </a:lvl8pPr>
+            <a:lvl9pPr marL="3886200" indent="-228600" algn="l" defTabSz="914400" rtl="0" eaLnBrk="1" latinLnBrk="0" hangingPunct="1">
+              <a:lnSpc>
+                <a:spcPct val="90000"/>
+              </a:lnSpc>
+              <a:spcBef>
+                <a:spcPts val="500"/>
+              </a:spcBef>
+              <a:buFont typeface="Arial" panose="020B0604020202090204" pitchFamily="34" charset="0"/>
+              <a:buChar char="•"/>
+              <a:defRPr sz="1800" kern="1200">
+                <a:solidFill>
+                  <a:schemeClr val="tx1"/>
+                </a:solidFill>
+                <a:latin typeface="+mn-lt"/>
+                <a:ea typeface="+mn-ea"/>
+                <a:cs typeface="+mn-cs"/>
+              </a:defRPr>
+            </a:lvl9pPr>
+          </a:lstStyle>
+          <a:p>
+            <a:endParaRPr lang="en-US" altLang="ru-RU"/>
+          </a:p>
+          <a:p>
+            <a:endParaRPr lang="en-US" altLang="ru-RU"/>
+          </a:p>
+        </p:txBody>
+      </p:sp>
       <p:pic>
         <p:nvPicPr>
-          <p:cNvPr id="5" name="图片 4" descr="截屏2022-12-13 上午5.20.58"/>
+          <p:cNvPr id="4" name="图片 3" descr="截屏2022-12-15 上午1.05.37"/>
           <p:cNvPicPr>
             <a:picLocks noChangeAspect="1"/>
           </p:cNvPicPr>
@@ -28054,8 +26192,81 @@
         </p:blipFill>
         <p:spPr>
           <a:xfrm>
-            <a:off x="5415280" y="1097280"/>
-            <a:ext cx="5956935" cy="5585460"/>
+            <a:off x="585470" y="1975485"/>
+            <a:ext cx="5507355" cy="3559175"/>
+          </a:xfrm>
+          <a:prstGeom prst="rect">
+            <a:avLst/>
+          </a:prstGeom>
+        </p:spPr>
+      </p:pic>
+      <p:sp>
+        <p:nvSpPr>
+          <p:cNvPr id="10" name="Заголовок 1"/>
+          <p:cNvSpPr>
+            <a:spLocks noGrp="1"/>
+          </p:cNvSpPr>
+          <p:nvPr/>
+        </p:nvSpPr>
+        <p:spPr>
+          <a:xfrm>
+            <a:off x="6092825" y="1447800"/>
+            <a:ext cx="7743190" cy="777240"/>
+          </a:xfrm>
+          <a:prstGeom prst="rect">
+            <a:avLst/>
+          </a:prstGeom>
+        </p:spPr>
+        <p:txBody>
+          <a:bodyPr lIns="0" tIns="0" rIns="0" bIns="0" anchor="t">
+            <a:normAutofit/>
+          </a:bodyPr>
+          <a:lstStyle>
+            <a:lvl1pPr algn="l" defTabSz="914400" rtl="0" eaLnBrk="1" latinLnBrk="0" hangingPunct="1">
+              <a:lnSpc>
+                <a:spcPct val="100000"/>
+              </a:lnSpc>
+              <a:spcBef>
+                <a:spcPct val="0"/>
+              </a:spcBef>
+              <a:buNone/>
+              <a:defRPr sz="2400" b="0" i="0" kern="1200">
+                <a:solidFill>
+                  <a:schemeClr val="tx1"/>
+                </a:solidFill>
+                <a:latin typeface="HSE Sans" panose="02000000000000000000" pitchFamily="2" charset="0"/>
+                <a:ea typeface="+mj-ea"/>
+                <a:cs typeface="+mj-cs"/>
+              </a:defRPr>
+            </a:lvl1pPr>
+          </a:lstStyle>
+          <a:p>
+            <a:r>
+              <a:rPr lang="en-US" altLang="ru-RU"/>
+              <a:t>Rewrite Baseline Algorithm with Numpy</a:t>
+            </a:r>
+            <a:endParaRPr lang="en-US" altLang="ru-RU"/>
+          </a:p>
+        </p:txBody>
+      </p:sp>
+      <p:pic>
+        <p:nvPicPr>
+          <p:cNvPr id="12" name="图片 11" descr="截屏2022-12-15 上午1.06.46"/>
+          <p:cNvPicPr>
+            <a:picLocks noChangeAspect="1"/>
+          </p:cNvPicPr>
+          <p:nvPr/>
+        </p:nvPicPr>
+        <p:blipFill>
+          <a:blip r:embed="rId2"/>
+          <a:stretch>
+            <a:fillRect/>
+          </a:stretch>
+        </p:blipFill>
+        <p:spPr>
+          <a:xfrm>
+            <a:off x="6092825" y="1975485"/>
+            <a:ext cx="5478145" cy="2703830"/>
           </a:xfrm>
           <a:prstGeom prst="rect">
             <a:avLst/>
@@ -28070,7 +26281,1017 @@
 </p:sld>
 </file>
 
-<file path=ppt/slides/slide9.xml><?xml version="1.0" encoding="utf-8"?>
+<file path=ppt/slides/slide13.xml><?xml version="1.0" encoding="utf-8"?>
+<p:sld xmlns:a="http://schemas.openxmlformats.org/drawingml/2006/main" xmlns:r="http://schemas.openxmlformats.org/officeDocument/2006/relationships" xmlns:p="http://schemas.openxmlformats.org/presentationml/2006/main">
+  <p:cSld>
+    <p:spTree>
+      <p:nvGrpSpPr>
+        <p:cNvPr id="1" name=""/>
+        <p:cNvGrpSpPr/>
+        <p:nvPr/>
+      </p:nvGrpSpPr>
+      <p:grpSpPr>
+        <a:xfrm>
+          <a:off x="0" y="0"/>
+          <a:ext cx="0" cy="0"/>
+          <a:chOff x="0" y="0"/>
+          <a:chExt cx="0" cy="0"/>
+        </a:xfrm>
+      </p:grpSpPr>
+      <p:sp>
+        <p:nvSpPr>
+          <p:cNvPr id="2" name="Заголовок 1"/>
+          <p:cNvSpPr>
+            <a:spLocks noGrp="1"/>
+          </p:cNvSpPr>
+          <p:nvPr>
+            <p:ph type="title"/>
+          </p:nvPr>
+        </p:nvSpPr>
+        <p:spPr>
+          <a:xfrm>
+            <a:off x="586105" y="1447800"/>
+            <a:ext cx="7743190" cy="777240"/>
+          </a:xfrm>
+        </p:spPr>
+        <p:txBody>
+          <a:bodyPr>
+            <a:normAutofit/>
+          </a:bodyPr>
+          <a:lstStyle/>
+          <a:p>
+            <a:r>
+              <a:rPr lang="en-US" altLang="ru-RU"/>
+              <a:t>Comparison</a:t>
+            </a:r>
+            <a:endParaRPr lang="en-US" altLang="ru-RU"/>
+          </a:p>
+        </p:txBody>
+      </p:sp>
+      <p:sp>
+        <p:nvSpPr>
+          <p:cNvPr id="6" name="Текст 5"/>
+          <p:cNvSpPr>
+            <a:spLocks noGrp="1"/>
+          </p:cNvSpPr>
+          <p:nvPr>
+            <p:ph type="body" sz="quarter" idx="13"/>
+          </p:nvPr>
+        </p:nvSpPr>
+        <p:spPr/>
+        <p:txBody>
+          <a:bodyPr/>
+          <a:lstStyle/>
+          <a:p>
+            <a:r>
+              <a:rPr lang="en-US" altLang="ru-RU"/>
+              <a:t>Results</a:t>
+            </a:r>
+            <a:endParaRPr lang="en-US" altLang="ru-RU"/>
+          </a:p>
+        </p:txBody>
+      </p:sp>
+      <p:sp>
+        <p:nvSpPr>
+          <p:cNvPr id="7" name="Текст 6"/>
+          <p:cNvSpPr>
+            <a:spLocks noGrp="1"/>
+          </p:cNvSpPr>
+          <p:nvPr>
+            <p:ph type="body" sz="quarter" idx="14"/>
+          </p:nvPr>
+        </p:nvSpPr>
+        <p:spPr/>
+        <p:txBody>
+          <a:bodyPr/>
+          <a:lstStyle/>
+          <a:p>
+            <a:endParaRPr lang="ru-RU"/>
+          </a:p>
+        </p:txBody>
+      </p:sp>
+      <p:sp>
+        <p:nvSpPr>
+          <p:cNvPr id="8" name="Текст 7"/>
+          <p:cNvSpPr>
+            <a:spLocks noGrp="1"/>
+          </p:cNvSpPr>
+          <p:nvPr>
+            <p:ph type="body" sz="quarter" idx="15"/>
+          </p:nvPr>
+        </p:nvSpPr>
+        <p:spPr/>
+        <p:txBody>
+          <a:bodyPr/>
+          <a:lstStyle/>
+          <a:p>
+            <a:endParaRPr lang="ru-RU"/>
+          </a:p>
+        </p:txBody>
+      </p:sp>
+      <p:sp>
+        <p:nvSpPr>
+          <p:cNvPr id="5" name="文本占位符 4"/>
+          <p:cNvSpPr/>
+          <p:nvPr>
+            <p:ph type="body" sz="quarter" idx="16"/>
+          </p:nvPr>
+        </p:nvSpPr>
+        <p:spPr/>
+        <p:txBody>
+          <a:bodyPr/>
+          <a:p>
+            <a:endParaRPr lang="zh-CN" altLang="en-US"/>
+          </a:p>
+        </p:txBody>
+      </p:sp>
+      <p:sp>
+        <p:nvSpPr>
+          <p:cNvPr id="9" name="Текст 2"/>
+          <p:cNvSpPr>
+            <a:spLocks noGrp="1"/>
+          </p:cNvSpPr>
+          <p:nvPr/>
+        </p:nvSpPr>
+        <p:spPr>
+          <a:xfrm>
+            <a:off x="585470" y="2102485"/>
+            <a:ext cx="3152140" cy="2577465"/>
+          </a:xfrm>
+          <a:prstGeom prst="rect">
+            <a:avLst/>
+          </a:prstGeom>
+        </p:spPr>
+        <p:txBody>
+          <a:bodyPr lIns="0" tIns="0" rIns="0" bIns="0">
+            <a:normAutofit lnSpcReduction="10000"/>
+          </a:bodyPr>
+          <a:lstStyle>
+            <a:lvl1pPr marL="0" marR="0" indent="0" algn="l" defTabSz="914400" rtl="0" eaLnBrk="1" fontAlgn="auto" latinLnBrk="0" hangingPunct="1">
+              <a:lnSpc>
+                <a:spcPct val="100000"/>
+              </a:lnSpc>
+              <a:spcBef>
+                <a:spcPts val="600"/>
+              </a:spcBef>
+              <a:spcAft>
+                <a:spcPts val="0"/>
+              </a:spcAft>
+              <a:buClrTx/>
+              <a:buSzTx/>
+              <a:buFontTx/>
+              <a:buNone/>
+              <a:defRPr sz="1300" b="0" i="0" kern="1200">
+                <a:solidFill>
+                  <a:srgbClr val="0E2D69"/>
+                </a:solidFill>
+                <a:latin typeface="HSE Sans" panose="02000000000000000000" pitchFamily="2" charset="0"/>
+                <a:ea typeface="+mn-ea"/>
+                <a:cs typeface="+mn-cs"/>
+              </a:defRPr>
+            </a:lvl1pPr>
+            <a:lvl2pPr marL="685800" indent="-228600" algn="l" defTabSz="914400" rtl="0" eaLnBrk="1" latinLnBrk="0" hangingPunct="1">
+              <a:lnSpc>
+                <a:spcPct val="90000"/>
+              </a:lnSpc>
+              <a:spcBef>
+                <a:spcPts val="500"/>
+              </a:spcBef>
+              <a:buFont typeface="Arial" panose="020B0604020202090204" pitchFamily="34" charset="0"/>
+              <a:buChar char="•"/>
+              <a:defRPr sz="1300" b="0" i="0" kern="1200">
+                <a:solidFill>
+                  <a:srgbClr val="0E2D69"/>
+                </a:solidFill>
+                <a:latin typeface="HSE Sans" panose="02000000000000000000" pitchFamily="2" charset="0"/>
+                <a:ea typeface="+mn-ea"/>
+                <a:cs typeface="+mn-cs"/>
+              </a:defRPr>
+            </a:lvl2pPr>
+            <a:lvl3pPr marL="1143000" indent="-228600" algn="l" defTabSz="914400" rtl="0" eaLnBrk="1" latinLnBrk="0" hangingPunct="1">
+              <a:lnSpc>
+                <a:spcPct val="90000"/>
+              </a:lnSpc>
+              <a:spcBef>
+                <a:spcPts val="500"/>
+              </a:spcBef>
+              <a:buFont typeface="Arial" panose="020B0604020202090204" pitchFamily="34" charset="0"/>
+              <a:buChar char="•"/>
+              <a:defRPr sz="1300" b="0" i="0" kern="1200">
+                <a:solidFill>
+                  <a:srgbClr val="0E2D69"/>
+                </a:solidFill>
+                <a:latin typeface="HSE Sans" panose="02000000000000000000" pitchFamily="2" charset="0"/>
+                <a:ea typeface="+mn-ea"/>
+                <a:cs typeface="+mn-cs"/>
+              </a:defRPr>
+            </a:lvl3pPr>
+            <a:lvl4pPr marL="1600200" indent="-228600" algn="l" defTabSz="914400" rtl="0" eaLnBrk="1" latinLnBrk="0" hangingPunct="1">
+              <a:lnSpc>
+                <a:spcPct val="90000"/>
+              </a:lnSpc>
+              <a:spcBef>
+                <a:spcPts val="500"/>
+              </a:spcBef>
+              <a:buFont typeface="Arial" panose="020B0604020202090204" pitchFamily="34" charset="0"/>
+              <a:buChar char="•"/>
+              <a:defRPr sz="1300" b="0" i="0" kern="1200">
+                <a:solidFill>
+                  <a:srgbClr val="0E2D69"/>
+                </a:solidFill>
+                <a:latin typeface="HSE Sans" panose="02000000000000000000" pitchFamily="2" charset="0"/>
+                <a:ea typeface="+mn-ea"/>
+                <a:cs typeface="+mn-cs"/>
+              </a:defRPr>
+            </a:lvl4pPr>
+            <a:lvl5pPr marL="2057400" indent="-228600" algn="l" defTabSz="914400" rtl="0" eaLnBrk="1" latinLnBrk="0" hangingPunct="1">
+              <a:lnSpc>
+                <a:spcPct val="90000"/>
+              </a:lnSpc>
+              <a:spcBef>
+                <a:spcPts val="500"/>
+              </a:spcBef>
+              <a:buFont typeface="Arial" panose="020B0604020202090204" pitchFamily="34" charset="0"/>
+              <a:buChar char="•"/>
+              <a:defRPr sz="1300" b="0" i="0" kern="1200">
+                <a:solidFill>
+                  <a:srgbClr val="0E2D69"/>
+                </a:solidFill>
+                <a:latin typeface="HSE Sans" panose="02000000000000000000" pitchFamily="2" charset="0"/>
+                <a:ea typeface="+mn-ea"/>
+                <a:cs typeface="+mn-cs"/>
+              </a:defRPr>
+            </a:lvl5pPr>
+            <a:lvl6pPr marL="2514600" indent="-228600" algn="l" defTabSz="914400" rtl="0" eaLnBrk="1" latinLnBrk="0" hangingPunct="1">
+              <a:lnSpc>
+                <a:spcPct val="90000"/>
+              </a:lnSpc>
+              <a:spcBef>
+                <a:spcPts val="500"/>
+              </a:spcBef>
+              <a:buFont typeface="Arial" panose="020B0604020202090204" pitchFamily="34" charset="0"/>
+              <a:buChar char="•"/>
+              <a:defRPr sz="1800" kern="1200">
+                <a:solidFill>
+                  <a:schemeClr val="tx1"/>
+                </a:solidFill>
+                <a:latin typeface="+mn-lt"/>
+                <a:ea typeface="+mn-ea"/>
+                <a:cs typeface="+mn-cs"/>
+              </a:defRPr>
+            </a:lvl6pPr>
+            <a:lvl7pPr marL="2971800" indent="-228600" algn="l" defTabSz="914400" rtl="0" eaLnBrk="1" latinLnBrk="0" hangingPunct="1">
+              <a:lnSpc>
+                <a:spcPct val="90000"/>
+              </a:lnSpc>
+              <a:spcBef>
+                <a:spcPts val="500"/>
+              </a:spcBef>
+              <a:buFont typeface="Arial" panose="020B0604020202090204" pitchFamily="34" charset="0"/>
+              <a:buChar char="•"/>
+              <a:defRPr sz="1800" kern="1200">
+                <a:solidFill>
+                  <a:schemeClr val="tx1"/>
+                </a:solidFill>
+                <a:latin typeface="+mn-lt"/>
+                <a:ea typeface="+mn-ea"/>
+                <a:cs typeface="+mn-cs"/>
+              </a:defRPr>
+            </a:lvl7pPr>
+            <a:lvl8pPr marL="3429000" indent="-228600" algn="l" defTabSz="914400" rtl="0" eaLnBrk="1" latinLnBrk="0" hangingPunct="1">
+              <a:lnSpc>
+                <a:spcPct val="90000"/>
+              </a:lnSpc>
+              <a:spcBef>
+                <a:spcPts val="500"/>
+              </a:spcBef>
+              <a:buFont typeface="Arial" panose="020B0604020202090204" pitchFamily="34" charset="0"/>
+              <a:buChar char="•"/>
+              <a:defRPr sz="1800" kern="1200">
+                <a:solidFill>
+                  <a:schemeClr val="tx1"/>
+                </a:solidFill>
+                <a:latin typeface="+mn-lt"/>
+                <a:ea typeface="+mn-ea"/>
+                <a:cs typeface="+mn-cs"/>
+              </a:defRPr>
+            </a:lvl8pPr>
+            <a:lvl9pPr marL="3886200" indent="-228600" algn="l" defTabSz="914400" rtl="0" eaLnBrk="1" latinLnBrk="0" hangingPunct="1">
+              <a:lnSpc>
+                <a:spcPct val="90000"/>
+              </a:lnSpc>
+              <a:spcBef>
+                <a:spcPts val="500"/>
+              </a:spcBef>
+              <a:buFont typeface="Arial" panose="020B0604020202090204" pitchFamily="34" charset="0"/>
+              <a:buChar char="•"/>
+              <a:defRPr sz="1800" kern="1200">
+                <a:solidFill>
+                  <a:schemeClr val="tx1"/>
+                </a:solidFill>
+                <a:latin typeface="+mn-lt"/>
+                <a:ea typeface="+mn-ea"/>
+                <a:cs typeface="+mn-cs"/>
+              </a:defRPr>
+            </a:lvl9pPr>
+          </a:lstStyle>
+          <a:p>
+            <a:endParaRPr lang="en-US" altLang="ru-RU"/>
+          </a:p>
+          <a:p>
+            <a:endParaRPr lang="en-US" altLang="ru-RU"/>
+          </a:p>
+        </p:txBody>
+      </p:sp>
+      <p:graphicFrame>
+        <p:nvGraphicFramePr>
+          <p:cNvPr id="4" name="表格 3"/>
+          <p:cNvGraphicFramePr/>
+          <p:nvPr>
+            <p:custDataLst>
+              <p:tags r:id="rId1"/>
+            </p:custDataLst>
+          </p:nvPr>
+        </p:nvGraphicFramePr>
+        <p:xfrm>
+          <a:off x="585470" y="2630170"/>
+          <a:ext cx="9871075" cy="1791335"/>
+        </p:xfrm>
+        <a:graphic>
+          <a:graphicData uri="http://schemas.openxmlformats.org/drawingml/2006/table">
+            <a:tbl>
+              <a:tblPr firstRow="1" bandRow="1">
+                <a:tableStyleId>{5C22544A-7EE6-4342-B048-85BDC9FD1C3A}</a:tableStyleId>
+              </a:tblPr>
+              <a:tblGrid>
+                <a:gridCol w="2456180"/>
+                <a:gridCol w="1762125"/>
+                <a:gridCol w="1884680"/>
+                <a:gridCol w="1883410"/>
+                <a:gridCol w="1884680"/>
+              </a:tblGrid>
+              <a:tr h="824865">
+                <a:tc>
+                  <a:txBody>
+                    <a:bodyPr/>
+                    <a:p>
+                      <a:pPr>
+                        <a:buNone/>
+                      </a:pPr>
+                      <a:r>
+                        <a:rPr lang="en-US" altLang="zh-CN"/>
+                        <a:t>Model</a:t>
+                      </a:r>
+                      <a:endParaRPr lang="en-US" altLang="zh-CN"/>
+                    </a:p>
+                  </a:txBody>
+                  <a:tcPr/>
+                </a:tc>
+                <a:tc>
+                  <a:txBody>
+                    <a:bodyPr/>
+                    <a:p>
+                      <a:pPr>
+                        <a:buNone/>
+                      </a:pPr>
+                      <a:r>
+                        <a:rPr lang="en-US" altLang="zh-CN"/>
+                        <a:t>Running Time</a:t>
+                      </a:r>
+                      <a:endParaRPr lang="en-US" altLang="zh-CN"/>
+                    </a:p>
+                  </a:txBody>
+                  <a:tcPr/>
+                </a:tc>
+                <a:tc>
+                  <a:txBody>
+                    <a:bodyPr/>
+                    <a:p>
+                      <a:pPr>
+                        <a:buNone/>
+                      </a:pPr>
+                      <a:r>
+                        <a:rPr lang="en-US" altLang="zh-CN"/>
+                        <a:t>Accuracy</a:t>
+                      </a:r>
+                      <a:endParaRPr lang="en-US" altLang="zh-CN"/>
+                    </a:p>
+                  </a:txBody>
+                  <a:tcPr/>
+                </a:tc>
+                <a:tc>
+                  <a:txBody>
+                    <a:bodyPr/>
+                    <a:p>
+                      <a:pPr>
+                        <a:buNone/>
+                      </a:pPr>
+                      <a:r>
+                        <a:rPr lang="en-US" altLang="zh-CN"/>
+                        <a:t>Precision</a:t>
+                      </a:r>
+                      <a:endParaRPr lang="en-US" altLang="zh-CN"/>
+                    </a:p>
+                  </a:txBody>
+                  <a:tcPr/>
+                </a:tc>
+                <a:tc>
+                  <a:txBody>
+                    <a:bodyPr/>
+                    <a:p>
+                      <a:pPr>
+                        <a:buNone/>
+                      </a:pPr>
+                      <a:r>
+                        <a:rPr lang="en-US" altLang="zh-CN"/>
+                        <a:t>Recall</a:t>
+                      </a:r>
+                      <a:endParaRPr lang="en-US" altLang="zh-CN"/>
+                    </a:p>
+                  </a:txBody>
+                  <a:tcPr/>
+                </a:tc>
+              </a:tr>
+              <a:tr h="475615">
+                <a:tc>
+                  <a:txBody>
+                    <a:bodyPr/>
+                    <a:p>
+                      <a:pPr>
+                        <a:buNone/>
+                      </a:pPr>
+                      <a:r>
+                        <a:rPr lang="en-US" altLang="zh-CN"/>
+                        <a:t>LazyFCA</a:t>
+                      </a:r>
+                      <a:endParaRPr lang="en-US" altLang="zh-CN"/>
+                    </a:p>
+                  </a:txBody>
+                  <a:tcPr/>
+                </a:tc>
+                <a:tc>
+                  <a:txBody>
+                    <a:bodyPr/>
+                    <a:p>
+                      <a:pPr>
+                        <a:buNone/>
+                      </a:pPr>
+                      <a:r>
+                        <a:rPr lang="en-US" altLang="zh-CN"/>
+                        <a:t>20s</a:t>
+                      </a:r>
+                      <a:endParaRPr lang="en-US" altLang="zh-CN"/>
+                    </a:p>
+                  </a:txBody>
+                  <a:tcPr/>
+                </a:tc>
+                <a:tc>
+                  <a:txBody>
+                    <a:bodyPr/>
+                    <a:p>
+                      <a:pPr>
+                        <a:buNone/>
+                      </a:pPr>
+                      <a:r>
+                        <a:rPr lang="en-US" altLang="zh-CN"/>
+                        <a:t>75.71</a:t>
+                      </a:r>
+                      <a:endParaRPr lang="en-US" altLang="zh-CN"/>
+                    </a:p>
+                  </a:txBody>
+                  <a:tcPr/>
+                </a:tc>
+                <a:tc>
+                  <a:txBody>
+                    <a:bodyPr/>
+                    <a:p>
+                      <a:pPr>
+                        <a:buNone/>
+                      </a:pPr>
+                      <a:r>
+                        <a:rPr lang="en-US" altLang="zh-CN"/>
+                        <a:t>0.81</a:t>
+                      </a:r>
+                      <a:endParaRPr lang="en-US" altLang="zh-CN"/>
+                    </a:p>
+                  </a:txBody>
+                  <a:tcPr/>
+                </a:tc>
+                <a:tc>
+                  <a:txBody>
+                    <a:bodyPr/>
+                    <a:p>
+                      <a:pPr>
+                        <a:buNone/>
+                      </a:pPr>
+                      <a:r>
+                        <a:rPr lang="en-US" altLang="zh-CN"/>
+                        <a:t>0.49</a:t>
+                      </a:r>
+                      <a:endParaRPr lang="en-US" altLang="zh-CN"/>
+                    </a:p>
+                  </a:txBody>
+                  <a:tcPr/>
+                </a:tc>
+              </a:tr>
+              <a:tr h="490855">
+                <a:tc>
+                  <a:txBody>
+                    <a:bodyPr/>
+                    <a:p>
+                      <a:pPr>
+                        <a:buNone/>
+                      </a:pPr>
+                      <a:r>
+                        <a:rPr lang="en-US" altLang="zh-CN"/>
+                        <a:t>LazyFCA with Numpy</a:t>
+                      </a:r>
+                      <a:endParaRPr lang="en-US" altLang="zh-CN"/>
+                    </a:p>
+                  </a:txBody>
+                  <a:tcPr/>
+                </a:tc>
+                <a:tc>
+                  <a:txBody>
+                    <a:bodyPr/>
+                    <a:p>
+                      <a:pPr>
+                        <a:buNone/>
+                      </a:pPr>
+                      <a:r>
+                        <a:rPr lang="en-US" altLang="zh-CN"/>
+                        <a:t>11.3s</a:t>
+                      </a:r>
+                      <a:endParaRPr lang="en-US" altLang="zh-CN"/>
+                    </a:p>
+                  </a:txBody>
+                  <a:tcPr/>
+                </a:tc>
+                <a:tc>
+                  <a:txBody>
+                    <a:bodyPr/>
+                    <a:p>
+                      <a:pPr>
+                        <a:buNone/>
+                      </a:pPr>
+                      <a:r>
+                        <a:rPr lang="en-US" altLang="zh-CN"/>
+                        <a:t>75.64</a:t>
+                      </a:r>
+                      <a:endParaRPr lang="en-US" altLang="zh-CN"/>
+                    </a:p>
+                  </a:txBody>
+                  <a:tcPr/>
+                </a:tc>
+                <a:tc>
+                  <a:txBody>
+                    <a:bodyPr/>
+                    <a:p>
+                      <a:pPr>
+                        <a:buNone/>
+                      </a:pPr>
+                      <a:r>
+                        <a:rPr lang="en-US" altLang="zh-CN"/>
+                        <a:t>0.81</a:t>
+                      </a:r>
+                      <a:endParaRPr lang="en-US" altLang="zh-CN"/>
+                    </a:p>
+                  </a:txBody>
+                  <a:tcPr/>
+                </a:tc>
+                <a:tc>
+                  <a:txBody>
+                    <a:bodyPr/>
+                    <a:p>
+                      <a:pPr>
+                        <a:buNone/>
+                      </a:pPr>
+                      <a:r>
+                        <a:rPr lang="en-US" altLang="zh-CN"/>
+                        <a:t>0.49</a:t>
+                      </a:r>
+                      <a:endParaRPr lang="en-US" altLang="zh-CN"/>
+                    </a:p>
+                  </a:txBody>
+                  <a:tcPr/>
+                </a:tc>
+              </a:tr>
+            </a:tbl>
+          </a:graphicData>
+        </a:graphic>
+      </p:graphicFrame>
+    </p:spTree>
+  </p:cSld>
+  <p:clrMapOvr>
+    <a:masterClrMapping/>
+  </p:clrMapOvr>
+</p:sld>
+</file>
+
+<file path=ppt/slides/slide14.xml><?xml version="1.0" encoding="utf-8"?>
+<p:sld xmlns:a="http://schemas.openxmlformats.org/drawingml/2006/main" xmlns:r="http://schemas.openxmlformats.org/officeDocument/2006/relationships" xmlns:p="http://schemas.openxmlformats.org/presentationml/2006/main">
+  <p:cSld>
+    <p:spTree>
+      <p:nvGrpSpPr>
+        <p:cNvPr id="1" name=""/>
+        <p:cNvGrpSpPr/>
+        <p:nvPr/>
+      </p:nvGrpSpPr>
+      <p:grpSpPr>
+        <a:xfrm>
+          <a:off x="0" y="0"/>
+          <a:ext cx="0" cy="0"/>
+          <a:chOff x="0" y="0"/>
+          <a:chExt cx="0" cy="0"/>
+        </a:xfrm>
+      </p:grpSpPr>
+      <p:sp>
+        <p:nvSpPr>
+          <p:cNvPr id="2" name="Заголовок 1"/>
+          <p:cNvSpPr>
+            <a:spLocks noGrp="1"/>
+          </p:cNvSpPr>
+          <p:nvPr>
+            <p:ph type="title"/>
+          </p:nvPr>
+        </p:nvSpPr>
+        <p:spPr>
+          <a:xfrm>
+            <a:off x="586105" y="1447800"/>
+            <a:ext cx="7743190" cy="777240"/>
+          </a:xfrm>
+        </p:spPr>
+        <p:txBody>
+          <a:bodyPr>
+            <a:normAutofit/>
+          </a:bodyPr>
+          <a:lstStyle/>
+          <a:p>
+            <a:r>
+              <a:rPr lang="en-US" altLang="ru-RU"/>
+              <a:t>Results from LazyFCA</a:t>
+            </a:r>
+            <a:endParaRPr lang="en-US" altLang="ru-RU"/>
+          </a:p>
+        </p:txBody>
+      </p:sp>
+      <p:sp>
+        <p:nvSpPr>
+          <p:cNvPr id="6" name="Текст 5"/>
+          <p:cNvSpPr>
+            <a:spLocks noGrp="1"/>
+          </p:cNvSpPr>
+          <p:nvPr>
+            <p:ph type="body" sz="quarter" idx="13"/>
+          </p:nvPr>
+        </p:nvSpPr>
+        <p:spPr/>
+        <p:txBody>
+          <a:bodyPr/>
+          <a:lstStyle/>
+          <a:p>
+            <a:r>
+              <a:rPr lang="en-US" altLang="ru-RU"/>
+              <a:t>Results</a:t>
+            </a:r>
+            <a:endParaRPr lang="en-US" altLang="ru-RU"/>
+          </a:p>
+        </p:txBody>
+      </p:sp>
+      <p:sp>
+        <p:nvSpPr>
+          <p:cNvPr id="7" name="Текст 6"/>
+          <p:cNvSpPr>
+            <a:spLocks noGrp="1"/>
+          </p:cNvSpPr>
+          <p:nvPr>
+            <p:ph type="body" sz="quarter" idx="14"/>
+          </p:nvPr>
+        </p:nvSpPr>
+        <p:spPr/>
+        <p:txBody>
+          <a:bodyPr/>
+          <a:lstStyle/>
+          <a:p>
+            <a:endParaRPr lang="ru-RU"/>
+          </a:p>
+        </p:txBody>
+      </p:sp>
+      <p:sp>
+        <p:nvSpPr>
+          <p:cNvPr id="8" name="Текст 7"/>
+          <p:cNvSpPr>
+            <a:spLocks noGrp="1"/>
+          </p:cNvSpPr>
+          <p:nvPr>
+            <p:ph type="body" sz="quarter" idx="15"/>
+          </p:nvPr>
+        </p:nvSpPr>
+        <p:spPr/>
+        <p:txBody>
+          <a:bodyPr/>
+          <a:lstStyle/>
+          <a:p>
+            <a:endParaRPr lang="ru-RU"/>
+          </a:p>
+        </p:txBody>
+      </p:sp>
+      <p:sp>
+        <p:nvSpPr>
+          <p:cNvPr id="5" name="文本占位符 4"/>
+          <p:cNvSpPr/>
+          <p:nvPr>
+            <p:ph type="body" sz="quarter" idx="16"/>
+          </p:nvPr>
+        </p:nvSpPr>
+        <p:spPr/>
+        <p:txBody>
+          <a:bodyPr/>
+          <a:p>
+            <a:endParaRPr lang="zh-CN" altLang="en-US"/>
+          </a:p>
+        </p:txBody>
+      </p:sp>
+      <p:sp>
+        <p:nvSpPr>
+          <p:cNvPr id="9" name="Текст 2"/>
+          <p:cNvSpPr>
+            <a:spLocks noGrp="1"/>
+          </p:cNvSpPr>
+          <p:nvPr/>
+        </p:nvSpPr>
+        <p:spPr>
+          <a:xfrm>
+            <a:off x="585470" y="2102485"/>
+            <a:ext cx="3152140" cy="2577465"/>
+          </a:xfrm>
+          <a:prstGeom prst="rect">
+            <a:avLst/>
+          </a:prstGeom>
+        </p:spPr>
+        <p:txBody>
+          <a:bodyPr lIns="0" tIns="0" rIns="0" bIns="0">
+            <a:normAutofit lnSpcReduction="10000"/>
+          </a:bodyPr>
+          <a:lstStyle>
+            <a:lvl1pPr marL="0" marR="0" indent="0" algn="l" defTabSz="914400" rtl="0" eaLnBrk="1" fontAlgn="auto" latinLnBrk="0" hangingPunct="1">
+              <a:lnSpc>
+                <a:spcPct val="100000"/>
+              </a:lnSpc>
+              <a:spcBef>
+                <a:spcPts val="600"/>
+              </a:spcBef>
+              <a:spcAft>
+                <a:spcPts val="0"/>
+              </a:spcAft>
+              <a:buClrTx/>
+              <a:buSzTx/>
+              <a:buFontTx/>
+              <a:buNone/>
+              <a:defRPr sz="1300" b="0" i="0" kern="1200">
+                <a:solidFill>
+                  <a:srgbClr val="0E2D69"/>
+                </a:solidFill>
+                <a:latin typeface="HSE Sans" panose="02000000000000000000" pitchFamily="2" charset="0"/>
+                <a:ea typeface="+mn-ea"/>
+                <a:cs typeface="+mn-cs"/>
+              </a:defRPr>
+            </a:lvl1pPr>
+            <a:lvl2pPr marL="685800" indent="-228600" algn="l" defTabSz="914400" rtl="0" eaLnBrk="1" latinLnBrk="0" hangingPunct="1">
+              <a:lnSpc>
+                <a:spcPct val="90000"/>
+              </a:lnSpc>
+              <a:spcBef>
+                <a:spcPts val="500"/>
+              </a:spcBef>
+              <a:buFont typeface="Arial" panose="020B0604020202090204" pitchFamily="34" charset="0"/>
+              <a:buChar char="•"/>
+              <a:defRPr sz="1300" b="0" i="0" kern="1200">
+                <a:solidFill>
+                  <a:srgbClr val="0E2D69"/>
+                </a:solidFill>
+                <a:latin typeface="HSE Sans" panose="02000000000000000000" pitchFamily="2" charset="0"/>
+                <a:ea typeface="+mn-ea"/>
+                <a:cs typeface="+mn-cs"/>
+              </a:defRPr>
+            </a:lvl2pPr>
+            <a:lvl3pPr marL="1143000" indent="-228600" algn="l" defTabSz="914400" rtl="0" eaLnBrk="1" latinLnBrk="0" hangingPunct="1">
+              <a:lnSpc>
+                <a:spcPct val="90000"/>
+              </a:lnSpc>
+              <a:spcBef>
+                <a:spcPts val="500"/>
+              </a:spcBef>
+              <a:buFont typeface="Arial" panose="020B0604020202090204" pitchFamily="34" charset="0"/>
+              <a:buChar char="•"/>
+              <a:defRPr sz="1300" b="0" i="0" kern="1200">
+                <a:solidFill>
+                  <a:srgbClr val="0E2D69"/>
+                </a:solidFill>
+                <a:latin typeface="HSE Sans" panose="02000000000000000000" pitchFamily="2" charset="0"/>
+                <a:ea typeface="+mn-ea"/>
+                <a:cs typeface="+mn-cs"/>
+              </a:defRPr>
+            </a:lvl3pPr>
+            <a:lvl4pPr marL="1600200" indent="-228600" algn="l" defTabSz="914400" rtl="0" eaLnBrk="1" latinLnBrk="0" hangingPunct="1">
+              <a:lnSpc>
+                <a:spcPct val="90000"/>
+              </a:lnSpc>
+              <a:spcBef>
+                <a:spcPts val="500"/>
+              </a:spcBef>
+              <a:buFont typeface="Arial" panose="020B0604020202090204" pitchFamily="34" charset="0"/>
+              <a:buChar char="•"/>
+              <a:defRPr sz="1300" b="0" i="0" kern="1200">
+                <a:solidFill>
+                  <a:srgbClr val="0E2D69"/>
+                </a:solidFill>
+                <a:latin typeface="HSE Sans" panose="02000000000000000000" pitchFamily="2" charset="0"/>
+                <a:ea typeface="+mn-ea"/>
+                <a:cs typeface="+mn-cs"/>
+              </a:defRPr>
+            </a:lvl4pPr>
+            <a:lvl5pPr marL="2057400" indent="-228600" algn="l" defTabSz="914400" rtl="0" eaLnBrk="1" latinLnBrk="0" hangingPunct="1">
+              <a:lnSpc>
+                <a:spcPct val="90000"/>
+              </a:lnSpc>
+              <a:spcBef>
+                <a:spcPts val="500"/>
+              </a:spcBef>
+              <a:buFont typeface="Arial" panose="020B0604020202090204" pitchFamily="34" charset="0"/>
+              <a:buChar char="•"/>
+              <a:defRPr sz="1300" b="0" i="0" kern="1200">
+                <a:solidFill>
+                  <a:srgbClr val="0E2D69"/>
+                </a:solidFill>
+                <a:latin typeface="HSE Sans" panose="02000000000000000000" pitchFamily="2" charset="0"/>
+                <a:ea typeface="+mn-ea"/>
+                <a:cs typeface="+mn-cs"/>
+              </a:defRPr>
+            </a:lvl5pPr>
+            <a:lvl6pPr marL="2514600" indent="-228600" algn="l" defTabSz="914400" rtl="0" eaLnBrk="1" latinLnBrk="0" hangingPunct="1">
+              <a:lnSpc>
+                <a:spcPct val="90000"/>
+              </a:lnSpc>
+              <a:spcBef>
+                <a:spcPts val="500"/>
+              </a:spcBef>
+              <a:buFont typeface="Arial" panose="020B0604020202090204" pitchFamily="34" charset="0"/>
+              <a:buChar char="•"/>
+              <a:defRPr sz="1800" kern="1200">
+                <a:solidFill>
+                  <a:schemeClr val="tx1"/>
+                </a:solidFill>
+                <a:latin typeface="+mn-lt"/>
+                <a:ea typeface="+mn-ea"/>
+                <a:cs typeface="+mn-cs"/>
+              </a:defRPr>
+            </a:lvl6pPr>
+            <a:lvl7pPr marL="2971800" indent="-228600" algn="l" defTabSz="914400" rtl="0" eaLnBrk="1" latinLnBrk="0" hangingPunct="1">
+              <a:lnSpc>
+                <a:spcPct val="90000"/>
+              </a:lnSpc>
+              <a:spcBef>
+                <a:spcPts val="500"/>
+              </a:spcBef>
+              <a:buFont typeface="Arial" panose="020B0604020202090204" pitchFamily="34" charset="0"/>
+              <a:buChar char="•"/>
+              <a:defRPr sz="1800" kern="1200">
+                <a:solidFill>
+                  <a:schemeClr val="tx1"/>
+                </a:solidFill>
+                <a:latin typeface="+mn-lt"/>
+                <a:ea typeface="+mn-ea"/>
+                <a:cs typeface="+mn-cs"/>
+              </a:defRPr>
+            </a:lvl7pPr>
+            <a:lvl8pPr marL="3429000" indent="-228600" algn="l" defTabSz="914400" rtl="0" eaLnBrk="1" latinLnBrk="0" hangingPunct="1">
+              <a:lnSpc>
+                <a:spcPct val="90000"/>
+              </a:lnSpc>
+              <a:spcBef>
+                <a:spcPts val="500"/>
+              </a:spcBef>
+              <a:buFont typeface="Arial" panose="020B0604020202090204" pitchFamily="34" charset="0"/>
+              <a:buChar char="•"/>
+              <a:defRPr sz="1800" kern="1200">
+                <a:solidFill>
+                  <a:schemeClr val="tx1"/>
+                </a:solidFill>
+                <a:latin typeface="+mn-lt"/>
+                <a:ea typeface="+mn-ea"/>
+                <a:cs typeface="+mn-cs"/>
+              </a:defRPr>
+            </a:lvl8pPr>
+            <a:lvl9pPr marL="3886200" indent="-228600" algn="l" defTabSz="914400" rtl="0" eaLnBrk="1" latinLnBrk="0" hangingPunct="1">
+              <a:lnSpc>
+                <a:spcPct val="90000"/>
+              </a:lnSpc>
+              <a:spcBef>
+                <a:spcPts val="500"/>
+              </a:spcBef>
+              <a:buFont typeface="Arial" panose="020B0604020202090204" pitchFamily="34" charset="0"/>
+              <a:buChar char="•"/>
+              <a:defRPr sz="1800" kern="1200">
+                <a:solidFill>
+                  <a:schemeClr val="tx1"/>
+                </a:solidFill>
+                <a:latin typeface="+mn-lt"/>
+                <a:ea typeface="+mn-ea"/>
+                <a:cs typeface="+mn-cs"/>
+              </a:defRPr>
+            </a:lvl9pPr>
+          </a:lstStyle>
+          <a:p>
+            <a:endParaRPr lang="en-US" altLang="ru-RU"/>
+          </a:p>
+          <a:p>
+            <a:endParaRPr lang="en-US" altLang="ru-RU"/>
+          </a:p>
+        </p:txBody>
+      </p:sp>
+      <p:pic>
+        <p:nvPicPr>
+          <p:cNvPr id="10" name="图片 9" descr="截屏2022-12-15 上午1.16.26"/>
+          <p:cNvPicPr>
+            <a:picLocks noChangeAspect="1"/>
+          </p:cNvPicPr>
+          <p:nvPr/>
+        </p:nvPicPr>
+        <p:blipFill>
+          <a:blip r:embed="rId1"/>
+          <a:srcRect r="932"/>
+          <a:stretch>
+            <a:fillRect/>
+          </a:stretch>
+        </p:blipFill>
+        <p:spPr>
+          <a:xfrm>
+            <a:off x="402590" y="2062480"/>
+            <a:ext cx="5802630" cy="2658110"/>
+          </a:xfrm>
+          <a:prstGeom prst="rect">
+            <a:avLst/>
+          </a:prstGeom>
+        </p:spPr>
+      </p:pic>
+      <p:pic>
+        <p:nvPicPr>
+          <p:cNvPr id="11" name="图片 10" descr="截屏2022-12-15 上午1.16.55"/>
+          <p:cNvPicPr>
+            <a:picLocks noChangeAspect="1"/>
+          </p:cNvPicPr>
+          <p:nvPr/>
+        </p:nvPicPr>
+        <p:blipFill>
+          <a:blip r:embed="rId2"/>
+          <a:stretch>
+            <a:fillRect/>
+          </a:stretch>
+        </p:blipFill>
+        <p:spPr>
+          <a:xfrm>
+            <a:off x="6259830" y="2143125"/>
+            <a:ext cx="2893060" cy="2577465"/>
+          </a:xfrm>
+          <a:prstGeom prst="rect">
+            <a:avLst/>
+          </a:prstGeom>
+        </p:spPr>
+      </p:pic>
+      <p:pic>
+        <p:nvPicPr>
+          <p:cNvPr id="12" name="图片 11" descr="截屏2022-12-15 上午1.17.16"/>
+          <p:cNvPicPr>
+            <a:picLocks noChangeAspect="1"/>
+          </p:cNvPicPr>
+          <p:nvPr/>
+        </p:nvPicPr>
+        <p:blipFill>
+          <a:blip r:embed="rId3"/>
+          <a:stretch>
+            <a:fillRect/>
+          </a:stretch>
+        </p:blipFill>
+        <p:spPr>
+          <a:xfrm>
+            <a:off x="9163050" y="2103120"/>
+            <a:ext cx="2812415" cy="2576830"/>
+          </a:xfrm>
+          <a:prstGeom prst="rect">
+            <a:avLst/>
+          </a:prstGeom>
+        </p:spPr>
+      </p:pic>
+    </p:spTree>
+  </p:cSld>
+  <p:clrMapOvr>
+    <a:masterClrMapping/>
+  </p:clrMapOvr>
+</p:sld>
+</file>
+
+<file path=ppt/slides/slide15.xml><?xml version="1.0" encoding="utf-8"?>
 <p:sld xmlns:a="http://schemas.openxmlformats.org/drawingml/2006/main" xmlns:r="http://schemas.openxmlformats.org/officeDocument/2006/relationships" xmlns:p="http://schemas.openxmlformats.org/presentationml/2006/main">
   <p:cSld>
     <p:spTree>
@@ -28102,6 +27323,12 @@
           <a:bodyPr/>
           <a:lstStyle/>
           <a:p>
+            <a:r>
+              <a:rPr lang="en-US" altLang="ru-RU">
+                <a:sym typeface="+mn-ea"/>
+              </a:rPr>
+              <a:t>Results</a:t>
+            </a:r>
             <a:endParaRPr lang="ru-RU"/>
           </a:p>
         </p:txBody>
@@ -28155,8 +27382,8 @@
           </p:nvPr>
         </p:nvGraphicFramePr>
         <p:xfrm>
-          <a:off x="1143000" y="1637665"/>
-          <a:ext cx="8851900" cy="4263390"/>
+          <a:off x="586105" y="2225040"/>
+          <a:ext cx="9576435" cy="3771900"/>
         </p:xfrm>
         <a:graphic>
           <a:graphicData uri="http://schemas.openxmlformats.org/drawingml/2006/table">
@@ -28165,7 +27392,7 @@
                 <a:tableStyleId>{5C22544A-7EE6-4342-B048-85BDC9FD1C3A}</a:tableStyleId>
               </a:tblPr>
               <a:tblGrid>
-                <a:gridCol w="2212975"/>
+                <a:gridCol w="2937510"/>
                 <a:gridCol w="2212975"/>
                 <a:gridCol w="2212975"/>
                 <a:gridCol w="2212975"/>
@@ -28278,7 +27505,7 @@
                       </a:pPr>
                       <a:r>
                         <a:rPr lang="en-US" altLang="zh-CN"/>
-                        <a:t>0.35</a:t>
+                        <a:t>0.82</a:t>
                       </a:r>
                       <a:endParaRPr lang="en-US" altLang="zh-CN"/>
                     </a:p>
@@ -28294,7 +27521,7 @@
                       </a:pPr>
                       <a:r>
                         <a:rPr lang="en-US" altLang="zh-CN"/>
-                        <a:t>0.20</a:t>
+                        <a:t>0.49</a:t>
                       </a:r>
                       <a:endParaRPr lang="en-US" altLang="zh-CN"/>
                     </a:p>
@@ -28378,7 +27605,7 @@
                       </a:pPr>
                       <a:r>
                         <a:rPr lang="zh-CN" altLang="en-US"/>
-                        <a:t>Support Vector Machines</a:t>
+                        <a:t>Support Vector Machine</a:t>
                       </a:r>
                       <a:endParaRPr lang="zh-CN" altLang="en-US"/>
                     </a:p>
@@ -28634,60 +27861,2885 @@
                   <a:tcPr/>
                 </a:tc>
               </a:tr>
-              <a:tr h="491490">
-                <a:tc>
-                  <a:txBody>
-                    <a:bodyPr/>
-                    <a:p>
-                      <a:pPr>
-                        <a:buNone/>
-                      </a:pPr>
-                      <a:endParaRPr lang="zh-CN" altLang="en-US"/>
-                    </a:p>
-                  </a:txBody>
-                  <a:tcPr/>
-                </a:tc>
-                <a:tc>
-                  <a:txBody>
-                    <a:bodyPr/>
-                    <a:p>
-                      <a:pPr>
-                        <a:buNone/>
-                      </a:pPr>
-                      <a:endParaRPr lang="zh-CN" altLang="en-US"/>
-                    </a:p>
-                  </a:txBody>
-                  <a:tcPr/>
-                </a:tc>
-                <a:tc>
-                  <a:txBody>
-                    <a:bodyPr/>
-                    <a:p>
-                      <a:pPr>
-                        <a:buNone/>
-                      </a:pPr>
-                      <a:endParaRPr lang="zh-CN" altLang="en-US"/>
-                    </a:p>
-                  </a:txBody>
-                  <a:tcPr/>
-                </a:tc>
-                <a:tc>
-                  <a:txBody>
-                    <a:bodyPr/>
-                    <a:p>
-                      <a:pPr>
-                        <a:buNone/>
-                      </a:pPr>
-                      <a:endParaRPr lang="zh-CN" altLang="en-US"/>
-                    </a:p>
-                  </a:txBody>
-                  <a:tcPr/>
-                </a:tc>
-              </a:tr>
             </a:tbl>
           </a:graphicData>
         </a:graphic>
       </p:graphicFrame>
+      <p:sp>
+        <p:nvSpPr>
+          <p:cNvPr id="6" name="Заголовок 1"/>
+          <p:cNvSpPr>
+            <a:spLocks noGrp="1"/>
+          </p:cNvSpPr>
+          <p:nvPr/>
+        </p:nvSpPr>
+        <p:spPr>
+          <a:xfrm>
+            <a:off x="586105" y="1447800"/>
+            <a:ext cx="7743190" cy="777240"/>
+          </a:xfrm>
+          <a:prstGeom prst="rect">
+            <a:avLst/>
+          </a:prstGeom>
+        </p:spPr>
+        <p:txBody>
+          <a:bodyPr lIns="0" tIns="0" rIns="0" bIns="0" anchor="t">
+            <a:normAutofit/>
+          </a:bodyPr>
+          <a:lstStyle>
+            <a:lvl1pPr algn="l" defTabSz="914400" rtl="0" eaLnBrk="1" latinLnBrk="0" hangingPunct="1">
+              <a:lnSpc>
+                <a:spcPct val="100000"/>
+              </a:lnSpc>
+              <a:spcBef>
+                <a:spcPct val="0"/>
+              </a:spcBef>
+              <a:buNone/>
+              <a:defRPr sz="2400" b="0" i="0" kern="1200">
+                <a:solidFill>
+                  <a:schemeClr val="tx1"/>
+                </a:solidFill>
+                <a:latin typeface="HSE Sans" panose="02000000000000000000" pitchFamily="2" charset="0"/>
+                <a:ea typeface="+mj-ea"/>
+                <a:cs typeface="+mj-cs"/>
+              </a:defRPr>
+            </a:lvl1pPr>
+          </a:lstStyle>
+          <a:p>
+            <a:r>
+              <a:rPr lang="en-US" altLang="ru-RU"/>
+              <a:t>Comparison</a:t>
+            </a:r>
+            <a:endParaRPr lang="en-US" altLang="ru-RU"/>
+          </a:p>
+        </p:txBody>
+      </p:sp>
+    </p:spTree>
+  </p:cSld>
+  <p:clrMapOvr>
+    <a:masterClrMapping/>
+  </p:clrMapOvr>
+</p:sld>
+</file>
+
+<file path=ppt/slides/slide16.xml><?xml version="1.0" encoding="utf-8"?>
+<p:sld xmlns:a="http://schemas.openxmlformats.org/drawingml/2006/main" xmlns:r="http://schemas.openxmlformats.org/officeDocument/2006/relationships" xmlns:p="http://schemas.openxmlformats.org/presentationml/2006/main">
+  <p:cSld>
+    <p:spTree>
+      <p:nvGrpSpPr>
+        <p:cNvPr id="1" name=""/>
+        <p:cNvGrpSpPr/>
+        <p:nvPr/>
+      </p:nvGrpSpPr>
+      <p:grpSpPr>
+        <a:xfrm>
+          <a:off x="0" y="0"/>
+          <a:ext cx="0" cy="0"/>
+          <a:chOff x="0" y="0"/>
+          <a:chExt cx="0" cy="0"/>
+        </a:xfrm>
+      </p:grpSpPr>
+      <p:sp>
+        <p:nvSpPr>
+          <p:cNvPr id="2" name="Заголовок 1"/>
+          <p:cNvSpPr>
+            <a:spLocks noGrp="1"/>
+          </p:cNvSpPr>
+          <p:nvPr>
+            <p:ph type="title"/>
+          </p:nvPr>
+        </p:nvSpPr>
+        <p:spPr>
+          <a:xfrm>
+            <a:off x="586105" y="1447800"/>
+            <a:ext cx="7743190" cy="777240"/>
+          </a:xfrm>
+        </p:spPr>
+        <p:txBody>
+          <a:bodyPr>
+            <a:normAutofit/>
+          </a:bodyPr>
+          <a:lstStyle/>
+          <a:p>
+            <a:r>
+              <a:rPr lang="en-US" altLang="ru-RU"/>
+              <a:t>Conclusion</a:t>
+            </a:r>
+            <a:endParaRPr lang="en-US" altLang="ru-RU"/>
+          </a:p>
+        </p:txBody>
+      </p:sp>
+      <p:sp>
+        <p:nvSpPr>
+          <p:cNvPr id="6" name="Текст 5"/>
+          <p:cNvSpPr>
+            <a:spLocks noGrp="1"/>
+          </p:cNvSpPr>
+          <p:nvPr>
+            <p:ph type="body" sz="quarter" idx="13"/>
+          </p:nvPr>
+        </p:nvSpPr>
+        <p:spPr/>
+        <p:txBody>
+          <a:bodyPr/>
+          <a:lstStyle/>
+          <a:p>
+            <a:r>
+              <a:rPr lang="en-US" altLang="ru-RU"/>
+              <a:t>Conclusion</a:t>
+            </a:r>
+            <a:endParaRPr lang="en-US" altLang="ru-RU"/>
+          </a:p>
+        </p:txBody>
+      </p:sp>
+      <p:sp>
+        <p:nvSpPr>
+          <p:cNvPr id="7" name="Текст 6"/>
+          <p:cNvSpPr>
+            <a:spLocks noGrp="1"/>
+          </p:cNvSpPr>
+          <p:nvPr>
+            <p:ph type="body" sz="quarter" idx="14"/>
+          </p:nvPr>
+        </p:nvSpPr>
+        <p:spPr/>
+        <p:txBody>
+          <a:bodyPr/>
+          <a:lstStyle/>
+          <a:p>
+            <a:endParaRPr lang="ru-RU"/>
+          </a:p>
+        </p:txBody>
+      </p:sp>
+      <p:sp>
+        <p:nvSpPr>
+          <p:cNvPr id="8" name="Текст 7"/>
+          <p:cNvSpPr>
+            <a:spLocks noGrp="1"/>
+          </p:cNvSpPr>
+          <p:nvPr>
+            <p:ph type="body" sz="quarter" idx="15"/>
+          </p:nvPr>
+        </p:nvSpPr>
+        <p:spPr/>
+        <p:txBody>
+          <a:bodyPr/>
+          <a:lstStyle/>
+          <a:p>
+            <a:endParaRPr lang="ru-RU"/>
+          </a:p>
+        </p:txBody>
+      </p:sp>
+      <p:sp>
+        <p:nvSpPr>
+          <p:cNvPr id="5" name="文本占位符 4"/>
+          <p:cNvSpPr/>
+          <p:nvPr>
+            <p:ph type="body" sz="quarter" idx="16"/>
+          </p:nvPr>
+        </p:nvSpPr>
+        <p:spPr>
+          <a:xfrm>
+            <a:off x="585897" y="5183249"/>
+            <a:ext cx="3934345" cy="553998"/>
+          </a:xfrm>
+        </p:spPr>
+        <p:txBody>
+          <a:bodyPr/>
+          <a:p>
+            <a:endParaRPr lang="zh-CN" altLang="en-US"/>
+          </a:p>
+        </p:txBody>
+      </p:sp>
+      <p:sp>
+        <p:nvSpPr>
+          <p:cNvPr id="9" name="Текст 2"/>
+          <p:cNvSpPr>
+            <a:spLocks noGrp="1"/>
+          </p:cNvSpPr>
+          <p:nvPr/>
+        </p:nvSpPr>
+        <p:spPr>
+          <a:xfrm>
+            <a:off x="585470" y="2102485"/>
+            <a:ext cx="3152140" cy="2577465"/>
+          </a:xfrm>
+          <a:prstGeom prst="rect">
+            <a:avLst/>
+          </a:prstGeom>
+        </p:spPr>
+        <p:txBody>
+          <a:bodyPr lIns="0" tIns="0" rIns="0" bIns="0">
+            <a:normAutofit lnSpcReduction="10000"/>
+          </a:bodyPr>
+          <a:lstStyle>
+            <a:lvl1pPr marL="0" marR="0" indent="0" algn="l" defTabSz="914400" rtl="0" eaLnBrk="1" fontAlgn="auto" latinLnBrk="0" hangingPunct="1">
+              <a:lnSpc>
+                <a:spcPct val="100000"/>
+              </a:lnSpc>
+              <a:spcBef>
+                <a:spcPts val="600"/>
+              </a:spcBef>
+              <a:spcAft>
+                <a:spcPts val="0"/>
+              </a:spcAft>
+              <a:buClrTx/>
+              <a:buSzTx/>
+              <a:buFontTx/>
+              <a:buNone/>
+              <a:defRPr sz="1300" b="0" i="0" kern="1200">
+                <a:solidFill>
+                  <a:srgbClr val="0E2D69"/>
+                </a:solidFill>
+                <a:latin typeface="HSE Sans" panose="02000000000000000000" pitchFamily="2" charset="0"/>
+                <a:ea typeface="+mn-ea"/>
+                <a:cs typeface="+mn-cs"/>
+              </a:defRPr>
+            </a:lvl1pPr>
+            <a:lvl2pPr marL="685800" indent="-228600" algn="l" defTabSz="914400" rtl="0" eaLnBrk="1" latinLnBrk="0" hangingPunct="1">
+              <a:lnSpc>
+                <a:spcPct val="90000"/>
+              </a:lnSpc>
+              <a:spcBef>
+                <a:spcPts val="500"/>
+              </a:spcBef>
+              <a:buFont typeface="Arial" panose="020B0604020202090204" pitchFamily="34" charset="0"/>
+              <a:buChar char="•"/>
+              <a:defRPr sz="1300" b="0" i="0" kern="1200">
+                <a:solidFill>
+                  <a:srgbClr val="0E2D69"/>
+                </a:solidFill>
+                <a:latin typeface="HSE Sans" panose="02000000000000000000" pitchFamily="2" charset="0"/>
+                <a:ea typeface="+mn-ea"/>
+                <a:cs typeface="+mn-cs"/>
+              </a:defRPr>
+            </a:lvl2pPr>
+            <a:lvl3pPr marL="1143000" indent="-228600" algn="l" defTabSz="914400" rtl="0" eaLnBrk="1" latinLnBrk="0" hangingPunct="1">
+              <a:lnSpc>
+                <a:spcPct val="90000"/>
+              </a:lnSpc>
+              <a:spcBef>
+                <a:spcPts val="500"/>
+              </a:spcBef>
+              <a:buFont typeface="Arial" panose="020B0604020202090204" pitchFamily="34" charset="0"/>
+              <a:buChar char="•"/>
+              <a:defRPr sz="1300" b="0" i="0" kern="1200">
+                <a:solidFill>
+                  <a:srgbClr val="0E2D69"/>
+                </a:solidFill>
+                <a:latin typeface="HSE Sans" panose="02000000000000000000" pitchFamily="2" charset="0"/>
+                <a:ea typeface="+mn-ea"/>
+                <a:cs typeface="+mn-cs"/>
+              </a:defRPr>
+            </a:lvl3pPr>
+            <a:lvl4pPr marL="1600200" indent="-228600" algn="l" defTabSz="914400" rtl="0" eaLnBrk="1" latinLnBrk="0" hangingPunct="1">
+              <a:lnSpc>
+                <a:spcPct val="90000"/>
+              </a:lnSpc>
+              <a:spcBef>
+                <a:spcPts val="500"/>
+              </a:spcBef>
+              <a:buFont typeface="Arial" panose="020B0604020202090204" pitchFamily="34" charset="0"/>
+              <a:buChar char="•"/>
+              <a:defRPr sz="1300" b="0" i="0" kern="1200">
+                <a:solidFill>
+                  <a:srgbClr val="0E2D69"/>
+                </a:solidFill>
+                <a:latin typeface="HSE Sans" panose="02000000000000000000" pitchFamily="2" charset="0"/>
+                <a:ea typeface="+mn-ea"/>
+                <a:cs typeface="+mn-cs"/>
+              </a:defRPr>
+            </a:lvl4pPr>
+            <a:lvl5pPr marL="2057400" indent="-228600" algn="l" defTabSz="914400" rtl="0" eaLnBrk="1" latinLnBrk="0" hangingPunct="1">
+              <a:lnSpc>
+                <a:spcPct val="90000"/>
+              </a:lnSpc>
+              <a:spcBef>
+                <a:spcPts val="500"/>
+              </a:spcBef>
+              <a:buFont typeface="Arial" panose="020B0604020202090204" pitchFamily="34" charset="0"/>
+              <a:buChar char="•"/>
+              <a:defRPr sz="1300" b="0" i="0" kern="1200">
+                <a:solidFill>
+                  <a:srgbClr val="0E2D69"/>
+                </a:solidFill>
+                <a:latin typeface="HSE Sans" panose="02000000000000000000" pitchFamily="2" charset="0"/>
+                <a:ea typeface="+mn-ea"/>
+                <a:cs typeface="+mn-cs"/>
+              </a:defRPr>
+            </a:lvl5pPr>
+            <a:lvl6pPr marL="2514600" indent="-228600" algn="l" defTabSz="914400" rtl="0" eaLnBrk="1" latinLnBrk="0" hangingPunct="1">
+              <a:lnSpc>
+                <a:spcPct val="90000"/>
+              </a:lnSpc>
+              <a:spcBef>
+                <a:spcPts val="500"/>
+              </a:spcBef>
+              <a:buFont typeface="Arial" panose="020B0604020202090204" pitchFamily="34" charset="0"/>
+              <a:buChar char="•"/>
+              <a:defRPr sz="1800" kern="1200">
+                <a:solidFill>
+                  <a:schemeClr val="tx1"/>
+                </a:solidFill>
+                <a:latin typeface="+mn-lt"/>
+                <a:ea typeface="+mn-ea"/>
+                <a:cs typeface="+mn-cs"/>
+              </a:defRPr>
+            </a:lvl6pPr>
+            <a:lvl7pPr marL="2971800" indent="-228600" algn="l" defTabSz="914400" rtl="0" eaLnBrk="1" latinLnBrk="0" hangingPunct="1">
+              <a:lnSpc>
+                <a:spcPct val="90000"/>
+              </a:lnSpc>
+              <a:spcBef>
+                <a:spcPts val="500"/>
+              </a:spcBef>
+              <a:buFont typeface="Arial" panose="020B0604020202090204" pitchFamily="34" charset="0"/>
+              <a:buChar char="•"/>
+              <a:defRPr sz="1800" kern="1200">
+                <a:solidFill>
+                  <a:schemeClr val="tx1"/>
+                </a:solidFill>
+                <a:latin typeface="+mn-lt"/>
+                <a:ea typeface="+mn-ea"/>
+                <a:cs typeface="+mn-cs"/>
+              </a:defRPr>
+            </a:lvl7pPr>
+            <a:lvl8pPr marL="3429000" indent="-228600" algn="l" defTabSz="914400" rtl="0" eaLnBrk="1" latinLnBrk="0" hangingPunct="1">
+              <a:lnSpc>
+                <a:spcPct val="90000"/>
+              </a:lnSpc>
+              <a:spcBef>
+                <a:spcPts val="500"/>
+              </a:spcBef>
+              <a:buFont typeface="Arial" panose="020B0604020202090204" pitchFamily="34" charset="0"/>
+              <a:buChar char="•"/>
+              <a:defRPr sz="1800" kern="1200">
+                <a:solidFill>
+                  <a:schemeClr val="tx1"/>
+                </a:solidFill>
+                <a:latin typeface="+mn-lt"/>
+                <a:ea typeface="+mn-ea"/>
+                <a:cs typeface="+mn-cs"/>
+              </a:defRPr>
+            </a:lvl8pPr>
+            <a:lvl9pPr marL="3886200" indent="-228600" algn="l" defTabSz="914400" rtl="0" eaLnBrk="1" latinLnBrk="0" hangingPunct="1">
+              <a:lnSpc>
+                <a:spcPct val="90000"/>
+              </a:lnSpc>
+              <a:spcBef>
+                <a:spcPts val="500"/>
+              </a:spcBef>
+              <a:buFont typeface="Arial" panose="020B0604020202090204" pitchFamily="34" charset="0"/>
+              <a:buChar char="•"/>
+              <a:defRPr sz="1800" kern="1200">
+                <a:solidFill>
+                  <a:schemeClr val="tx1"/>
+                </a:solidFill>
+                <a:latin typeface="+mn-lt"/>
+                <a:ea typeface="+mn-ea"/>
+                <a:cs typeface="+mn-cs"/>
+              </a:defRPr>
+            </a:lvl9pPr>
+          </a:lstStyle>
+          <a:p>
+            <a:endParaRPr lang="en-US" altLang="ru-RU"/>
+          </a:p>
+          <a:p>
+            <a:endParaRPr lang="en-US" altLang="ru-RU"/>
+          </a:p>
+        </p:txBody>
+      </p:sp>
+      <p:sp>
+        <p:nvSpPr>
+          <p:cNvPr id="11" name="Текст 2"/>
+          <p:cNvSpPr>
+            <a:spLocks noGrp="1"/>
+          </p:cNvSpPr>
+          <p:nvPr/>
+        </p:nvSpPr>
+        <p:spPr>
+          <a:xfrm>
+            <a:off x="586105" y="2379980"/>
+            <a:ext cx="9829800" cy="2399030"/>
+          </a:xfrm>
+          <a:prstGeom prst="rect">
+            <a:avLst/>
+          </a:prstGeom>
+        </p:spPr>
+        <p:txBody>
+          <a:bodyPr lIns="0" tIns="0" rIns="0">
+            <a:normAutofit lnSpcReduction="10000"/>
+          </a:bodyPr>
+          <a:lstStyle>
+            <a:lvl1pPr marL="0" marR="0" indent="0" algn="l" defTabSz="914400" rtl="0" eaLnBrk="1" fontAlgn="auto" latinLnBrk="0" hangingPunct="1">
+              <a:lnSpc>
+                <a:spcPct val="100000"/>
+              </a:lnSpc>
+              <a:spcBef>
+                <a:spcPts val="1000"/>
+              </a:spcBef>
+              <a:spcAft>
+                <a:spcPts val="0"/>
+              </a:spcAft>
+              <a:buClrTx/>
+              <a:buSzTx/>
+              <a:buFont typeface="Arial" panose="020B0604020202090204" pitchFamily="34" charset="0"/>
+              <a:buNone/>
+              <a:defRPr sz="1300" b="0" i="0" kern="1200">
+                <a:solidFill>
+                  <a:srgbClr val="0E2D69"/>
+                </a:solidFill>
+                <a:latin typeface="HSE Sans" panose="02000000000000000000" pitchFamily="2" charset="0"/>
+                <a:ea typeface="+mn-ea"/>
+                <a:cs typeface="+mn-cs"/>
+              </a:defRPr>
+            </a:lvl1pPr>
+            <a:lvl2pPr marL="457200" indent="0" algn="l" defTabSz="914400" rtl="0" eaLnBrk="1" latinLnBrk="0" hangingPunct="1">
+              <a:lnSpc>
+                <a:spcPct val="100000"/>
+              </a:lnSpc>
+              <a:spcBef>
+                <a:spcPts val="1000"/>
+              </a:spcBef>
+              <a:buFont typeface="Arial" panose="020B0604020202090204" pitchFamily="34" charset="0"/>
+              <a:buNone/>
+              <a:defRPr sz="1300" b="0" i="0" kern="1200">
+                <a:solidFill>
+                  <a:srgbClr val="0E2D69"/>
+                </a:solidFill>
+                <a:latin typeface="HSE Sans" panose="02000000000000000000" pitchFamily="2" charset="0"/>
+                <a:ea typeface="+mn-ea"/>
+                <a:cs typeface="+mn-cs"/>
+              </a:defRPr>
+            </a:lvl2pPr>
+            <a:lvl3pPr marL="914400" indent="0" algn="l" defTabSz="914400" rtl="0" eaLnBrk="1" latinLnBrk="0" hangingPunct="1">
+              <a:lnSpc>
+                <a:spcPct val="100000"/>
+              </a:lnSpc>
+              <a:spcBef>
+                <a:spcPts val="1000"/>
+              </a:spcBef>
+              <a:buFont typeface="Arial" panose="020B0604020202090204" pitchFamily="34" charset="0"/>
+              <a:buNone/>
+              <a:defRPr sz="1300" b="0" i="0" kern="1200">
+                <a:solidFill>
+                  <a:srgbClr val="0E2D69"/>
+                </a:solidFill>
+                <a:latin typeface="HSE Sans" panose="02000000000000000000" pitchFamily="2" charset="0"/>
+                <a:ea typeface="+mn-ea"/>
+                <a:cs typeface="+mn-cs"/>
+              </a:defRPr>
+            </a:lvl3pPr>
+            <a:lvl4pPr marL="1371600" indent="0" algn="l" defTabSz="914400" rtl="0" eaLnBrk="1" latinLnBrk="0" hangingPunct="1">
+              <a:lnSpc>
+                <a:spcPct val="100000"/>
+              </a:lnSpc>
+              <a:spcBef>
+                <a:spcPts val="1000"/>
+              </a:spcBef>
+              <a:buFont typeface="Arial" panose="020B0604020202090204" pitchFamily="34" charset="0"/>
+              <a:buNone/>
+              <a:defRPr sz="1300" b="0" i="0" kern="1200">
+                <a:solidFill>
+                  <a:srgbClr val="0E2D69"/>
+                </a:solidFill>
+                <a:latin typeface="HSE Sans" panose="02000000000000000000" pitchFamily="2" charset="0"/>
+                <a:ea typeface="+mn-ea"/>
+                <a:cs typeface="+mn-cs"/>
+              </a:defRPr>
+            </a:lvl4pPr>
+            <a:lvl5pPr marL="1828800" indent="0" algn="l" defTabSz="914400" rtl="0" eaLnBrk="1" latinLnBrk="0" hangingPunct="1">
+              <a:lnSpc>
+                <a:spcPct val="100000"/>
+              </a:lnSpc>
+              <a:spcBef>
+                <a:spcPts val="1000"/>
+              </a:spcBef>
+              <a:buFont typeface="Arial" panose="020B0604020202090204" pitchFamily="34" charset="0"/>
+              <a:buNone/>
+              <a:defRPr sz="1300" b="0" i="0" kern="1200">
+                <a:solidFill>
+                  <a:srgbClr val="0E2D69"/>
+                </a:solidFill>
+                <a:latin typeface="HSE Sans" panose="02000000000000000000" pitchFamily="2" charset="0"/>
+                <a:ea typeface="+mn-ea"/>
+                <a:cs typeface="+mn-cs"/>
+              </a:defRPr>
+            </a:lvl5pPr>
+            <a:lvl6pPr marL="2514600" indent="-228600" algn="l" defTabSz="914400" rtl="0" eaLnBrk="1" latinLnBrk="0" hangingPunct="1">
+              <a:lnSpc>
+                <a:spcPct val="90000"/>
+              </a:lnSpc>
+              <a:spcBef>
+                <a:spcPts val="500"/>
+              </a:spcBef>
+              <a:buFont typeface="Arial" panose="020B0604020202090204" pitchFamily="34" charset="0"/>
+              <a:buChar char="•"/>
+              <a:defRPr sz="1800" kern="1200">
+                <a:solidFill>
+                  <a:schemeClr val="tx1"/>
+                </a:solidFill>
+                <a:latin typeface="+mn-lt"/>
+                <a:ea typeface="+mn-ea"/>
+                <a:cs typeface="+mn-cs"/>
+              </a:defRPr>
+            </a:lvl6pPr>
+            <a:lvl7pPr marL="2971800" indent="-228600" algn="l" defTabSz="914400" rtl="0" eaLnBrk="1" latinLnBrk="0" hangingPunct="1">
+              <a:lnSpc>
+                <a:spcPct val="90000"/>
+              </a:lnSpc>
+              <a:spcBef>
+                <a:spcPts val="500"/>
+              </a:spcBef>
+              <a:buFont typeface="Arial" panose="020B0604020202090204" pitchFamily="34" charset="0"/>
+              <a:buChar char="•"/>
+              <a:defRPr sz="1800" kern="1200">
+                <a:solidFill>
+                  <a:schemeClr val="tx1"/>
+                </a:solidFill>
+                <a:latin typeface="+mn-lt"/>
+                <a:ea typeface="+mn-ea"/>
+                <a:cs typeface="+mn-cs"/>
+              </a:defRPr>
+            </a:lvl7pPr>
+            <a:lvl8pPr marL="3429000" indent="-228600" algn="l" defTabSz="914400" rtl="0" eaLnBrk="1" latinLnBrk="0" hangingPunct="1">
+              <a:lnSpc>
+                <a:spcPct val="90000"/>
+              </a:lnSpc>
+              <a:spcBef>
+                <a:spcPts val="500"/>
+              </a:spcBef>
+              <a:buFont typeface="Arial" panose="020B0604020202090204" pitchFamily="34" charset="0"/>
+              <a:buChar char="•"/>
+              <a:defRPr sz="1800" kern="1200">
+                <a:solidFill>
+                  <a:schemeClr val="tx1"/>
+                </a:solidFill>
+                <a:latin typeface="+mn-lt"/>
+                <a:ea typeface="+mn-ea"/>
+                <a:cs typeface="+mn-cs"/>
+              </a:defRPr>
+            </a:lvl8pPr>
+            <a:lvl9pPr marL="3886200" indent="-228600" algn="l" defTabSz="914400" rtl="0" eaLnBrk="1" latinLnBrk="0" hangingPunct="1">
+              <a:lnSpc>
+                <a:spcPct val="90000"/>
+              </a:lnSpc>
+              <a:spcBef>
+                <a:spcPts val="500"/>
+              </a:spcBef>
+              <a:buFont typeface="Arial" panose="020B0604020202090204" pitchFamily="34" charset="0"/>
+              <a:buChar char="•"/>
+              <a:defRPr sz="1800" kern="1200">
+                <a:solidFill>
+                  <a:schemeClr val="tx1"/>
+                </a:solidFill>
+                <a:latin typeface="+mn-lt"/>
+                <a:ea typeface="+mn-ea"/>
+                <a:cs typeface="+mn-cs"/>
+              </a:defRPr>
+            </a:lvl9pPr>
+          </a:lstStyle>
+          <a:p>
+            <a:r>
+              <a:rPr lang="en-US" altLang="ru-RU"/>
+              <a:t>It is easy to see from the above that the rewritten code clearly outperforms the original algorithm in terms of running speed. However, since the core logic has not changed, there is hardly any difference in prediction accuracy.</a:t>
+            </a:r>
+            <a:endParaRPr lang="en-US" altLang="ru-RU"/>
+          </a:p>
+          <a:p>
+            <a:r>
+              <a:rPr lang="en-US" altLang="ru-RU"/>
+              <a:t>In comparison with the existing mainstream algorithms, lazyfca does not have a clear advantage and is far below the mainstream algorithms in terms of recall.</a:t>
+            </a:r>
+            <a:endParaRPr lang="en-US" altLang="ru-RU"/>
+          </a:p>
+          <a:p>
+            <a:r>
+              <a:rPr lang="en-US" altLang="ru-RU"/>
+              <a:t>Decision trees clearly outperform other algorithms in predicting the dataset used in this task, while the simplest KNN also performs similarly to decision trees</a:t>
+            </a:r>
+            <a:endParaRPr lang="en-US" altLang="ru-RU"/>
+          </a:p>
+        </p:txBody>
+      </p:sp>
+    </p:spTree>
+  </p:cSld>
+  <p:clrMapOvr>
+    <a:masterClrMapping/>
+  </p:clrMapOvr>
+</p:sld>
+</file>
+
+<file path=ppt/slides/slide17.xml><?xml version="1.0" encoding="utf-8"?>
+<p:sld xmlns:a="http://schemas.openxmlformats.org/drawingml/2006/main" xmlns:r="http://schemas.openxmlformats.org/officeDocument/2006/relationships" xmlns:p="http://schemas.openxmlformats.org/presentationml/2006/main">
+  <p:cSld>
+    <p:spTree>
+      <p:nvGrpSpPr>
+        <p:cNvPr id="1" name=""/>
+        <p:cNvGrpSpPr/>
+        <p:nvPr/>
+      </p:nvGrpSpPr>
+      <p:grpSpPr>
+        <a:xfrm>
+          <a:off x="0" y="0"/>
+          <a:ext cx="0" cy="0"/>
+          <a:chOff x="0" y="0"/>
+          <a:chExt cx="0" cy="0"/>
+        </a:xfrm>
+      </p:grpSpPr>
+      <p:sp>
+        <p:nvSpPr>
+          <p:cNvPr id="2" name="Заголовок 1"/>
+          <p:cNvSpPr>
+            <a:spLocks noGrp="1"/>
+          </p:cNvSpPr>
+          <p:nvPr/>
+        </p:nvSpPr>
+        <p:spPr>
+          <a:xfrm>
+            <a:off x="4462780" y="2743835"/>
+            <a:ext cx="3266440" cy="917575"/>
+          </a:xfrm>
+          <a:prstGeom prst="rect">
+            <a:avLst/>
+          </a:prstGeom>
+        </p:spPr>
+        <p:txBody>
+          <a:bodyPr lIns="0" tIns="0" rIns="0" bIns="0" anchor="t">
+            <a:noAutofit/>
+          </a:bodyPr>
+          <a:lstStyle>
+            <a:lvl1pPr algn="l" defTabSz="914400" rtl="0" eaLnBrk="1" latinLnBrk="0" hangingPunct="1">
+              <a:lnSpc>
+                <a:spcPct val="100000"/>
+              </a:lnSpc>
+              <a:spcBef>
+                <a:spcPct val="0"/>
+              </a:spcBef>
+              <a:buNone/>
+              <a:defRPr sz="2400" b="0" i="0" kern="1200">
+                <a:solidFill>
+                  <a:schemeClr val="tx1"/>
+                </a:solidFill>
+                <a:latin typeface="HSE Sans" panose="02000000000000000000" pitchFamily="2" charset="0"/>
+                <a:ea typeface="+mj-ea"/>
+                <a:cs typeface="+mj-cs"/>
+              </a:defRPr>
+            </a:lvl1pPr>
+          </a:lstStyle>
+          <a:p>
+            <a:r>
+              <a:rPr lang="en-US" altLang="ru-RU" sz="4000"/>
+              <a:t>Thank you!</a:t>
+            </a:r>
+            <a:endParaRPr lang="en-US" altLang="ru-RU" sz="4000"/>
+          </a:p>
+        </p:txBody>
+      </p:sp>
+    </p:spTree>
+  </p:cSld>
+  <p:clrMapOvr>
+    <a:masterClrMapping/>
+  </p:clrMapOvr>
+</p:sld>
+</file>
+
+<file path=ppt/slides/slide2.xml><?xml version="1.0" encoding="utf-8"?>
+<p:sld xmlns:a="http://schemas.openxmlformats.org/drawingml/2006/main" xmlns:r="http://schemas.openxmlformats.org/officeDocument/2006/relationships" xmlns:p="http://schemas.openxmlformats.org/presentationml/2006/main">
+  <p:cSld>
+    <p:spTree>
+      <p:nvGrpSpPr>
+        <p:cNvPr id="1" name=""/>
+        <p:cNvGrpSpPr/>
+        <p:nvPr/>
+      </p:nvGrpSpPr>
+      <p:grpSpPr>
+        <a:xfrm>
+          <a:off x="0" y="0"/>
+          <a:ext cx="0" cy="0"/>
+          <a:chOff x="0" y="0"/>
+          <a:chExt cx="0" cy="0"/>
+        </a:xfrm>
+      </p:grpSpPr>
+      <p:sp>
+        <p:nvSpPr>
+          <p:cNvPr id="3" name="Заголовок 2"/>
+          <p:cNvSpPr>
+            <a:spLocks noGrp="1"/>
+          </p:cNvSpPr>
+          <p:nvPr>
+            <p:ph type="title"/>
+          </p:nvPr>
+        </p:nvSpPr>
+        <p:spPr/>
+        <p:txBody>
+          <a:bodyPr/>
+          <a:lstStyle/>
+          <a:p>
+            <a:r>
+              <a:rPr lang="ru-RU">
+                <a:sym typeface="+mn-ea"/>
+              </a:rPr>
+              <a:t>Background</a:t>
+            </a:r>
+            <a:endParaRPr lang="ru-RU"/>
+          </a:p>
+        </p:txBody>
+      </p:sp>
+      <p:sp>
+        <p:nvSpPr>
+          <p:cNvPr id="4" name="Текст 3"/>
+          <p:cNvSpPr>
+            <a:spLocks noGrp="1"/>
+          </p:cNvSpPr>
+          <p:nvPr>
+            <p:ph type="body" sz="quarter" idx="12"/>
+          </p:nvPr>
+        </p:nvSpPr>
+        <p:spPr/>
+        <p:txBody>
+          <a:bodyPr/>
+          <a:lstStyle/>
+          <a:p>
+            <a:endParaRPr lang="ru-RU"/>
+          </a:p>
+          <a:p>
+            <a:r>
+              <a:rPr lang="ru-RU"/>
+              <a:t>Titanic: An Olympic-class liner of the British White Star Line, construction began on 31 March 1909 at the Harland &amp; Wolff shipyard in Belfast Harbour, Ireland, was launched on 31 May 1911 and completed for sea trials on 2 April 1912.</a:t>
+            </a:r>
+            <a:endParaRPr lang="ru-RU"/>
+          </a:p>
+          <a:p>
+            <a:r>
+              <a:rPr lang="ru-RU"/>
+              <a:t>First voyage: 10 April 1912</a:t>
+            </a:r>
+            <a:endParaRPr lang="ru-RU"/>
+          </a:p>
+          <a:p>
+            <a:r>
+              <a:rPr lang="ru-RU"/>
+              <a:t>Route: From Southampton, England, via Cherbourg-Octeville, France, and Queenstown, Ireland, to New York, USA.</a:t>
+            </a:r>
+            <a:endParaRPr lang="ru-RU"/>
+          </a:p>
+          <a:p>
+            <a:r>
+              <a:rPr lang="ru-RU"/>
+              <a:t>Shipwreck: 15 April 1912 (hit an iceberg at around 2340 hours on 14 April 1912)</a:t>
+            </a:r>
+            <a:endParaRPr lang="ru-RU"/>
+          </a:p>
+          <a:p>
+            <a:r>
+              <a:rPr lang="ru-RU"/>
+              <a:t>Number of crew + passengers: 2224</a:t>
+            </a:r>
+            <a:endParaRPr lang="ru-RU"/>
+          </a:p>
+          <a:p>
+            <a:r>
+              <a:rPr lang="ru-RU"/>
+              <a:t>Number of people killed: 1502 (67.5%)</a:t>
+            </a:r>
+            <a:endParaRPr lang="ru-RU"/>
+          </a:p>
+        </p:txBody>
+      </p:sp>
+      <p:sp>
+        <p:nvSpPr>
+          <p:cNvPr id="5" name="Текст 4"/>
+          <p:cNvSpPr>
+            <a:spLocks noGrp="1"/>
+          </p:cNvSpPr>
+          <p:nvPr>
+            <p:ph type="body" sz="quarter" idx="13"/>
+          </p:nvPr>
+        </p:nvSpPr>
+        <p:spPr/>
+        <p:txBody>
+          <a:bodyPr/>
+          <a:lstStyle/>
+          <a:p>
+            <a:r>
+              <a:rPr lang="en-US" altLang="ru-RU"/>
+              <a:t>Overview</a:t>
+            </a:r>
+            <a:endParaRPr lang="en-US" altLang="ru-RU"/>
+          </a:p>
+        </p:txBody>
+      </p:sp>
+      <p:sp>
+        <p:nvSpPr>
+          <p:cNvPr id="6" name="Текст 5"/>
+          <p:cNvSpPr>
+            <a:spLocks noGrp="1"/>
+          </p:cNvSpPr>
+          <p:nvPr>
+            <p:ph type="body" sz="quarter" idx="14"/>
+          </p:nvPr>
+        </p:nvSpPr>
+        <p:spPr/>
+        <p:txBody>
+          <a:bodyPr/>
+          <a:lstStyle/>
+          <a:p>
+            <a:endParaRPr lang="ru-RU"/>
+          </a:p>
+        </p:txBody>
+      </p:sp>
+      <p:sp>
+        <p:nvSpPr>
+          <p:cNvPr id="7" name="Текст 6"/>
+          <p:cNvSpPr>
+            <a:spLocks noGrp="1"/>
+          </p:cNvSpPr>
+          <p:nvPr>
+            <p:ph type="body" sz="quarter" idx="15"/>
+          </p:nvPr>
+        </p:nvSpPr>
+        <p:spPr/>
+        <p:txBody>
+          <a:bodyPr/>
+          <a:lstStyle/>
+          <a:p>
+            <a:endParaRPr lang="ru-RU"/>
+          </a:p>
+        </p:txBody>
+      </p:sp>
+      <p:pic>
+        <p:nvPicPr>
+          <p:cNvPr id="8" name="图片 7" descr="截屏2022-12-13 上午5.01.15"/>
+          <p:cNvPicPr>
+            <a:picLocks noChangeAspect="1"/>
+          </p:cNvPicPr>
+          <p:nvPr/>
+        </p:nvPicPr>
+        <p:blipFill>
+          <a:blip r:embed="rId1"/>
+          <a:stretch>
+            <a:fillRect/>
+          </a:stretch>
+        </p:blipFill>
+        <p:spPr>
+          <a:xfrm>
+            <a:off x="6259830" y="1974215"/>
+            <a:ext cx="5184775" cy="2910205"/>
+          </a:xfrm>
+          <a:prstGeom prst="rect">
+            <a:avLst/>
+          </a:prstGeom>
+        </p:spPr>
+      </p:pic>
+    </p:spTree>
+  </p:cSld>
+  <p:clrMapOvr>
+    <a:masterClrMapping/>
+  </p:clrMapOvr>
+</p:sld>
+</file>
+
+<file path=ppt/slides/slide3.xml><?xml version="1.0" encoding="utf-8"?>
+<p:sld xmlns:a="http://schemas.openxmlformats.org/drawingml/2006/main" xmlns:r="http://schemas.openxmlformats.org/officeDocument/2006/relationships" xmlns:p="http://schemas.openxmlformats.org/presentationml/2006/main">
+  <p:cSld>
+    <p:spTree>
+      <p:nvGrpSpPr>
+        <p:cNvPr id="1" name=""/>
+        <p:cNvGrpSpPr/>
+        <p:nvPr/>
+      </p:nvGrpSpPr>
+      <p:grpSpPr>
+        <a:xfrm>
+          <a:off x="0" y="0"/>
+          <a:ext cx="0" cy="0"/>
+          <a:chOff x="0" y="0"/>
+          <a:chExt cx="0" cy="0"/>
+        </a:xfrm>
+      </p:grpSpPr>
+      <p:sp>
+        <p:nvSpPr>
+          <p:cNvPr id="14" name="Заголовок 13"/>
+          <p:cNvSpPr>
+            <a:spLocks noGrp="1"/>
+          </p:cNvSpPr>
+          <p:nvPr>
+            <p:ph type="title"/>
+          </p:nvPr>
+        </p:nvSpPr>
+        <p:spPr/>
+        <p:txBody>
+          <a:bodyPr/>
+          <a:lstStyle/>
+          <a:p>
+            <a:r>
+              <a:rPr lang="en-US" altLang="ru-RU"/>
+              <a:t>Dataset overview</a:t>
+            </a:r>
+            <a:endParaRPr lang="en-US" altLang="ru-RU"/>
+          </a:p>
+        </p:txBody>
+      </p:sp>
+      <p:sp>
+        <p:nvSpPr>
+          <p:cNvPr id="16" name="Текст 15"/>
+          <p:cNvSpPr>
+            <a:spLocks noGrp="1"/>
+          </p:cNvSpPr>
+          <p:nvPr>
+            <p:ph type="body" sz="quarter" idx="12"/>
+          </p:nvPr>
+        </p:nvSpPr>
+        <p:spPr>
+          <a:xfrm>
+            <a:off x="586105" y="1977390"/>
+            <a:ext cx="3347720" cy="4213225"/>
+          </a:xfrm>
+        </p:spPr>
+        <p:txBody>
+          <a:bodyPr>
+            <a:normAutofit/>
+          </a:bodyPr>
+          <a:lstStyle/>
+          <a:p>
+            <a:r>
+              <a:rPr lang="en-US" altLang="ru-RU"/>
+              <a:t>Passenger ID</a:t>
+            </a:r>
+            <a:endParaRPr lang="en-US" altLang="ru-RU"/>
+          </a:p>
+          <a:p>
+            <a:r>
+              <a:rPr lang="en-US" altLang="ru-RU"/>
+              <a:t>Survived: </a:t>
+            </a:r>
+            <a:endParaRPr lang="en-US" altLang="ru-RU"/>
+          </a:p>
+          <a:p>
+            <a:r>
+              <a:rPr lang="en-US" altLang="ru-RU"/>
+              <a:t>Survived(1)-38% Dead(2)-62%</a:t>
+            </a:r>
+            <a:endParaRPr lang="en-US" altLang="ru-RU"/>
+          </a:p>
+          <a:p>
+            <a:r>
+              <a:rPr lang="en-US" altLang="ru-RU"/>
+              <a:t>Pclass: </a:t>
+            </a:r>
+            <a:endParaRPr lang="en-US" altLang="ru-RU"/>
+          </a:p>
+          <a:p>
+            <a:r>
+              <a:rPr lang="en-US" altLang="ru-RU"/>
+              <a:t>1=advanced, 2=intermediate, 3=low</a:t>
+            </a:r>
+            <a:endParaRPr lang="en-US" altLang="ru-RU"/>
+          </a:p>
+          <a:p>
+            <a:r>
+              <a:rPr lang="en-US" altLang="ru-RU"/>
+              <a:t>Name</a:t>
+            </a:r>
+            <a:endParaRPr lang="en-US" altLang="ru-RU"/>
+          </a:p>
+          <a:p>
+            <a:r>
+              <a:rPr lang="en-US" altLang="ru-RU"/>
+              <a:t>Sex</a:t>
+            </a:r>
+            <a:endParaRPr lang="en-US" altLang="ru-RU"/>
+          </a:p>
+          <a:p>
+            <a:r>
+              <a:rPr lang="en-US" altLang="ru-RU"/>
+              <a:t>Age:missing 20% data</a:t>
+            </a:r>
+            <a:endParaRPr lang="en-US" altLang="ru-RU"/>
+          </a:p>
+          <a:p>
+            <a:r>
+              <a:rPr lang="en-US" altLang="ru-RU"/>
+              <a:t>Sibsp</a:t>
+            </a:r>
+            <a:endParaRPr lang="en-US" altLang="ru-RU"/>
+          </a:p>
+          <a:p>
+            <a:r>
+              <a:rPr lang="en-US" altLang="ru-RU"/>
+              <a:t>Ticket number</a:t>
+            </a:r>
+            <a:endParaRPr lang="en-US" altLang="ru-RU"/>
+          </a:p>
+          <a:p>
+            <a:r>
+              <a:rPr lang="en-US" altLang="ru-RU"/>
+              <a:t>Fare</a:t>
+            </a:r>
+            <a:endParaRPr lang="en-US" altLang="ru-RU"/>
+          </a:p>
+          <a:p>
+            <a:r>
+              <a:rPr lang="en-US" altLang="ru-RU"/>
+              <a:t>Cabin number</a:t>
+            </a:r>
+            <a:endParaRPr lang="en-US" altLang="ru-RU"/>
+          </a:p>
+          <a:p>
+            <a:r>
+              <a:rPr lang="en-US" altLang="ru-RU"/>
+              <a:t>Embarked Port of embarkation</a:t>
+            </a:r>
+            <a:endParaRPr lang="en-US" altLang="ru-RU"/>
+          </a:p>
+        </p:txBody>
+      </p:sp>
+      <p:sp>
+        <p:nvSpPr>
+          <p:cNvPr id="17" name="Текст 16"/>
+          <p:cNvSpPr>
+            <a:spLocks noGrp="1"/>
+          </p:cNvSpPr>
+          <p:nvPr>
+            <p:ph type="body" sz="quarter" idx="13"/>
+          </p:nvPr>
+        </p:nvSpPr>
+        <p:spPr/>
+        <p:txBody>
+          <a:bodyPr/>
+          <a:lstStyle/>
+          <a:p>
+            <a:r>
+              <a:rPr lang="en-US" altLang="ru-RU"/>
+              <a:t>Overview</a:t>
+            </a:r>
+            <a:endParaRPr lang="en-US" altLang="ru-RU"/>
+          </a:p>
+        </p:txBody>
+      </p:sp>
+      <p:sp>
+        <p:nvSpPr>
+          <p:cNvPr id="18" name="Текст 17"/>
+          <p:cNvSpPr>
+            <a:spLocks noGrp="1"/>
+          </p:cNvSpPr>
+          <p:nvPr>
+            <p:ph type="body" sz="quarter" idx="14"/>
+          </p:nvPr>
+        </p:nvSpPr>
+        <p:spPr/>
+        <p:txBody>
+          <a:bodyPr/>
+          <a:lstStyle/>
+          <a:p>
+            <a:endParaRPr lang="ru-RU"/>
+          </a:p>
+        </p:txBody>
+      </p:sp>
+      <p:sp>
+        <p:nvSpPr>
+          <p:cNvPr id="19" name="Текст 18"/>
+          <p:cNvSpPr>
+            <a:spLocks noGrp="1"/>
+          </p:cNvSpPr>
+          <p:nvPr>
+            <p:ph type="body" sz="quarter" idx="15"/>
+          </p:nvPr>
+        </p:nvSpPr>
+        <p:spPr/>
+        <p:txBody>
+          <a:bodyPr/>
+          <a:lstStyle/>
+          <a:p>
+            <a:endParaRPr lang="ru-RU"/>
+          </a:p>
+        </p:txBody>
+      </p:sp>
+      <p:pic>
+        <p:nvPicPr>
+          <p:cNvPr id="2" name="图片 1" descr="截屏2022-12-15 上午12.20.41"/>
+          <p:cNvPicPr>
+            <a:picLocks noChangeAspect="1"/>
+          </p:cNvPicPr>
+          <p:nvPr/>
+        </p:nvPicPr>
+        <p:blipFill>
+          <a:blip r:embed="rId1"/>
+          <a:stretch>
+            <a:fillRect/>
+          </a:stretch>
+        </p:blipFill>
+        <p:spPr>
+          <a:xfrm>
+            <a:off x="3302635" y="1502410"/>
+            <a:ext cx="8618855" cy="1687195"/>
+          </a:xfrm>
+          <a:prstGeom prst="rect">
+            <a:avLst/>
+          </a:prstGeom>
+        </p:spPr>
+      </p:pic>
+      <p:pic>
+        <p:nvPicPr>
+          <p:cNvPr id="3" name="图片 2" descr="截屏2022-12-15 上午12.22.27"/>
+          <p:cNvPicPr>
+            <a:picLocks noChangeAspect="1"/>
+          </p:cNvPicPr>
+          <p:nvPr/>
+        </p:nvPicPr>
+        <p:blipFill>
+          <a:blip r:embed="rId2"/>
+          <a:stretch>
+            <a:fillRect/>
+          </a:stretch>
+        </p:blipFill>
+        <p:spPr>
+          <a:xfrm>
+            <a:off x="3302635" y="3529965"/>
+            <a:ext cx="8618220" cy="2585720"/>
+          </a:xfrm>
+          <a:prstGeom prst="rect">
+            <a:avLst/>
+          </a:prstGeom>
+        </p:spPr>
+      </p:pic>
+    </p:spTree>
+  </p:cSld>
+  <p:clrMapOvr>
+    <a:masterClrMapping/>
+  </p:clrMapOvr>
+</p:sld>
+</file>
+
+<file path=ppt/slides/slide4.xml><?xml version="1.0" encoding="utf-8"?>
+<p:sld xmlns:a="http://schemas.openxmlformats.org/drawingml/2006/main" xmlns:r="http://schemas.openxmlformats.org/officeDocument/2006/relationships" xmlns:p="http://schemas.openxmlformats.org/presentationml/2006/main">
+  <p:cSld>
+    <p:spTree>
+      <p:nvGrpSpPr>
+        <p:cNvPr id="1" name=""/>
+        <p:cNvGrpSpPr/>
+        <p:nvPr/>
+      </p:nvGrpSpPr>
+      <p:grpSpPr>
+        <a:xfrm>
+          <a:off x="0" y="0"/>
+          <a:ext cx="0" cy="0"/>
+          <a:chOff x="0" y="0"/>
+          <a:chExt cx="0" cy="0"/>
+        </a:xfrm>
+      </p:grpSpPr>
+      <p:sp>
+        <p:nvSpPr>
+          <p:cNvPr id="3" name="Текст 2"/>
+          <p:cNvSpPr>
+            <a:spLocks noGrp="1"/>
+          </p:cNvSpPr>
+          <p:nvPr>
+            <p:ph type="body" sz="quarter" idx="18"/>
+          </p:nvPr>
+        </p:nvSpPr>
+        <p:spPr>
+          <a:xfrm>
+            <a:off x="585470" y="2102485"/>
+            <a:ext cx="6823710" cy="2577465"/>
+          </a:xfrm>
+        </p:spPr>
+        <p:txBody>
+          <a:bodyPr>
+            <a:normAutofit lnSpcReduction="10000"/>
+          </a:bodyPr>
+          <a:lstStyle/>
+          <a:p>
+            <a:r>
+              <a:rPr lang="en-US" altLang="ru-RU"/>
+              <a:t>Name -&gt; Title</a:t>
+            </a:r>
+            <a:endParaRPr lang="en-US" altLang="ru-RU"/>
+          </a:p>
+          <a:p>
+            <a:r>
+              <a:rPr lang="en-US" altLang="ru-RU"/>
+              <a:t>Cabin-&gt; Has or no</a:t>
+            </a:r>
+            <a:endParaRPr lang="en-US" altLang="ru-RU"/>
+          </a:p>
+          <a:p>
+            <a:r>
+              <a:rPr lang="en-US" altLang="ru-RU"/>
+              <a:t>Ticket -&gt; removal</a:t>
+            </a:r>
+            <a:endParaRPr lang="en-US" altLang="ru-RU"/>
+          </a:p>
+          <a:p>
+            <a:endParaRPr lang="en-US" altLang="ru-RU"/>
+          </a:p>
+          <a:p>
+            <a:endParaRPr lang="en-US" altLang="ru-RU"/>
+          </a:p>
+        </p:txBody>
+      </p:sp>
+      <p:sp>
+        <p:nvSpPr>
+          <p:cNvPr id="6" name="Текст 5"/>
+          <p:cNvSpPr>
+            <a:spLocks noGrp="1"/>
+          </p:cNvSpPr>
+          <p:nvPr>
+            <p:ph type="body" sz="quarter" idx="13"/>
+          </p:nvPr>
+        </p:nvSpPr>
+        <p:spPr/>
+        <p:txBody>
+          <a:bodyPr/>
+          <a:lstStyle/>
+          <a:p>
+            <a:r>
+              <a:rPr lang="en-US" altLang="ru-RU">
+                <a:sym typeface="+mn-ea"/>
+              </a:rPr>
+              <a:t>Feature Extraction</a:t>
+            </a:r>
+            <a:endParaRPr lang="en-US" altLang="ru-RU"/>
+          </a:p>
+          <a:p>
+            <a:endParaRPr lang="ru-RU"/>
+          </a:p>
+        </p:txBody>
+      </p:sp>
+      <p:sp>
+        <p:nvSpPr>
+          <p:cNvPr id="7" name="Текст 6"/>
+          <p:cNvSpPr>
+            <a:spLocks noGrp="1"/>
+          </p:cNvSpPr>
+          <p:nvPr>
+            <p:ph type="body" sz="quarter" idx="14"/>
+          </p:nvPr>
+        </p:nvSpPr>
+        <p:spPr/>
+        <p:txBody>
+          <a:bodyPr/>
+          <a:lstStyle/>
+          <a:p>
+            <a:endParaRPr lang="ru-RU"/>
+          </a:p>
+        </p:txBody>
+      </p:sp>
+      <p:sp>
+        <p:nvSpPr>
+          <p:cNvPr id="8" name="Текст 7"/>
+          <p:cNvSpPr>
+            <a:spLocks noGrp="1"/>
+          </p:cNvSpPr>
+          <p:nvPr>
+            <p:ph type="body" sz="quarter" idx="15"/>
+          </p:nvPr>
+        </p:nvSpPr>
+        <p:spPr/>
+        <p:txBody>
+          <a:bodyPr/>
+          <a:lstStyle/>
+          <a:p>
+            <a:endParaRPr lang="ru-RU"/>
+          </a:p>
+        </p:txBody>
+      </p:sp>
+      <p:pic>
+        <p:nvPicPr>
+          <p:cNvPr id="5" name="图片 4" descr="截屏2022-12-13 上午5.18.50"/>
+          <p:cNvPicPr>
+            <a:picLocks noChangeAspect="1"/>
+          </p:cNvPicPr>
+          <p:nvPr/>
+        </p:nvPicPr>
+        <p:blipFill>
+          <a:blip r:embed="rId1"/>
+          <a:stretch>
+            <a:fillRect/>
+          </a:stretch>
+        </p:blipFill>
+        <p:spPr>
+          <a:xfrm>
+            <a:off x="3308350" y="1240790"/>
+            <a:ext cx="1901825" cy="5273675"/>
+          </a:xfrm>
+          <a:prstGeom prst="rect">
+            <a:avLst/>
+          </a:prstGeom>
+        </p:spPr>
+      </p:pic>
+      <p:pic>
+        <p:nvPicPr>
+          <p:cNvPr id="9" name="图片 8" descr="截屏2022-12-13 上午5.19.08"/>
+          <p:cNvPicPr>
+            <a:picLocks noChangeAspect="1"/>
+          </p:cNvPicPr>
+          <p:nvPr/>
+        </p:nvPicPr>
+        <p:blipFill>
+          <a:blip r:embed="rId2"/>
+          <a:stretch>
+            <a:fillRect/>
+          </a:stretch>
+        </p:blipFill>
+        <p:spPr>
+          <a:xfrm>
+            <a:off x="6094730" y="1240790"/>
+            <a:ext cx="2400300" cy="2628900"/>
+          </a:xfrm>
+          <a:prstGeom prst="rect">
+            <a:avLst/>
+          </a:prstGeom>
+        </p:spPr>
+      </p:pic>
+      <p:pic>
+        <p:nvPicPr>
+          <p:cNvPr id="11" name="图片 10" descr="截屏2022-12-15 上午12.57.50"/>
+          <p:cNvPicPr>
+            <a:picLocks noChangeAspect="1"/>
+          </p:cNvPicPr>
+          <p:nvPr/>
+        </p:nvPicPr>
+        <p:blipFill>
+          <a:blip r:embed="rId3"/>
+          <a:srcRect r="4674"/>
+          <a:stretch>
+            <a:fillRect/>
+          </a:stretch>
+        </p:blipFill>
+        <p:spPr>
+          <a:xfrm>
+            <a:off x="9112250" y="1240790"/>
+            <a:ext cx="725170" cy="3194050"/>
+          </a:xfrm>
+          <a:prstGeom prst="rect">
+            <a:avLst/>
+          </a:prstGeom>
+        </p:spPr>
+      </p:pic>
+    </p:spTree>
+  </p:cSld>
+  <p:clrMapOvr>
+    <a:masterClrMapping/>
+  </p:clrMapOvr>
+</p:sld>
+</file>
+
+<file path=ppt/slides/slide5.xml><?xml version="1.0" encoding="utf-8"?>
+<p:sld xmlns:a="http://schemas.openxmlformats.org/drawingml/2006/main" xmlns:r="http://schemas.openxmlformats.org/officeDocument/2006/relationships" xmlns:p="http://schemas.openxmlformats.org/presentationml/2006/main">
+  <p:cSld>
+    <p:spTree>
+      <p:nvGrpSpPr>
+        <p:cNvPr id="1" name=""/>
+        <p:cNvGrpSpPr/>
+        <p:nvPr/>
+      </p:nvGrpSpPr>
+      <p:grpSpPr>
+        <a:xfrm>
+          <a:off x="0" y="0"/>
+          <a:ext cx="0" cy="0"/>
+          <a:chOff x="0" y="0"/>
+          <a:chExt cx="0" cy="0"/>
+        </a:xfrm>
+      </p:grpSpPr>
+      <p:sp>
+        <p:nvSpPr>
+          <p:cNvPr id="3" name="Текст 2"/>
+          <p:cNvSpPr>
+            <a:spLocks noGrp="1"/>
+          </p:cNvSpPr>
+          <p:nvPr>
+            <p:ph type="body" sz="quarter" idx="18"/>
+          </p:nvPr>
+        </p:nvSpPr>
+        <p:spPr/>
+        <p:txBody>
+          <a:bodyPr/>
+          <a:lstStyle/>
+          <a:p>
+            <a:endParaRPr lang="ru-RU"/>
+          </a:p>
+        </p:txBody>
+      </p:sp>
+      <p:sp>
+        <p:nvSpPr>
+          <p:cNvPr id="5" name="Текст 4"/>
+          <p:cNvSpPr>
+            <a:spLocks noGrp="1"/>
+          </p:cNvSpPr>
+          <p:nvPr>
+            <p:ph type="body" sz="quarter" idx="13"/>
+          </p:nvPr>
+        </p:nvSpPr>
+        <p:spPr/>
+        <p:txBody>
+          <a:bodyPr/>
+          <a:lstStyle/>
+          <a:p>
+            <a:r>
+              <a:rPr lang="en-US" altLang="ru-RU">
+                <a:sym typeface="+mn-ea"/>
+              </a:rPr>
+              <a:t>Feature Extraction</a:t>
+            </a:r>
+            <a:endParaRPr lang="en-US" altLang="ru-RU"/>
+          </a:p>
+          <a:p>
+            <a:endParaRPr lang="ru-RU"/>
+          </a:p>
+        </p:txBody>
+      </p:sp>
+      <p:sp>
+        <p:nvSpPr>
+          <p:cNvPr id="6" name="Текст 5"/>
+          <p:cNvSpPr>
+            <a:spLocks noGrp="1"/>
+          </p:cNvSpPr>
+          <p:nvPr>
+            <p:ph type="body" sz="quarter" idx="14"/>
+          </p:nvPr>
+        </p:nvSpPr>
+        <p:spPr/>
+        <p:txBody>
+          <a:bodyPr/>
+          <a:lstStyle/>
+          <a:p>
+            <a:endParaRPr lang="ru-RU"/>
+          </a:p>
+        </p:txBody>
+      </p:sp>
+      <p:sp>
+        <p:nvSpPr>
+          <p:cNvPr id="7" name="Текст 6"/>
+          <p:cNvSpPr>
+            <a:spLocks noGrp="1"/>
+          </p:cNvSpPr>
+          <p:nvPr>
+            <p:ph type="body" sz="quarter" idx="15"/>
+          </p:nvPr>
+        </p:nvSpPr>
+        <p:spPr/>
+        <p:txBody>
+          <a:bodyPr/>
+          <a:lstStyle/>
+          <a:p>
+            <a:endParaRPr lang="ru-RU"/>
+          </a:p>
+        </p:txBody>
+      </p:sp>
+      <p:pic>
+        <p:nvPicPr>
+          <p:cNvPr id="4" name="图片 3" descr="截屏2022-12-13 上午5.11.20"/>
+          <p:cNvPicPr>
+            <a:picLocks noChangeAspect="1"/>
+          </p:cNvPicPr>
+          <p:nvPr/>
+        </p:nvPicPr>
+        <p:blipFill>
+          <a:blip r:embed="rId1"/>
+          <a:srcRect l="-870" t="3333" r="870" b="-1667"/>
+          <a:stretch>
+            <a:fillRect/>
+          </a:stretch>
+        </p:blipFill>
+        <p:spPr>
+          <a:xfrm>
+            <a:off x="768350" y="2338705"/>
+            <a:ext cx="2044700" cy="1573530"/>
+          </a:xfrm>
+          <a:prstGeom prst="rect">
+            <a:avLst/>
+          </a:prstGeom>
+        </p:spPr>
+      </p:pic>
+      <p:pic>
+        <p:nvPicPr>
+          <p:cNvPr id="9" name="图片 8" descr="截屏2022-12-13 上午5.11.31"/>
+          <p:cNvPicPr>
+            <a:picLocks noChangeAspect="1"/>
+          </p:cNvPicPr>
+          <p:nvPr/>
+        </p:nvPicPr>
+        <p:blipFill>
+          <a:blip r:embed="rId2"/>
+          <a:stretch>
+            <a:fillRect/>
+          </a:stretch>
+        </p:blipFill>
+        <p:spPr>
+          <a:xfrm>
+            <a:off x="768350" y="4122420"/>
+            <a:ext cx="2032000" cy="1193800"/>
+          </a:xfrm>
+          <a:prstGeom prst="rect">
+            <a:avLst/>
+          </a:prstGeom>
+        </p:spPr>
+      </p:pic>
+      <p:pic>
+        <p:nvPicPr>
+          <p:cNvPr id="10" name="图片 9" descr="截屏2022-12-13 上午5.11.56"/>
+          <p:cNvPicPr>
+            <a:picLocks noChangeAspect="1"/>
+          </p:cNvPicPr>
+          <p:nvPr/>
+        </p:nvPicPr>
+        <p:blipFill>
+          <a:blip r:embed="rId3"/>
+          <a:srcRect t="2592"/>
+          <a:stretch>
+            <a:fillRect/>
+          </a:stretch>
+        </p:blipFill>
+        <p:spPr>
+          <a:xfrm>
+            <a:off x="3652520" y="2338705"/>
+            <a:ext cx="2032000" cy="3030855"/>
+          </a:xfrm>
+          <a:prstGeom prst="rect">
+            <a:avLst/>
+          </a:prstGeom>
+        </p:spPr>
+      </p:pic>
+      <p:pic>
+        <p:nvPicPr>
+          <p:cNvPr id="11" name="图片 10" descr="截屏2022-12-13 上午5.12.11"/>
+          <p:cNvPicPr>
+            <a:picLocks noChangeAspect="1"/>
+          </p:cNvPicPr>
+          <p:nvPr/>
+        </p:nvPicPr>
+        <p:blipFill>
+          <a:blip r:embed="rId4"/>
+          <a:srcRect t="2287" b="1134"/>
+          <a:stretch>
+            <a:fillRect/>
+          </a:stretch>
+        </p:blipFill>
+        <p:spPr>
+          <a:xfrm>
+            <a:off x="6666865" y="2338705"/>
+            <a:ext cx="2006600" cy="2977515"/>
+          </a:xfrm>
+          <a:prstGeom prst="rect">
+            <a:avLst/>
+          </a:prstGeom>
+        </p:spPr>
+      </p:pic>
+      <p:sp>
+        <p:nvSpPr>
+          <p:cNvPr id="12" name="Заголовок 1"/>
+          <p:cNvSpPr>
+            <a:spLocks noGrp="1"/>
+          </p:cNvSpPr>
+          <p:nvPr/>
+        </p:nvSpPr>
+        <p:spPr>
+          <a:xfrm>
+            <a:off x="586105" y="1414145"/>
+            <a:ext cx="7743190" cy="777240"/>
+          </a:xfrm>
+          <a:prstGeom prst="rect">
+            <a:avLst/>
+          </a:prstGeom>
+        </p:spPr>
+        <p:txBody>
+          <a:bodyPr lIns="0" tIns="0" rIns="0" bIns="0" anchor="t">
+            <a:normAutofit fontScale="90000"/>
+          </a:bodyPr>
+          <a:lstStyle>
+            <a:lvl1pPr algn="l" defTabSz="914400" rtl="0" eaLnBrk="1" latinLnBrk="0" hangingPunct="1">
+              <a:lnSpc>
+                <a:spcPct val="100000"/>
+              </a:lnSpc>
+              <a:spcBef>
+                <a:spcPct val="0"/>
+              </a:spcBef>
+              <a:buNone/>
+              <a:defRPr sz="2400" b="0" i="0" kern="1200">
+                <a:solidFill>
+                  <a:schemeClr val="tx1"/>
+                </a:solidFill>
+                <a:latin typeface="HSE Sans" panose="02000000000000000000" pitchFamily="2" charset="0"/>
+                <a:ea typeface="+mj-ea"/>
+                <a:cs typeface="+mj-cs"/>
+              </a:defRPr>
+            </a:lvl1pPr>
+          </a:lstStyle>
+          <a:p>
+            <a:r>
+              <a:rPr lang="ru-RU">
+                <a:sym typeface="+mn-ea"/>
+              </a:rPr>
+              <a:t>Correlation of several enumerated features with Survived </a:t>
+            </a:r>
+            <a:br>
+              <a:rPr lang="ru-RU"/>
+            </a:br>
+            <a:r>
+              <a:rPr lang="en-US" altLang="ru-RU">
+                <a:sym typeface="+mn-ea"/>
+              </a:rPr>
+              <a:t>A</a:t>
+            </a:r>
+            <a:r>
+              <a:rPr lang="ru-RU">
+                <a:sym typeface="+mn-ea"/>
+              </a:rPr>
+              <a:t>ggregation for mean value</a:t>
+            </a:r>
+            <a:endParaRPr lang="ru-RU"/>
+          </a:p>
+        </p:txBody>
+      </p:sp>
+      <p:pic>
+        <p:nvPicPr>
+          <p:cNvPr id="14" name="图片 13" descr="截屏2022-12-15 上午12.33.58"/>
+          <p:cNvPicPr>
+            <a:picLocks noChangeAspect="1"/>
+          </p:cNvPicPr>
+          <p:nvPr/>
+        </p:nvPicPr>
+        <p:blipFill>
+          <a:blip r:embed="rId5"/>
+          <a:stretch>
+            <a:fillRect/>
+          </a:stretch>
+        </p:blipFill>
+        <p:spPr>
+          <a:xfrm>
+            <a:off x="9086850" y="2338705"/>
+            <a:ext cx="2095500" cy="1320800"/>
+          </a:xfrm>
+          <a:prstGeom prst="rect">
+            <a:avLst/>
+          </a:prstGeom>
+        </p:spPr>
+      </p:pic>
+    </p:spTree>
+  </p:cSld>
+  <p:clrMapOvr>
+    <a:masterClrMapping/>
+  </p:clrMapOvr>
+</p:sld>
+</file>
+
+<file path=ppt/slides/slide6.xml><?xml version="1.0" encoding="utf-8"?>
+<p:sld xmlns:a="http://schemas.openxmlformats.org/drawingml/2006/main" xmlns:r="http://schemas.openxmlformats.org/officeDocument/2006/relationships" xmlns:p="http://schemas.openxmlformats.org/presentationml/2006/main">
+  <p:cSld>
+    <p:spTree>
+      <p:nvGrpSpPr>
+        <p:cNvPr id="1" name=""/>
+        <p:cNvGrpSpPr/>
+        <p:nvPr/>
+      </p:nvGrpSpPr>
+      <p:grpSpPr>
+        <a:xfrm>
+          <a:off x="0" y="0"/>
+          <a:ext cx="0" cy="0"/>
+          <a:chOff x="0" y="0"/>
+          <a:chExt cx="0" cy="0"/>
+        </a:xfrm>
+      </p:grpSpPr>
+      <p:sp>
+        <p:nvSpPr>
+          <p:cNvPr id="2" name="Заголовок 1"/>
+          <p:cNvSpPr>
+            <a:spLocks noGrp="1"/>
+          </p:cNvSpPr>
+          <p:nvPr>
+            <p:ph type="title"/>
+          </p:nvPr>
+        </p:nvSpPr>
+        <p:spPr>
+          <a:xfrm>
+            <a:off x="586105" y="1447800"/>
+            <a:ext cx="7743190" cy="777240"/>
+          </a:xfrm>
+        </p:spPr>
+        <p:txBody>
+          <a:bodyPr>
+            <a:normAutofit fontScale="90000"/>
+          </a:bodyPr>
+          <a:lstStyle/>
+          <a:p>
+            <a:r>
+              <a:rPr lang="ru-RU">
+                <a:sym typeface="+mn-ea"/>
+              </a:rPr>
+              <a:t>Correlation of several enumerated features with Survived </a:t>
+            </a:r>
+            <a:br>
+              <a:rPr lang="ru-RU"/>
+            </a:br>
+            <a:r>
+              <a:rPr lang="ru-RU"/>
+              <a:t>View through histogram</a:t>
+            </a:r>
+            <a:endParaRPr lang="ru-RU"/>
+          </a:p>
+        </p:txBody>
+      </p:sp>
+      <p:sp>
+        <p:nvSpPr>
+          <p:cNvPr id="4" name="Текст 3"/>
+          <p:cNvSpPr>
+            <a:spLocks noGrp="1"/>
+          </p:cNvSpPr>
+          <p:nvPr>
+            <p:ph type="body" sz="quarter" idx="16"/>
+          </p:nvPr>
+        </p:nvSpPr>
+        <p:spPr>
+          <a:xfrm>
+            <a:off x="586105" y="5183505"/>
+            <a:ext cx="8188960" cy="553720"/>
+          </a:xfrm>
+        </p:spPr>
+        <p:txBody>
+          <a:bodyPr/>
+          <a:lstStyle/>
+          <a:p>
+            <a:r>
+              <a:rPr lang="ru-RU">
+                <a:sym typeface="+mn-ea"/>
+              </a:rPr>
+              <a:t>Histograms are used for long span characteristics such as age to see the distribution of survivors and non-survivors separately</a:t>
+            </a:r>
+            <a:endParaRPr lang="ru-RU"/>
+          </a:p>
+          <a:p>
+            <a:endParaRPr lang="ru-RU"/>
+          </a:p>
+        </p:txBody>
+      </p:sp>
+      <p:sp>
+        <p:nvSpPr>
+          <p:cNvPr id="6" name="Текст 5"/>
+          <p:cNvSpPr>
+            <a:spLocks noGrp="1"/>
+          </p:cNvSpPr>
+          <p:nvPr>
+            <p:ph type="body" sz="quarter" idx="13"/>
+          </p:nvPr>
+        </p:nvSpPr>
+        <p:spPr/>
+        <p:txBody>
+          <a:bodyPr/>
+          <a:lstStyle/>
+          <a:p>
+            <a:r>
+              <a:rPr lang="en-US" altLang="ru-RU"/>
+              <a:t>Feature Extraction</a:t>
+            </a:r>
+            <a:endParaRPr lang="en-US" altLang="ru-RU"/>
+          </a:p>
+        </p:txBody>
+      </p:sp>
+      <p:sp>
+        <p:nvSpPr>
+          <p:cNvPr id="7" name="Текст 6"/>
+          <p:cNvSpPr>
+            <a:spLocks noGrp="1"/>
+          </p:cNvSpPr>
+          <p:nvPr>
+            <p:ph type="body" sz="quarter" idx="14"/>
+          </p:nvPr>
+        </p:nvSpPr>
+        <p:spPr/>
+        <p:txBody>
+          <a:bodyPr/>
+          <a:lstStyle/>
+          <a:p>
+            <a:endParaRPr lang="ru-RU"/>
+          </a:p>
+        </p:txBody>
+      </p:sp>
+      <p:sp>
+        <p:nvSpPr>
+          <p:cNvPr id="8" name="Текст 7"/>
+          <p:cNvSpPr>
+            <a:spLocks noGrp="1"/>
+          </p:cNvSpPr>
+          <p:nvPr>
+            <p:ph type="body" sz="quarter" idx="15"/>
+          </p:nvPr>
+        </p:nvSpPr>
+        <p:spPr/>
+        <p:txBody>
+          <a:bodyPr/>
+          <a:lstStyle/>
+          <a:p>
+            <a:endParaRPr lang="ru-RU"/>
+          </a:p>
+        </p:txBody>
+      </p:sp>
+      <p:pic>
+        <p:nvPicPr>
+          <p:cNvPr id="12" name="图片 11" descr="截屏2022-12-13 上午5.12.28"/>
+          <p:cNvPicPr>
+            <a:picLocks noChangeAspect="1"/>
+          </p:cNvPicPr>
+          <p:nvPr/>
+        </p:nvPicPr>
+        <p:blipFill>
+          <a:blip r:embed="rId1"/>
+          <a:stretch>
+            <a:fillRect/>
+          </a:stretch>
+        </p:blipFill>
+        <p:spPr>
+          <a:xfrm>
+            <a:off x="586105" y="2186940"/>
+            <a:ext cx="5664200" cy="2794000"/>
+          </a:xfrm>
+          <a:prstGeom prst="rect">
+            <a:avLst/>
+          </a:prstGeom>
+        </p:spPr>
+      </p:pic>
+      <p:pic>
+        <p:nvPicPr>
+          <p:cNvPr id="10" name="图片 9" descr="截屏2022-12-13 上午5.13.12"/>
+          <p:cNvPicPr>
+            <a:picLocks noChangeAspect="1"/>
+          </p:cNvPicPr>
+          <p:nvPr/>
+        </p:nvPicPr>
+        <p:blipFill>
+          <a:blip r:embed="rId2"/>
+          <a:stretch>
+            <a:fillRect/>
+          </a:stretch>
+        </p:blipFill>
+        <p:spPr>
+          <a:xfrm>
+            <a:off x="6104255" y="2186940"/>
+            <a:ext cx="5549900" cy="2794000"/>
+          </a:xfrm>
+          <a:prstGeom prst="rect">
+            <a:avLst/>
+          </a:prstGeom>
+        </p:spPr>
+      </p:pic>
+    </p:spTree>
+  </p:cSld>
+  <p:clrMapOvr>
+    <a:masterClrMapping/>
+  </p:clrMapOvr>
+</p:sld>
+</file>
+
+<file path=ppt/slides/slide7.xml><?xml version="1.0" encoding="utf-8"?>
+<p:sld xmlns:a="http://schemas.openxmlformats.org/drawingml/2006/main" xmlns:r="http://schemas.openxmlformats.org/officeDocument/2006/relationships" xmlns:p="http://schemas.openxmlformats.org/presentationml/2006/main">
+  <p:cSld>
+    <p:spTree>
+      <p:nvGrpSpPr>
+        <p:cNvPr id="1" name=""/>
+        <p:cNvGrpSpPr/>
+        <p:nvPr/>
+      </p:nvGrpSpPr>
+      <p:grpSpPr>
+        <a:xfrm>
+          <a:off x="0" y="0"/>
+          <a:ext cx="0" cy="0"/>
+          <a:chOff x="0" y="0"/>
+          <a:chExt cx="0" cy="0"/>
+        </a:xfrm>
+      </p:grpSpPr>
+      <p:sp>
+        <p:nvSpPr>
+          <p:cNvPr id="3" name="Текст 2"/>
+          <p:cNvSpPr>
+            <a:spLocks noGrp="1"/>
+          </p:cNvSpPr>
+          <p:nvPr>
+            <p:ph type="body" sz="quarter" idx="18"/>
+          </p:nvPr>
+        </p:nvSpPr>
+        <p:spPr>
+          <a:xfrm>
+            <a:off x="585470" y="2102485"/>
+            <a:ext cx="2719705" cy="2577465"/>
+          </a:xfrm>
+        </p:spPr>
+        <p:txBody>
+          <a:bodyPr>
+            <a:normAutofit lnSpcReduction="10000"/>
+          </a:bodyPr>
+          <a:lstStyle/>
+          <a:p>
+            <a:r>
+              <a:rPr lang="en-US" altLang="ru-RU"/>
+              <a:t>Age -&gt; Fix missing values</a:t>
+            </a:r>
+            <a:endParaRPr lang="en-US" altLang="ru-RU"/>
+          </a:p>
+          <a:p>
+            <a:r>
+              <a:rPr lang="en-US" altLang="ru-RU"/>
+              <a:t>Predictive supplementation for null values in the Age field</a:t>
+            </a:r>
+            <a:endParaRPr lang="en-US" altLang="ru-RU"/>
+          </a:p>
+          <a:p>
+            <a:r>
+              <a:rPr lang="en-US" altLang="ru-RU"/>
+              <a:t>Take the median age of the same Pclass and Title for supplementation (Here for Pclass and Sex)</a:t>
+            </a:r>
+            <a:endParaRPr lang="en-US" altLang="ru-RU"/>
+          </a:p>
+          <a:p>
+            <a:endParaRPr lang="en-US" altLang="ru-RU"/>
+          </a:p>
+          <a:p>
+            <a:endParaRPr lang="en-US" altLang="ru-RU"/>
+          </a:p>
+        </p:txBody>
+      </p:sp>
+      <p:sp>
+        <p:nvSpPr>
+          <p:cNvPr id="6" name="Текст 5"/>
+          <p:cNvSpPr>
+            <a:spLocks noGrp="1"/>
+          </p:cNvSpPr>
+          <p:nvPr>
+            <p:ph type="body" sz="quarter" idx="13"/>
+          </p:nvPr>
+        </p:nvSpPr>
+        <p:spPr/>
+        <p:txBody>
+          <a:bodyPr/>
+          <a:lstStyle/>
+          <a:p>
+            <a:r>
+              <a:rPr lang="en-US" altLang="ru-RU">
+                <a:sym typeface="+mn-ea"/>
+              </a:rPr>
+              <a:t>Feature Extraction</a:t>
+            </a:r>
+            <a:endParaRPr lang="en-US" altLang="ru-RU"/>
+          </a:p>
+          <a:p>
+            <a:endParaRPr lang="ru-RU"/>
+          </a:p>
+        </p:txBody>
+      </p:sp>
+      <p:sp>
+        <p:nvSpPr>
+          <p:cNvPr id="7" name="Текст 6"/>
+          <p:cNvSpPr>
+            <a:spLocks noGrp="1"/>
+          </p:cNvSpPr>
+          <p:nvPr>
+            <p:ph type="body" sz="quarter" idx="14"/>
+          </p:nvPr>
+        </p:nvSpPr>
+        <p:spPr/>
+        <p:txBody>
+          <a:bodyPr/>
+          <a:lstStyle/>
+          <a:p>
+            <a:endParaRPr lang="ru-RU"/>
+          </a:p>
+        </p:txBody>
+      </p:sp>
+      <p:sp>
+        <p:nvSpPr>
+          <p:cNvPr id="8" name="Текст 7"/>
+          <p:cNvSpPr>
+            <a:spLocks noGrp="1"/>
+          </p:cNvSpPr>
+          <p:nvPr>
+            <p:ph type="body" sz="quarter" idx="15"/>
+          </p:nvPr>
+        </p:nvSpPr>
+        <p:spPr/>
+        <p:txBody>
+          <a:bodyPr/>
+          <a:lstStyle/>
+          <a:p>
+            <a:endParaRPr lang="ru-RU"/>
+          </a:p>
+        </p:txBody>
+      </p:sp>
+      <p:pic>
+        <p:nvPicPr>
+          <p:cNvPr id="2" name="图片 1" descr="截屏2022-12-15 上午12.44.23"/>
+          <p:cNvPicPr>
+            <a:picLocks noChangeAspect="1"/>
+          </p:cNvPicPr>
+          <p:nvPr/>
+        </p:nvPicPr>
+        <p:blipFill>
+          <a:blip r:embed="rId1"/>
+          <a:stretch>
+            <a:fillRect/>
+          </a:stretch>
+        </p:blipFill>
+        <p:spPr>
+          <a:xfrm>
+            <a:off x="3275330" y="1082675"/>
+            <a:ext cx="4256405" cy="2969260"/>
+          </a:xfrm>
+          <a:prstGeom prst="rect">
+            <a:avLst/>
+          </a:prstGeom>
+        </p:spPr>
+      </p:pic>
+      <p:pic>
+        <p:nvPicPr>
+          <p:cNvPr id="4" name="图片 3" descr="截屏2022-12-15 上午12.44.56"/>
+          <p:cNvPicPr>
+            <a:picLocks noChangeAspect="1"/>
+          </p:cNvPicPr>
+          <p:nvPr/>
+        </p:nvPicPr>
+        <p:blipFill>
+          <a:blip r:embed="rId2"/>
+          <a:srcRect t="1678"/>
+          <a:stretch>
+            <a:fillRect/>
+          </a:stretch>
+        </p:blipFill>
+        <p:spPr>
+          <a:xfrm>
+            <a:off x="3305175" y="4051935"/>
+            <a:ext cx="4196080" cy="2717800"/>
+          </a:xfrm>
+          <a:prstGeom prst="rect">
+            <a:avLst/>
+          </a:prstGeom>
+        </p:spPr>
+      </p:pic>
+      <p:pic>
+        <p:nvPicPr>
+          <p:cNvPr id="10" name="图片 9" descr="截屏2022-12-15 上午12.46.42"/>
+          <p:cNvPicPr>
+            <a:picLocks noChangeAspect="1"/>
+          </p:cNvPicPr>
+          <p:nvPr/>
+        </p:nvPicPr>
+        <p:blipFill>
+          <a:blip r:embed="rId3"/>
+          <a:stretch>
+            <a:fillRect/>
+          </a:stretch>
+        </p:blipFill>
+        <p:spPr>
+          <a:xfrm>
+            <a:off x="7599680" y="1149985"/>
+            <a:ext cx="4097655" cy="2901950"/>
+          </a:xfrm>
+          <a:prstGeom prst="rect">
+            <a:avLst/>
+          </a:prstGeom>
+        </p:spPr>
+      </p:pic>
+    </p:spTree>
+  </p:cSld>
+  <p:clrMapOvr>
+    <a:masterClrMapping/>
+  </p:clrMapOvr>
+</p:sld>
+</file>
+
+<file path=ppt/slides/slide8.xml><?xml version="1.0" encoding="utf-8"?>
+<p:sld xmlns:a="http://schemas.openxmlformats.org/drawingml/2006/main" xmlns:r="http://schemas.openxmlformats.org/officeDocument/2006/relationships" xmlns:p="http://schemas.openxmlformats.org/presentationml/2006/main">
+  <p:cSld>
+    <p:spTree>
+      <p:nvGrpSpPr>
+        <p:cNvPr id="1" name=""/>
+        <p:cNvGrpSpPr/>
+        <p:nvPr/>
+      </p:nvGrpSpPr>
+      <p:grpSpPr>
+        <a:xfrm>
+          <a:off x="0" y="0"/>
+          <a:ext cx="0" cy="0"/>
+          <a:chOff x="0" y="0"/>
+          <a:chExt cx="0" cy="0"/>
+        </a:xfrm>
+      </p:grpSpPr>
+      <p:sp>
+        <p:nvSpPr>
+          <p:cNvPr id="3" name="Текст 2"/>
+          <p:cNvSpPr>
+            <a:spLocks noGrp="1"/>
+          </p:cNvSpPr>
+          <p:nvPr>
+            <p:ph type="body" sz="quarter" idx="18"/>
+          </p:nvPr>
+        </p:nvSpPr>
+        <p:spPr>
+          <a:xfrm>
+            <a:off x="585470" y="2139950"/>
+            <a:ext cx="7101205" cy="744220"/>
+          </a:xfrm>
+        </p:spPr>
+        <p:txBody>
+          <a:bodyPr>
+            <a:normAutofit lnSpcReduction="10000"/>
+          </a:bodyPr>
+          <a:lstStyle/>
+          <a:p>
+            <a:r>
+              <a:rPr lang="en-US" altLang="ru-RU"/>
+              <a:t>Create FareBand interval features</a:t>
+            </a:r>
+            <a:endParaRPr lang="en-US" altLang="ru-RU"/>
+          </a:p>
+          <a:p>
+            <a:r>
+              <a:rPr lang="en-US" altLang="ru-RU"/>
+              <a:t>Convert Fare features to ordinal values based on FareBand</a:t>
+            </a:r>
+            <a:endParaRPr lang="en-US" altLang="ru-RU"/>
+          </a:p>
+        </p:txBody>
+      </p:sp>
+      <p:sp>
+        <p:nvSpPr>
+          <p:cNvPr id="6" name="Текст 5"/>
+          <p:cNvSpPr>
+            <a:spLocks noGrp="1"/>
+          </p:cNvSpPr>
+          <p:nvPr>
+            <p:ph type="body" sz="quarter" idx="13"/>
+          </p:nvPr>
+        </p:nvSpPr>
+        <p:spPr/>
+        <p:txBody>
+          <a:bodyPr/>
+          <a:lstStyle/>
+          <a:p>
+            <a:r>
+              <a:rPr lang="en-US" altLang="ru-RU">
+                <a:sym typeface="+mn-ea"/>
+              </a:rPr>
+              <a:t>Feature Extraction</a:t>
+            </a:r>
+            <a:endParaRPr lang="en-US" altLang="ru-RU"/>
+          </a:p>
+          <a:p>
+            <a:endParaRPr lang="ru-RU"/>
+          </a:p>
+        </p:txBody>
+      </p:sp>
+      <p:sp>
+        <p:nvSpPr>
+          <p:cNvPr id="7" name="Текст 6"/>
+          <p:cNvSpPr>
+            <a:spLocks noGrp="1"/>
+          </p:cNvSpPr>
+          <p:nvPr>
+            <p:ph type="body" sz="quarter" idx="14"/>
+          </p:nvPr>
+        </p:nvSpPr>
+        <p:spPr/>
+        <p:txBody>
+          <a:bodyPr/>
+          <a:lstStyle/>
+          <a:p>
+            <a:endParaRPr lang="ru-RU"/>
+          </a:p>
+        </p:txBody>
+      </p:sp>
+      <p:sp>
+        <p:nvSpPr>
+          <p:cNvPr id="8" name="Текст 7"/>
+          <p:cNvSpPr>
+            <a:spLocks noGrp="1"/>
+          </p:cNvSpPr>
+          <p:nvPr>
+            <p:ph type="body" sz="quarter" idx="15"/>
+          </p:nvPr>
+        </p:nvSpPr>
+        <p:spPr/>
+        <p:txBody>
+          <a:bodyPr/>
+          <a:lstStyle/>
+          <a:p>
+            <a:endParaRPr lang="ru-RU"/>
+          </a:p>
+        </p:txBody>
+      </p:sp>
+      <p:pic>
+        <p:nvPicPr>
+          <p:cNvPr id="5" name="图片 4" descr="截屏2022-12-15 上午12.59.50"/>
+          <p:cNvPicPr>
+            <a:picLocks noChangeAspect="1"/>
+          </p:cNvPicPr>
+          <p:nvPr/>
+        </p:nvPicPr>
+        <p:blipFill>
+          <a:blip r:embed="rId1"/>
+          <a:stretch>
+            <a:fillRect/>
+          </a:stretch>
+        </p:blipFill>
+        <p:spPr>
+          <a:xfrm>
+            <a:off x="585470" y="3175000"/>
+            <a:ext cx="2489200" cy="1689100"/>
+          </a:xfrm>
+          <a:prstGeom prst="rect">
+            <a:avLst/>
+          </a:prstGeom>
+        </p:spPr>
+      </p:pic>
+      <p:pic>
+        <p:nvPicPr>
+          <p:cNvPr id="9" name="图片 8" descr="截屏2022-12-15 上午1.01.11"/>
+          <p:cNvPicPr>
+            <a:picLocks noChangeAspect="1"/>
+          </p:cNvPicPr>
+          <p:nvPr/>
+        </p:nvPicPr>
+        <p:blipFill>
+          <a:blip r:embed="rId2"/>
+          <a:stretch>
+            <a:fillRect/>
+          </a:stretch>
+        </p:blipFill>
+        <p:spPr>
+          <a:xfrm>
+            <a:off x="3578860" y="3175000"/>
+            <a:ext cx="8077835" cy="863600"/>
+          </a:xfrm>
+          <a:prstGeom prst="rect">
+            <a:avLst/>
+          </a:prstGeom>
+        </p:spPr>
+      </p:pic>
+    </p:spTree>
+  </p:cSld>
+  <p:clrMapOvr>
+    <a:masterClrMapping/>
+  </p:clrMapOvr>
+</p:sld>
+</file>
+
+<file path=ppt/slides/slide9.xml><?xml version="1.0" encoding="utf-8"?>
+<p:sld xmlns:a="http://schemas.openxmlformats.org/drawingml/2006/main" xmlns:r="http://schemas.openxmlformats.org/officeDocument/2006/relationships" xmlns:p="http://schemas.openxmlformats.org/presentationml/2006/main">
+  <p:cSld>
+    <p:spTree>
+      <p:nvGrpSpPr>
+        <p:cNvPr id="1" name=""/>
+        <p:cNvGrpSpPr/>
+        <p:nvPr/>
+      </p:nvGrpSpPr>
+      <p:grpSpPr>
+        <a:xfrm>
+          <a:off x="0" y="0"/>
+          <a:ext cx="0" cy="0"/>
+          <a:chOff x="0" y="0"/>
+          <a:chExt cx="0" cy="0"/>
+        </a:xfrm>
+      </p:grpSpPr>
+      <p:sp>
+        <p:nvSpPr>
+          <p:cNvPr id="2" name="Заголовок 1"/>
+          <p:cNvSpPr>
+            <a:spLocks noGrp="1"/>
+          </p:cNvSpPr>
+          <p:nvPr>
+            <p:ph type="title"/>
+          </p:nvPr>
+        </p:nvSpPr>
+        <p:spPr>
+          <a:xfrm>
+            <a:off x="586105" y="1447800"/>
+            <a:ext cx="7743190" cy="777240"/>
+          </a:xfrm>
+        </p:spPr>
+        <p:txBody>
+          <a:bodyPr>
+            <a:normAutofit/>
+          </a:bodyPr>
+          <a:lstStyle/>
+          <a:p>
+            <a:r>
+              <a:rPr lang="en-US" altLang="ru-RU">
+                <a:sym typeface="+mn-ea"/>
+              </a:rPr>
+              <a:t>Adding new features</a:t>
+            </a:r>
+            <a:endParaRPr lang="en-US" altLang="ru-RU"/>
+          </a:p>
+        </p:txBody>
+      </p:sp>
+      <p:sp>
+        <p:nvSpPr>
+          <p:cNvPr id="6" name="Текст 5"/>
+          <p:cNvSpPr>
+            <a:spLocks noGrp="1"/>
+          </p:cNvSpPr>
+          <p:nvPr>
+            <p:ph type="body" sz="quarter" idx="13"/>
+          </p:nvPr>
+        </p:nvSpPr>
+        <p:spPr/>
+        <p:txBody>
+          <a:bodyPr/>
+          <a:lstStyle/>
+          <a:p>
+            <a:r>
+              <a:rPr lang="en-US" altLang="ru-RU"/>
+              <a:t>Feature Extraction</a:t>
+            </a:r>
+            <a:endParaRPr lang="en-US" altLang="ru-RU"/>
+          </a:p>
+        </p:txBody>
+      </p:sp>
+      <p:sp>
+        <p:nvSpPr>
+          <p:cNvPr id="7" name="Текст 6"/>
+          <p:cNvSpPr>
+            <a:spLocks noGrp="1"/>
+          </p:cNvSpPr>
+          <p:nvPr>
+            <p:ph type="body" sz="quarter" idx="14"/>
+          </p:nvPr>
+        </p:nvSpPr>
+        <p:spPr/>
+        <p:txBody>
+          <a:bodyPr/>
+          <a:lstStyle/>
+          <a:p>
+            <a:endParaRPr lang="ru-RU"/>
+          </a:p>
+        </p:txBody>
+      </p:sp>
+      <p:sp>
+        <p:nvSpPr>
+          <p:cNvPr id="8" name="Текст 7"/>
+          <p:cNvSpPr>
+            <a:spLocks noGrp="1"/>
+          </p:cNvSpPr>
+          <p:nvPr>
+            <p:ph type="body" sz="quarter" idx="15"/>
+          </p:nvPr>
+        </p:nvSpPr>
+        <p:spPr/>
+        <p:txBody>
+          <a:bodyPr/>
+          <a:lstStyle/>
+          <a:p>
+            <a:endParaRPr lang="ru-RU"/>
+          </a:p>
+        </p:txBody>
+      </p:sp>
+      <p:pic>
+        <p:nvPicPr>
+          <p:cNvPr id="3" name="图片 2" descr="截屏2022-12-15 上午12.49.20"/>
+          <p:cNvPicPr>
+            <a:picLocks noChangeAspect="1"/>
+          </p:cNvPicPr>
+          <p:nvPr/>
+        </p:nvPicPr>
+        <p:blipFill>
+          <a:blip r:embed="rId1"/>
+          <a:stretch>
+            <a:fillRect/>
+          </a:stretch>
+        </p:blipFill>
+        <p:spPr>
+          <a:xfrm>
+            <a:off x="585470" y="3194685"/>
+            <a:ext cx="2286000" cy="2971800"/>
+          </a:xfrm>
+          <a:prstGeom prst="rect">
+            <a:avLst/>
+          </a:prstGeom>
+        </p:spPr>
+      </p:pic>
+      <p:sp>
+        <p:nvSpPr>
+          <p:cNvPr id="5" name="文本占位符 4"/>
+          <p:cNvSpPr/>
+          <p:nvPr>
+            <p:ph type="body" sz="quarter" idx="16"/>
+          </p:nvPr>
+        </p:nvSpPr>
+        <p:spPr/>
+        <p:txBody>
+          <a:bodyPr/>
+          <a:p>
+            <a:endParaRPr lang="zh-CN" altLang="en-US"/>
+          </a:p>
+        </p:txBody>
+      </p:sp>
+      <p:sp>
+        <p:nvSpPr>
+          <p:cNvPr id="9" name="Текст 2"/>
+          <p:cNvSpPr>
+            <a:spLocks noGrp="1"/>
+          </p:cNvSpPr>
+          <p:nvPr/>
+        </p:nvSpPr>
+        <p:spPr>
+          <a:xfrm>
+            <a:off x="585470" y="2102485"/>
+            <a:ext cx="3152140" cy="2577465"/>
+          </a:xfrm>
+          <a:prstGeom prst="rect">
+            <a:avLst/>
+          </a:prstGeom>
+        </p:spPr>
+        <p:txBody>
+          <a:bodyPr lIns="0" tIns="0" rIns="0" bIns="0">
+            <a:normAutofit lnSpcReduction="10000"/>
+          </a:bodyPr>
+          <a:lstStyle>
+            <a:lvl1pPr marL="0" marR="0" indent="0" algn="l" defTabSz="914400" rtl="0" eaLnBrk="1" fontAlgn="auto" latinLnBrk="0" hangingPunct="1">
+              <a:lnSpc>
+                <a:spcPct val="100000"/>
+              </a:lnSpc>
+              <a:spcBef>
+                <a:spcPts val="600"/>
+              </a:spcBef>
+              <a:spcAft>
+                <a:spcPts val="0"/>
+              </a:spcAft>
+              <a:buClrTx/>
+              <a:buSzTx/>
+              <a:buFontTx/>
+              <a:buNone/>
+              <a:defRPr sz="1300" b="0" i="0" kern="1200">
+                <a:solidFill>
+                  <a:srgbClr val="0E2D69"/>
+                </a:solidFill>
+                <a:latin typeface="HSE Sans" panose="02000000000000000000" pitchFamily="2" charset="0"/>
+                <a:ea typeface="+mn-ea"/>
+                <a:cs typeface="+mn-cs"/>
+              </a:defRPr>
+            </a:lvl1pPr>
+            <a:lvl2pPr marL="685800" indent="-228600" algn="l" defTabSz="914400" rtl="0" eaLnBrk="1" latinLnBrk="0" hangingPunct="1">
+              <a:lnSpc>
+                <a:spcPct val="90000"/>
+              </a:lnSpc>
+              <a:spcBef>
+                <a:spcPts val="500"/>
+              </a:spcBef>
+              <a:buFont typeface="Arial" panose="020B0604020202090204" pitchFamily="34" charset="0"/>
+              <a:buChar char="•"/>
+              <a:defRPr sz="1300" b="0" i="0" kern="1200">
+                <a:solidFill>
+                  <a:srgbClr val="0E2D69"/>
+                </a:solidFill>
+                <a:latin typeface="HSE Sans" panose="02000000000000000000" pitchFamily="2" charset="0"/>
+                <a:ea typeface="+mn-ea"/>
+                <a:cs typeface="+mn-cs"/>
+              </a:defRPr>
+            </a:lvl2pPr>
+            <a:lvl3pPr marL="1143000" indent="-228600" algn="l" defTabSz="914400" rtl="0" eaLnBrk="1" latinLnBrk="0" hangingPunct="1">
+              <a:lnSpc>
+                <a:spcPct val="90000"/>
+              </a:lnSpc>
+              <a:spcBef>
+                <a:spcPts val="500"/>
+              </a:spcBef>
+              <a:buFont typeface="Arial" panose="020B0604020202090204" pitchFamily="34" charset="0"/>
+              <a:buChar char="•"/>
+              <a:defRPr sz="1300" b="0" i="0" kern="1200">
+                <a:solidFill>
+                  <a:srgbClr val="0E2D69"/>
+                </a:solidFill>
+                <a:latin typeface="HSE Sans" panose="02000000000000000000" pitchFamily="2" charset="0"/>
+                <a:ea typeface="+mn-ea"/>
+                <a:cs typeface="+mn-cs"/>
+              </a:defRPr>
+            </a:lvl3pPr>
+            <a:lvl4pPr marL="1600200" indent="-228600" algn="l" defTabSz="914400" rtl="0" eaLnBrk="1" latinLnBrk="0" hangingPunct="1">
+              <a:lnSpc>
+                <a:spcPct val="90000"/>
+              </a:lnSpc>
+              <a:spcBef>
+                <a:spcPts val="500"/>
+              </a:spcBef>
+              <a:buFont typeface="Arial" panose="020B0604020202090204" pitchFamily="34" charset="0"/>
+              <a:buChar char="•"/>
+              <a:defRPr sz="1300" b="0" i="0" kern="1200">
+                <a:solidFill>
+                  <a:srgbClr val="0E2D69"/>
+                </a:solidFill>
+                <a:latin typeface="HSE Sans" panose="02000000000000000000" pitchFamily="2" charset="0"/>
+                <a:ea typeface="+mn-ea"/>
+                <a:cs typeface="+mn-cs"/>
+              </a:defRPr>
+            </a:lvl4pPr>
+            <a:lvl5pPr marL="2057400" indent="-228600" algn="l" defTabSz="914400" rtl="0" eaLnBrk="1" latinLnBrk="0" hangingPunct="1">
+              <a:lnSpc>
+                <a:spcPct val="90000"/>
+              </a:lnSpc>
+              <a:spcBef>
+                <a:spcPts val="500"/>
+              </a:spcBef>
+              <a:buFont typeface="Arial" panose="020B0604020202090204" pitchFamily="34" charset="0"/>
+              <a:buChar char="•"/>
+              <a:defRPr sz="1300" b="0" i="0" kern="1200">
+                <a:solidFill>
+                  <a:srgbClr val="0E2D69"/>
+                </a:solidFill>
+                <a:latin typeface="HSE Sans" panose="02000000000000000000" pitchFamily="2" charset="0"/>
+                <a:ea typeface="+mn-ea"/>
+                <a:cs typeface="+mn-cs"/>
+              </a:defRPr>
+            </a:lvl5pPr>
+            <a:lvl6pPr marL="2514600" indent="-228600" algn="l" defTabSz="914400" rtl="0" eaLnBrk="1" latinLnBrk="0" hangingPunct="1">
+              <a:lnSpc>
+                <a:spcPct val="90000"/>
+              </a:lnSpc>
+              <a:spcBef>
+                <a:spcPts val="500"/>
+              </a:spcBef>
+              <a:buFont typeface="Arial" panose="020B0604020202090204" pitchFamily="34" charset="0"/>
+              <a:buChar char="•"/>
+              <a:defRPr sz="1800" kern="1200">
+                <a:solidFill>
+                  <a:schemeClr val="tx1"/>
+                </a:solidFill>
+                <a:latin typeface="+mn-lt"/>
+                <a:ea typeface="+mn-ea"/>
+                <a:cs typeface="+mn-cs"/>
+              </a:defRPr>
+            </a:lvl6pPr>
+            <a:lvl7pPr marL="2971800" indent="-228600" algn="l" defTabSz="914400" rtl="0" eaLnBrk="1" latinLnBrk="0" hangingPunct="1">
+              <a:lnSpc>
+                <a:spcPct val="90000"/>
+              </a:lnSpc>
+              <a:spcBef>
+                <a:spcPts val="500"/>
+              </a:spcBef>
+              <a:buFont typeface="Arial" panose="020B0604020202090204" pitchFamily="34" charset="0"/>
+              <a:buChar char="•"/>
+              <a:defRPr sz="1800" kern="1200">
+                <a:solidFill>
+                  <a:schemeClr val="tx1"/>
+                </a:solidFill>
+                <a:latin typeface="+mn-lt"/>
+                <a:ea typeface="+mn-ea"/>
+                <a:cs typeface="+mn-cs"/>
+              </a:defRPr>
+            </a:lvl7pPr>
+            <a:lvl8pPr marL="3429000" indent="-228600" algn="l" defTabSz="914400" rtl="0" eaLnBrk="1" latinLnBrk="0" hangingPunct="1">
+              <a:lnSpc>
+                <a:spcPct val="90000"/>
+              </a:lnSpc>
+              <a:spcBef>
+                <a:spcPts val="500"/>
+              </a:spcBef>
+              <a:buFont typeface="Arial" panose="020B0604020202090204" pitchFamily="34" charset="0"/>
+              <a:buChar char="•"/>
+              <a:defRPr sz="1800" kern="1200">
+                <a:solidFill>
+                  <a:schemeClr val="tx1"/>
+                </a:solidFill>
+                <a:latin typeface="+mn-lt"/>
+                <a:ea typeface="+mn-ea"/>
+                <a:cs typeface="+mn-cs"/>
+              </a:defRPr>
+            </a:lvl8pPr>
+            <a:lvl9pPr marL="3886200" indent="-228600" algn="l" defTabSz="914400" rtl="0" eaLnBrk="1" latinLnBrk="0" hangingPunct="1">
+              <a:lnSpc>
+                <a:spcPct val="90000"/>
+              </a:lnSpc>
+              <a:spcBef>
+                <a:spcPts val="500"/>
+              </a:spcBef>
+              <a:buFont typeface="Arial" panose="020B0604020202090204" pitchFamily="34" charset="0"/>
+              <a:buChar char="•"/>
+              <a:defRPr sz="1800" kern="1200">
+                <a:solidFill>
+                  <a:schemeClr val="tx1"/>
+                </a:solidFill>
+                <a:latin typeface="+mn-lt"/>
+                <a:ea typeface="+mn-ea"/>
+                <a:cs typeface="+mn-cs"/>
+              </a:defRPr>
+            </a:lvl9pPr>
+          </a:lstStyle>
+          <a:p>
+            <a:r>
+              <a:rPr lang="en-US" altLang="ru-RU"/>
+              <a:t>First we check if the passenger is child </a:t>
+            </a:r>
+            <a:endParaRPr lang="en-US" altLang="ru-RU"/>
+          </a:p>
+          <a:p>
+            <a:endParaRPr lang="en-US" altLang="ru-RU"/>
+          </a:p>
+          <a:p>
+            <a:r>
+              <a:rPr lang="en-US" altLang="ru-RU"/>
+              <a:t>Second we classify people with different ages</a:t>
+            </a:r>
+            <a:endParaRPr lang="en-US" altLang="ru-RU"/>
+          </a:p>
+          <a:p>
+            <a:endParaRPr lang="en-US" altLang="ru-RU"/>
+          </a:p>
+        </p:txBody>
+      </p:sp>
+      <p:pic>
+        <p:nvPicPr>
+          <p:cNvPr id="11" name="图片 10" descr="截屏2022-12-15 上午12.53.08"/>
+          <p:cNvPicPr>
+            <a:picLocks noChangeAspect="1"/>
+          </p:cNvPicPr>
+          <p:nvPr/>
+        </p:nvPicPr>
+        <p:blipFill>
+          <a:blip r:embed="rId2"/>
+          <a:stretch>
+            <a:fillRect/>
+          </a:stretch>
+        </p:blipFill>
+        <p:spPr>
+          <a:xfrm>
+            <a:off x="4113530" y="3194685"/>
+            <a:ext cx="2146300" cy="3251200"/>
+          </a:xfrm>
+          <a:prstGeom prst="rect">
+            <a:avLst/>
+          </a:prstGeom>
+        </p:spPr>
+      </p:pic>
+      <p:sp>
+        <p:nvSpPr>
+          <p:cNvPr id="13" name="Текст 2"/>
+          <p:cNvSpPr>
+            <a:spLocks noGrp="1"/>
+          </p:cNvSpPr>
+          <p:nvPr/>
+        </p:nvSpPr>
+        <p:spPr>
+          <a:xfrm>
+            <a:off x="4119245" y="2102485"/>
+            <a:ext cx="3152140" cy="2577465"/>
+          </a:xfrm>
+          <a:prstGeom prst="rect">
+            <a:avLst/>
+          </a:prstGeom>
+        </p:spPr>
+        <p:txBody>
+          <a:bodyPr lIns="0" tIns="0" rIns="0" bIns="0">
+            <a:normAutofit lnSpcReduction="10000"/>
+          </a:bodyPr>
+          <a:lstStyle>
+            <a:lvl1pPr marL="0" marR="0" indent="0" algn="l" defTabSz="914400" rtl="0" eaLnBrk="1" fontAlgn="auto" latinLnBrk="0" hangingPunct="1">
+              <a:lnSpc>
+                <a:spcPct val="100000"/>
+              </a:lnSpc>
+              <a:spcBef>
+                <a:spcPts val="600"/>
+              </a:spcBef>
+              <a:spcAft>
+                <a:spcPts val="0"/>
+              </a:spcAft>
+              <a:buClrTx/>
+              <a:buSzTx/>
+              <a:buFontTx/>
+              <a:buNone/>
+              <a:defRPr sz="1300" b="0" i="0" kern="1200">
+                <a:solidFill>
+                  <a:srgbClr val="0E2D69"/>
+                </a:solidFill>
+                <a:latin typeface="HSE Sans" panose="02000000000000000000" pitchFamily="2" charset="0"/>
+                <a:ea typeface="+mn-ea"/>
+                <a:cs typeface="+mn-cs"/>
+              </a:defRPr>
+            </a:lvl1pPr>
+            <a:lvl2pPr marL="685800" indent="-228600" algn="l" defTabSz="914400" rtl="0" eaLnBrk="1" latinLnBrk="0" hangingPunct="1">
+              <a:lnSpc>
+                <a:spcPct val="90000"/>
+              </a:lnSpc>
+              <a:spcBef>
+                <a:spcPts val="500"/>
+              </a:spcBef>
+              <a:buFont typeface="Arial" panose="020B0604020202090204" pitchFamily="34" charset="0"/>
+              <a:buChar char="•"/>
+              <a:defRPr sz="1300" b="0" i="0" kern="1200">
+                <a:solidFill>
+                  <a:srgbClr val="0E2D69"/>
+                </a:solidFill>
+                <a:latin typeface="HSE Sans" panose="02000000000000000000" pitchFamily="2" charset="0"/>
+                <a:ea typeface="+mn-ea"/>
+                <a:cs typeface="+mn-cs"/>
+              </a:defRPr>
+            </a:lvl2pPr>
+            <a:lvl3pPr marL="1143000" indent="-228600" algn="l" defTabSz="914400" rtl="0" eaLnBrk="1" latinLnBrk="0" hangingPunct="1">
+              <a:lnSpc>
+                <a:spcPct val="90000"/>
+              </a:lnSpc>
+              <a:spcBef>
+                <a:spcPts val="500"/>
+              </a:spcBef>
+              <a:buFont typeface="Arial" panose="020B0604020202090204" pitchFamily="34" charset="0"/>
+              <a:buChar char="•"/>
+              <a:defRPr sz="1300" b="0" i="0" kern="1200">
+                <a:solidFill>
+                  <a:srgbClr val="0E2D69"/>
+                </a:solidFill>
+                <a:latin typeface="HSE Sans" panose="02000000000000000000" pitchFamily="2" charset="0"/>
+                <a:ea typeface="+mn-ea"/>
+                <a:cs typeface="+mn-cs"/>
+              </a:defRPr>
+            </a:lvl3pPr>
+            <a:lvl4pPr marL="1600200" indent="-228600" algn="l" defTabSz="914400" rtl="0" eaLnBrk="1" latinLnBrk="0" hangingPunct="1">
+              <a:lnSpc>
+                <a:spcPct val="90000"/>
+              </a:lnSpc>
+              <a:spcBef>
+                <a:spcPts val="500"/>
+              </a:spcBef>
+              <a:buFont typeface="Arial" panose="020B0604020202090204" pitchFamily="34" charset="0"/>
+              <a:buChar char="•"/>
+              <a:defRPr sz="1300" b="0" i="0" kern="1200">
+                <a:solidFill>
+                  <a:srgbClr val="0E2D69"/>
+                </a:solidFill>
+                <a:latin typeface="HSE Sans" panose="02000000000000000000" pitchFamily="2" charset="0"/>
+                <a:ea typeface="+mn-ea"/>
+                <a:cs typeface="+mn-cs"/>
+              </a:defRPr>
+            </a:lvl4pPr>
+            <a:lvl5pPr marL="2057400" indent="-228600" algn="l" defTabSz="914400" rtl="0" eaLnBrk="1" latinLnBrk="0" hangingPunct="1">
+              <a:lnSpc>
+                <a:spcPct val="90000"/>
+              </a:lnSpc>
+              <a:spcBef>
+                <a:spcPts val="500"/>
+              </a:spcBef>
+              <a:buFont typeface="Arial" panose="020B0604020202090204" pitchFamily="34" charset="0"/>
+              <a:buChar char="•"/>
+              <a:defRPr sz="1300" b="0" i="0" kern="1200">
+                <a:solidFill>
+                  <a:srgbClr val="0E2D69"/>
+                </a:solidFill>
+                <a:latin typeface="HSE Sans" panose="02000000000000000000" pitchFamily="2" charset="0"/>
+                <a:ea typeface="+mn-ea"/>
+                <a:cs typeface="+mn-cs"/>
+              </a:defRPr>
+            </a:lvl5pPr>
+            <a:lvl6pPr marL="2514600" indent="-228600" algn="l" defTabSz="914400" rtl="0" eaLnBrk="1" latinLnBrk="0" hangingPunct="1">
+              <a:lnSpc>
+                <a:spcPct val="90000"/>
+              </a:lnSpc>
+              <a:spcBef>
+                <a:spcPts val="500"/>
+              </a:spcBef>
+              <a:buFont typeface="Arial" panose="020B0604020202090204" pitchFamily="34" charset="0"/>
+              <a:buChar char="•"/>
+              <a:defRPr sz="1800" kern="1200">
+                <a:solidFill>
+                  <a:schemeClr val="tx1"/>
+                </a:solidFill>
+                <a:latin typeface="+mn-lt"/>
+                <a:ea typeface="+mn-ea"/>
+                <a:cs typeface="+mn-cs"/>
+              </a:defRPr>
+            </a:lvl6pPr>
+            <a:lvl7pPr marL="2971800" indent="-228600" algn="l" defTabSz="914400" rtl="0" eaLnBrk="1" latinLnBrk="0" hangingPunct="1">
+              <a:lnSpc>
+                <a:spcPct val="90000"/>
+              </a:lnSpc>
+              <a:spcBef>
+                <a:spcPts val="500"/>
+              </a:spcBef>
+              <a:buFont typeface="Arial" panose="020B0604020202090204" pitchFamily="34" charset="0"/>
+              <a:buChar char="•"/>
+              <a:defRPr sz="1800" kern="1200">
+                <a:solidFill>
+                  <a:schemeClr val="tx1"/>
+                </a:solidFill>
+                <a:latin typeface="+mn-lt"/>
+                <a:ea typeface="+mn-ea"/>
+                <a:cs typeface="+mn-cs"/>
+              </a:defRPr>
+            </a:lvl7pPr>
+            <a:lvl8pPr marL="3429000" indent="-228600" algn="l" defTabSz="914400" rtl="0" eaLnBrk="1" latinLnBrk="0" hangingPunct="1">
+              <a:lnSpc>
+                <a:spcPct val="90000"/>
+              </a:lnSpc>
+              <a:spcBef>
+                <a:spcPts val="500"/>
+              </a:spcBef>
+              <a:buFont typeface="Arial" panose="020B0604020202090204" pitchFamily="34" charset="0"/>
+              <a:buChar char="•"/>
+              <a:defRPr sz="1800" kern="1200">
+                <a:solidFill>
+                  <a:schemeClr val="tx1"/>
+                </a:solidFill>
+                <a:latin typeface="+mn-lt"/>
+                <a:ea typeface="+mn-ea"/>
+                <a:cs typeface="+mn-cs"/>
+              </a:defRPr>
+            </a:lvl8pPr>
+            <a:lvl9pPr marL="3886200" indent="-228600" algn="l" defTabSz="914400" rtl="0" eaLnBrk="1" latinLnBrk="0" hangingPunct="1">
+              <a:lnSpc>
+                <a:spcPct val="90000"/>
+              </a:lnSpc>
+              <a:spcBef>
+                <a:spcPts val="500"/>
+              </a:spcBef>
+              <a:buFont typeface="Arial" panose="020B0604020202090204" pitchFamily="34" charset="0"/>
+              <a:buChar char="•"/>
+              <a:defRPr sz="1800" kern="1200">
+                <a:solidFill>
+                  <a:schemeClr val="tx1"/>
+                </a:solidFill>
+                <a:latin typeface="+mn-lt"/>
+                <a:ea typeface="+mn-ea"/>
+                <a:cs typeface="+mn-cs"/>
+              </a:defRPr>
+            </a:lvl9pPr>
+          </a:lstStyle>
+          <a:p>
+            <a:r>
+              <a:rPr lang="en-US" altLang="ru-RU"/>
+              <a:t>First we check if the passenger is alone </a:t>
+            </a:r>
+            <a:endParaRPr lang="en-US" altLang="ru-RU"/>
+          </a:p>
+          <a:p>
+            <a:endParaRPr lang="en-US" altLang="ru-RU"/>
+          </a:p>
+          <a:p>
+            <a:r>
+              <a:rPr lang="en-US" altLang="ru-RU"/>
+              <a:t>Second we classify people with different family sizes</a:t>
+            </a:r>
+            <a:endParaRPr lang="en-US" altLang="ru-RU"/>
+          </a:p>
+        </p:txBody>
+      </p:sp>
+      <p:pic>
+        <p:nvPicPr>
+          <p:cNvPr id="14" name="图片 13" descr="截屏2022-12-15 上午1.02.07"/>
+          <p:cNvPicPr>
+            <a:picLocks noChangeAspect="1"/>
+          </p:cNvPicPr>
+          <p:nvPr/>
+        </p:nvPicPr>
+        <p:blipFill>
+          <a:blip r:embed="rId3"/>
+          <a:srcRect b="972"/>
+          <a:stretch>
+            <a:fillRect/>
+          </a:stretch>
+        </p:blipFill>
+        <p:spPr>
+          <a:xfrm>
+            <a:off x="7653020" y="2533015"/>
+            <a:ext cx="4127500" cy="2716530"/>
+          </a:xfrm>
+          <a:prstGeom prst="rect">
+            <a:avLst/>
+          </a:prstGeom>
+        </p:spPr>
+      </p:pic>
     </p:spTree>
   </p:cSld>
   <p:clrMapOvr>
@@ -28698,9 +30750,17 @@
 
 <file path=ppt/tags/tag1.xml><?xml version="1.0" encoding="utf-8"?>
 <p:tagLst xmlns:p="http://schemas.openxmlformats.org/presentationml/2006/main">
+  <p:tag name="KSO_WM_UNIT_TABLE_BEAUTIFY" val="smartTable{bf83c949-5f11-44bd-a80f-5fb3e11a99e6}"/>
+  <p:tag name="TABLE_ENDDRAG_ORIGIN_RECT" val="777*142"/>
+  <p:tag name="TABLE_ENDDRAG_RECT" val="46*207*777*141"/>
+</p:tagLst>
+</file>
+
+<file path=ppt/tags/tag2.xml><?xml version="1.0" encoding="utf-8"?>
+<p:tagLst xmlns:p="http://schemas.openxmlformats.org/presentationml/2006/main">
   <p:tag name="KSO_WM_UNIT_TABLE_BEAUTIFY" val="smartTable{2ba75bb1-8418-4ce0-bfc2-1d7ba0bf6d43}"/>
-  <p:tag name="TABLE_ENDDRAG_ORIGIN_RECT" val="697*335"/>
-  <p:tag name="TABLE_ENDDRAG_RECT" val="90*128*697*347"/>
+  <p:tag name="TABLE_ENDDRAG_ORIGIN_RECT" val="697*347"/>
+  <p:tag name="TABLE_ENDDRAG_RECT" val="90*128*697*308"/>
 </p:tagLst>
 </file>
 

--- a/Project Report on OSDA.pptx
+++ b/Project Report on OSDA.pptx
@@ -28457,6 +28457,13 @@
             <a:r>
               <a:rPr lang="en-US" altLang="ru-RU"/>
               <a:t>Decision trees clearly outperform other algorithms in predicting the dataset used in this task, while the simplest KNN also performs similarly to decision trees</a:t>
+            </a:r>
+            <a:endParaRPr lang="en-US" altLang="ru-RU"/>
+          </a:p>
+          <a:p>
+            <a:r>
+              <a:rPr lang="en-US" altLang="ru-RU"/>
+              <a:t>If we take into account that this dataset is inherently unbalanced and we do not consider accuracy, then the support vector machine and random forest perform best.</a:t>
             </a:r>
             <a:endParaRPr lang="en-US" altLang="ru-RU"/>
           </a:p>
